--- a/Lightning_Network.pptx
+++ b/Lightning_Network.pptx
@@ -9,13 +9,13 @@
     <p:sldId id="258" r:id="rId3"/>
     <p:sldId id="257" r:id="rId4"/>
     <p:sldId id="259" r:id="rId5"/>
-    <p:sldId id="260" r:id="rId6"/>
-    <p:sldId id="261" r:id="rId7"/>
-    <p:sldId id="262" r:id="rId8"/>
-    <p:sldId id="263" r:id="rId9"/>
-    <p:sldId id="264" r:id="rId10"/>
-    <p:sldId id="265" r:id="rId11"/>
-    <p:sldId id="266" r:id="rId12"/>
+    <p:sldId id="261" r:id="rId6"/>
+    <p:sldId id="262" r:id="rId7"/>
+    <p:sldId id="263" r:id="rId8"/>
+    <p:sldId id="264" r:id="rId9"/>
+    <p:sldId id="265" r:id="rId10"/>
+    <p:sldId id="266" r:id="rId11"/>
+    <p:sldId id="260" r:id="rId12"/>
     <p:sldId id="267" r:id="rId13"/>
     <p:sldId id="268" r:id="rId14"/>
   </p:sldIdLst>
@@ -116,6 +116,11 @@
       </a:defRPr>
     </a:lvl9pPr>
   </p:defaultTextStyle>
+  <p:extLst>
+    <p:ext uri="{EFAFB233-063F-42B5-8137-9DF3F51BA10A}">
+      <p15:sldGuideLst xmlns:p15="http://schemas.microsoft.com/office/powerpoint/2012/main"/>
+    </p:ext>
+  </p:extLst>
 </p:presentation>
 </file>
 
@@ -3067,8 +3072,8 @@
         </p:blipFill>
         <p:spPr bwMode="auto">
           <a:xfrm>
-            <a:off x="-1" y="0"/>
-            <a:ext cx="12192001" cy="6858000"/>
+            <a:off x="0" y="0"/>
+            <a:ext cx="12192000" cy="6858000"/>
           </a:xfrm>
           <a:prstGeom prst="rect">
             <a:avLst/>
@@ -3464,7 +3469,7 @@
           <p:cNvPr id="2" name="Заголовок 1">
             <a:extLst>
               <a:ext uri="{FF2B5EF4-FFF2-40B4-BE49-F238E27FC236}">
-                <a16:creationId xmlns:a16="http://schemas.microsoft.com/office/drawing/2014/main" id="{02AEB64A-3BEC-4C06-BA2C-4A55875A924A}"/>
+                <a16:creationId xmlns:a16="http://schemas.microsoft.com/office/drawing/2014/main" id="{727D20EC-175F-4E7B-8F1D-F3CDE963F6F0}"/>
               </a:ext>
             </a:extLst>
           </p:cNvPr>
@@ -3489,7 +3494,7 @@
           <p:cNvPr id="3" name="Подзаголовок 2">
             <a:extLst>
               <a:ext uri="{FF2B5EF4-FFF2-40B4-BE49-F238E27FC236}">
-                <a16:creationId xmlns:a16="http://schemas.microsoft.com/office/drawing/2014/main" id="{432B3C0B-0806-493A-B0CB-0A1C7462B1D4}"/>
+                <a16:creationId xmlns:a16="http://schemas.microsoft.com/office/drawing/2014/main" id="{CBF4E56C-5872-4C4B-9A2A-609999552297}"/>
               </a:ext>
             </a:extLst>
           </p:cNvPr>
@@ -3514,7 +3519,7 @@
           <p:cNvPr id="4" name="Picture 8" descr="https://mospolytech.ru/storage/b53b3a3d6ab90ce0268229151c9bde11/images/Logo2.jpg">
             <a:extLst>
               <a:ext uri="{FF2B5EF4-FFF2-40B4-BE49-F238E27FC236}">
-                <a16:creationId xmlns:a16="http://schemas.microsoft.com/office/drawing/2014/main" id="{1D8B18B3-7A6C-43EA-8C4A-0C19FF1847ED}"/>
+                <a16:creationId xmlns:a16="http://schemas.microsoft.com/office/drawing/2014/main" id="{D4C654E2-4A51-42CF-BE76-0C25FA18C15B}"/>
               </a:ext>
             </a:extLst>
           </p:cNvPr>
@@ -3559,7 +3564,7 @@
     </p:spTree>
     <p:extLst>
       <p:ext uri="{BB962C8B-B14F-4D97-AF65-F5344CB8AC3E}">
-        <p14:creationId xmlns:p14="http://schemas.microsoft.com/office/powerpoint/2010/main" val="3730601145"/>
+        <p14:creationId xmlns:p14="http://schemas.microsoft.com/office/powerpoint/2010/main" val="4220881515"/>
       </p:ext>
     </p:extLst>
   </p:cSld>
@@ -3591,7 +3596,7 @@
           <p:cNvPr id="2" name="Заголовок 1">
             <a:extLst>
               <a:ext uri="{FF2B5EF4-FFF2-40B4-BE49-F238E27FC236}">
-                <a16:creationId xmlns:a16="http://schemas.microsoft.com/office/drawing/2014/main" id="{727D20EC-175F-4E7B-8F1D-F3CDE963F6F0}"/>
+                <a16:creationId xmlns:a16="http://schemas.microsoft.com/office/drawing/2014/main" id="{65432F68-2286-40F9-9134-A74E2F87C56D}"/>
               </a:ext>
             </a:extLst>
           </p:cNvPr>
@@ -3602,37 +3607,54 @@
             <p:ph type="ctrTitle"/>
           </p:nvPr>
         </p:nvSpPr>
-        <p:spPr/>
-        <p:txBody>
-          <a:bodyPr/>
-          <a:lstStyle/>
-          <a:p>
-            <a:endParaRPr lang="ru-RU"/>
-          </a:p>
-        </p:txBody>
-      </p:sp>
-      <p:sp>
-        <p:nvSpPr>
-          <p:cNvPr id="3" name="Подзаголовок 2">
-            <a:extLst>
-              <a:ext uri="{FF2B5EF4-FFF2-40B4-BE49-F238E27FC236}">
-                <a16:creationId xmlns:a16="http://schemas.microsoft.com/office/drawing/2014/main" id="{CBF4E56C-5872-4C4B-9A2A-609999552297}"/>
-              </a:ext>
-            </a:extLst>
-          </p:cNvPr>
-          <p:cNvSpPr>
-            <a:spLocks noGrp="1"/>
-          </p:cNvSpPr>
-          <p:nvPr>
-            <p:ph type="subTitle" idx="1"/>
-          </p:nvPr>
-        </p:nvSpPr>
-        <p:spPr/>
-        <p:txBody>
-          <a:bodyPr/>
-          <a:lstStyle/>
-          <a:p>
-            <a:endParaRPr lang="ru-RU"/>
+        <p:spPr>
+          <a:xfrm>
+            <a:off x="233265" y="0"/>
+            <a:ext cx="4545644" cy="1595534"/>
+          </a:xfrm>
+        </p:spPr>
+        <p:txBody>
+          <a:bodyPr>
+            <a:normAutofit/>
+          </a:bodyPr>
+          <a:lstStyle/>
+          <a:p>
+            <a:pPr algn="l"/>
+            <a:r>
+              <a:rPr lang="ru-RU" sz="4800" dirty="0">
+                <a:solidFill>
+                  <a:schemeClr val="tx1">
+                    <a:lumMod val="85000"/>
+                    <a:lumOff val="15000"/>
+                  </a:schemeClr>
+                </a:solidFill>
+                <a:latin typeface="Comic Sans MS" panose="030F0702030302020204" pitchFamily="66" charset="0"/>
+              </a:rPr>
+              <a:t>Результаты </a:t>
+            </a:r>
+            <a:br>
+              <a:rPr lang="ru-RU" sz="4800" dirty="0">
+                <a:solidFill>
+                  <a:schemeClr val="tx1">
+                    <a:lumMod val="85000"/>
+                    <a:lumOff val="15000"/>
+                  </a:schemeClr>
+                </a:solidFill>
+                <a:latin typeface="Comic Sans MS" panose="030F0702030302020204" pitchFamily="66" charset="0"/>
+              </a:rPr>
+            </a:br>
+            <a:r>
+              <a:rPr lang="ru-RU" sz="4800" dirty="0">
+                <a:solidFill>
+                  <a:schemeClr val="tx1">
+                    <a:lumMod val="85000"/>
+                    <a:lumOff val="15000"/>
+                  </a:schemeClr>
+                </a:solidFill>
+                <a:latin typeface="Comic Sans MS" panose="030F0702030302020204" pitchFamily="66" charset="0"/>
+              </a:rPr>
+              <a:t>работы</a:t>
+            </a:r>
           </a:p>
         </p:txBody>
       </p:sp>
@@ -3641,7 +3663,7 @@
           <p:cNvPr id="4" name="Picture 8" descr="https://mospolytech.ru/storage/b53b3a3d6ab90ce0268229151c9bde11/images/Logo2.jpg">
             <a:extLst>
               <a:ext uri="{FF2B5EF4-FFF2-40B4-BE49-F238E27FC236}">
-                <a16:creationId xmlns:a16="http://schemas.microsoft.com/office/drawing/2014/main" id="{D4C654E2-4A51-42CF-BE76-0C25FA18C15B}"/>
+                <a16:creationId xmlns:a16="http://schemas.microsoft.com/office/drawing/2014/main" id="{2DEA207E-2964-4DCC-B47E-7BEE002B81BF}"/>
               </a:ext>
             </a:extLst>
           </p:cNvPr>
@@ -3683,10 +3705,46 @@
           </a:extLst>
         </p:spPr>
       </p:pic>
+      <p:pic>
+        <p:nvPicPr>
+          <p:cNvPr id="6" name="Рисунок 5">
+            <a:extLst>
+              <a:ext uri="{FF2B5EF4-FFF2-40B4-BE49-F238E27FC236}">
+                <a16:creationId xmlns:a16="http://schemas.microsoft.com/office/drawing/2014/main" id="{9EC9D6EF-F276-4407-89CB-E43BEC8CA887}"/>
+              </a:ext>
+            </a:extLst>
+          </p:cNvPr>
+          <p:cNvPicPr>
+            <a:picLocks noChangeAspect="1"/>
+          </p:cNvPicPr>
+          <p:nvPr/>
+        </p:nvPicPr>
+        <p:blipFill>
+          <a:blip r:embed="rId3">
+            <a:extLst>
+              <a:ext uri="{28A0092B-C50C-407E-A947-70E740481C1C}">
+                <a14:useLocalDpi xmlns:a14="http://schemas.microsoft.com/office/drawing/2010/main" val="0"/>
+              </a:ext>
+            </a:extLst>
+          </a:blip>
+          <a:stretch>
+            <a:fillRect/>
+          </a:stretch>
+        </p:blipFill>
+        <p:spPr>
+          <a:xfrm>
+            <a:off x="3937516" y="0"/>
+            <a:ext cx="8254485" cy="6858000"/>
+          </a:xfrm>
+          <a:prstGeom prst="rect">
+            <a:avLst/>
+          </a:prstGeom>
+        </p:spPr>
+      </p:pic>
     </p:spTree>
     <p:extLst>
       <p:ext uri="{BB962C8B-B14F-4D97-AF65-F5344CB8AC3E}">
-        <p14:creationId xmlns:p14="http://schemas.microsoft.com/office/powerpoint/2010/main" val="4220881515"/>
+        <p14:creationId xmlns:p14="http://schemas.microsoft.com/office/powerpoint/2010/main" val="2547085615"/>
       </p:ext>
     </p:extLst>
   </p:cSld>
@@ -3729,37 +3787,30 @@
             <p:ph type="ctrTitle"/>
           </p:nvPr>
         </p:nvSpPr>
-        <p:spPr/>
-        <p:txBody>
-          <a:bodyPr/>
-          <a:lstStyle/>
-          <a:p>
-            <a:endParaRPr lang="ru-RU"/>
-          </a:p>
-        </p:txBody>
-      </p:sp>
-      <p:sp>
-        <p:nvSpPr>
-          <p:cNvPr id="3" name="Подзаголовок 2">
-            <a:extLst>
-              <a:ext uri="{FF2B5EF4-FFF2-40B4-BE49-F238E27FC236}">
-                <a16:creationId xmlns:a16="http://schemas.microsoft.com/office/drawing/2014/main" id="{02895607-FECC-4DB7-8242-CF9F5E6A1F53}"/>
-              </a:ext>
-            </a:extLst>
-          </p:cNvPr>
-          <p:cNvSpPr>
-            <a:spLocks noGrp="1"/>
-          </p:cNvSpPr>
-          <p:nvPr>
-            <p:ph type="subTitle" idx="1"/>
-          </p:nvPr>
-        </p:nvSpPr>
-        <p:spPr/>
-        <p:txBody>
-          <a:bodyPr/>
-          <a:lstStyle/>
-          <a:p>
-            <a:endParaRPr lang="ru-RU"/>
+        <p:spPr>
+          <a:xfrm>
+            <a:off x="289249" y="139959"/>
+            <a:ext cx="3906416" cy="813416"/>
+          </a:xfrm>
+        </p:spPr>
+        <p:txBody>
+          <a:bodyPr>
+            <a:normAutofit/>
+          </a:bodyPr>
+          <a:lstStyle/>
+          <a:p>
+            <a:r>
+              <a:rPr lang="ru-RU" sz="4800" dirty="0">
+                <a:solidFill>
+                  <a:schemeClr val="tx1">
+                    <a:lumMod val="85000"/>
+                    <a:lumOff val="15000"/>
+                  </a:schemeClr>
+                </a:solidFill>
+                <a:latin typeface="Comic Sans MS" panose="030F0702030302020204" pitchFamily="66" charset="0"/>
+              </a:rPr>
+              <a:t>Заключение</a:t>
+            </a:r>
           </a:p>
         </p:txBody>
       </p:sp>
@@ -3840,62 +3891,13 @@
           <a:chExt cx="0" cy="0"/>
         </a:xfrm>
       </p:grpSpPr>
-      <p:sp>
-        <p:nvSpPr>
-          <p:cNvPr id="2" name="Заголовок 1">
-            <a:extLst>
-              <a:ext uri="{FF2B5EF4-FFF2-40B4-BE49-F238E27FC236}">
-                <a16:creationId xmlns:a16="http://schemas.microsoft.com/office/drawing/2014/main" id="{8B19D17E-571E-42B1-AE57-BC3A7DEF22F5}"/>
-              </a:ext>
-            </a:extLst>
-          </p:cNvPr>
-          <p:cNvSpPr>
-            <a:spLocks noGrp="1"/>
-          </p:cNvSpPr>
-          <p:nvPr>
-            <p:ph type="ctrTitle"/>
-          </p:nvPr>
-        </p:nvSpPr>
-        <p:spPr/>
-        <p:txBody>
-          <a:bodyPr/>
-          <a:lstStyle/>
-          <a:p>
-            <a:endParaRPr lang="ru-RU"/>
-          </a:p>
-        </p:txBody>
-      </p:sp>
-      <p:sp>
-        <p:nvSpPr>
-          <p:cNvPr id="3" name="Подзаголовок 2">
-            <a:extLst>
-              <a:ext uri="{FF2B5EF4-FFF2-40B4-BE49-F238E27FC236}">
-                <a16:creationId xmlns:a16="http://schemas.microsoft.com/office/drawing/2014/main" id="{7966932F-BF19-4106-8986-64ED1F390E82}"/>
-              </a:ext>
-            </a:extLst>
-          </p:cNvPr>
-          <p:cNvSpPr>
-            <a:spLocks noGrp="1"/>
-          </p:cNvSpPr>
-          <p:nvPr>
-            <p:ph type="subTitle" idx="1"/>
-          </p:nvPr>
-        </p:nvSpPr>
-        <p:spPr/>
-        <p:txBody>
-          <a:bodyPr/>
-          <a:lstStyle/>
-          <a:p>
-            <a:endParaRPr lang="ru-RU"/>
-          </a:p>
-        </p:txBody>
-      </p:sp>
       <p:pic>
         <p:nvPicPr>
-          <p:cNvPr id="5" name="Picture 8" descr="https://mospolytech.ru/storage/b53b3a3d6ab90ce0268229151c9bde11/images/Logo2.jpg">
+          <p:cNvPr id="1034" name="Picture 10" descr="ÐÐ¾Ñ+Ð¾Ð¶ÐµÐµ Ð¸Ð·Ð¾Ð±ÑÐ°Ð¶ÐµÐ½Ð¸Ðµ">
             <a:extLst>
               <a:ext uri="{FF2B5EF4-FFF2-40B4-BE49-F238E27FC236}">
-                <a16:creationId xmlns:a16="http://schemas.microsoft.com/office/drawing/2014/main" id="{A610879B-9EE4-49C2-8651-7F5D9DFE7555}"/>
+                <a16:creationId xmlns:a16="http://schemas.microsoft.com/office/drawing/2014/main" id="{8C3DC8D9-5DF4-4532-B05B-1B350585BE13}"/>
               </a:ext>
             </a:extLst>
           </p:cNvPr>
@@ -3906,6 +3908,130 @@
         </p:nvPicPr>
         <p:blipFill>
           <a:blip r:embed="rId2">
+            <a:extLst>
+              <a:ext uri="{28A0092B-C50C-407E-A947-70E740481C1C}">
+                <a14:useLocalDpi xmlns:a14="http://schemas.microsoft.com/office/drawing/2010/main" val="0"/>
+              </a:ext>
+            </a:extLst>
+          </a:blip>
+          <a:srcRect/>
+          <a:stretch>
+            <a:fillRect/>
+          </a:stretch>
+        </p:blipFill>
+        <p:spPr bwMode="auto">
+          <a:xfrm>
+            <a:off x="0" y="-1"/>
+            <a:ext cx="12186754" cy="6858000"/>
+          </a:xfrm>
+          <a:prstGeom prst="rect">
+            <a:avLst/>
+          </a:prstGeom>
+          <a:noFill/>
+          <a:extLst>
+            <a:ext uri="{909E8E84-426E-40DD-AFC4-6F175D3DCCD1}">
+              <a14:hiddenFill xmlns:a14="http://schemas.microsoft.com/office/drawing/2010/main">
+                <a:solidFill>
+                  <a:srgbClr val="FFFFFF"/>
+                </a:solidFill>
+              </a14:hiddenFill>
+            </a:ext>
+          </a:extLst>
+        </p:spPr>
+      </p:pic>
+      <p:sp>
+        <p:nvSpPr>
+          <p:cNvPr id="2" name="Заголовок 1">
+            <a:extLst>
+              <a:ext uri="{FF2B5EF4-FFF2-40B4-BE49-F238E27FC236}">
+                <a16:creationId xmlns:a16="http://schemas.microsoft.com/office/drawing/2014/main" id="{8B19D17E-571E-42B1-AE57-BC3A7DEF22F5}"/>
+              </a:ext>
+            </a:extLst>
+          </p:cNvPr>
+          <p:cNvSpPr>
+            <a:spLocks noGrp="1"/>
+          </p:cNvSpPr>
+          <p:nvPr>
+            <p:ph type="ctrTitle"/>
+          </p:nvPr>
+        </p:nvSpPr>
+        <p:spPr>
+          <a:xfrm>
+            <a:off x="911777" y="-1"/>
+            <a:ext cx="10363200" cy="953375"/>
+          </a:xfrm>
+        </p:spPr>
+        <p:txBody>
+          <a:bodyPr>
+            <a:normAutofit/>
+          </a:bodyPr>
+          <a:lstStyle/>
+          <a:p>
+            <a:r>
+              <a:rPr lang="ru-RU" sz="5400" dirty="0">
+                <a:solidFill>
+                  <a:schemeClr val="accent1">
+                    <a:lumMod val="50000"/>
+                  </a:schemeClr>
+                </a:solidFill>
+                <a:latin typeface="Comic Sans MS" panose="030F0702030302020204" pitchFamily="66" charset="0"/>
+              </a:rPr>
+              <a:t>Спасибо</a:t>
+            </a:r>
+            <a:r>
+              <a:rPr lang="ru-RU" sz="5400" dirty="0">
+                <a:solidFill>
+                  <a:schemeClr val="tx1">
+                    <a:lumMod val="85000"/>
+                    <a:lumOff val="15000"/>
+                  </a:schemeClr>
+                </a:solidFill>
+                <a:latin typeface="Comic Sans MS" panose="030F0702030302020204" pitchFamily="66" charset="0"/>
+              </a:rPr>
+              <a:t> </a:t>
+            </a:r>
+            <a:r>
+              <a:rPr lang="en-US" sz="5400" dirty="0">
+                <a:solidFill>
+                  <a:schemeClr val="tx1">
+                    <a:lumMod val="85000"/>
+                    <a:lumOff val="15000"/>
+                  </a:schemeClr>
+                </a:solidFill>
+                <a:latin typeface="Comic Sans MS" panose="030F0702030302020204" pitchFamily="66" charset="0"/>
+              </a:rPr>
+              <a:t>     </a:t>
+            </a:r>
+            <a:r>
+              <a:rPr lang="ru-RU" sz="5400" dirty="0">
+                <a:solidFill>
+                  <a:schemeClr val="accent1">
+                    <a:lumMod val="50000"/>
+                  </a:schemeClr>
+                </a:solidFill>
+                <a:latin typeface="Comic Sans MS" panose="030F0702030302020204" pitchFamily="66" charset="0"/>
+              </a:rPr>
+              <a:t>за внимание!</a:t>
+            </a:r>
+          </a:p>
+        </p:txBody>
+      </p:sp>
+      <p:pic>
+        <p:nvPicPr>
+          <p:cNvPr id="5" name="Picture 8" descr="https://mospolytech.ru/storage/b53b3a3d6ab90ce0268229151c9bde11/images/Logo2.jpg">
+            <a:extLst>
+              <a:ext uri="{FF2B5EF4-FFF2-40B4-BE49-F238E27FC236}">
+                <a16:creationId xmlns:a16="http://schemas.microsoft.com/office/drawing/2014/main" id="{A610879B-9EE4-49C2-8651-7F5D9DFE7555}"/>
+              </a:ext>
+            </a:extLst>
+          </p:cNvPr>
+          <p:cNvPicPr>
+            <a:picLocks noChangeAspect="1" noChangeArrowheads="1"/>
+          </p:cNvPicPr>
+          <p:nvPr/>
+        </p:nvPicPr>
+        <p:blipFill>
+          <a:blip r:embed="rId3">
             <a:extLst>
               <a:ext uri="{28A0092B-C50C-407E-A947-70E740481C1C}">
                 <a14:useLocalDpi xmlns:a14="http://schemas.microsoft.com/office/drawing/2010/main" val="0"/>
@@ -4286,7 +4412,7 @@
         </p:nvSpPr>
         <p:spPr>
           <a:xfrm>
-            <a:off x="-1" y="2690"/>
+            <a:off x="205273" y="0"/>
             <a:ext cx="4058817" cy="846396"/>
           </a:xfrm>
         </p:spPr>
@@ -4583,7 +4709,7 @@
           <p:cNvPr id="2" name="Заголовок 1">
             <a:extLst>
               <a:ext uri="{FF2B5EF4-FFF2-40B4-BE49-F238E27FC236}">
-                <a16:creationId xmlns:a16="http://schemas.microsoft.com/office/drawing/2014/main" id="{65432F68-2286-40F9-9134-A74E2F87C56D}"/>
+                <a16:creationId xmlns:a16="http://schemas.microsoft.com/office/drawing/2014/main" id="{A1C3A07D-897F-41C7-8D99-44B1DC982B5B}"/>
               </a:ext>
             </a:extLst>
           </p:cNvPr>
@@ -4608,7 +4734,7 @@
           <p:cNvPr id="3" name="Подзаголовок 2">
             <a:extLst>
               <a:ext uri="{FF2B5EF4-FFF2-40B4-BE49-F238E27FC236}">
-                <a16:creationId xmlns:a16="http://schemas.microsoft.com/office/drawing/2014/main" id="{F54D78C6-740F-45AC-9A71-087DB17EEB2C}"/>
+                <a16:creationId xmlns:a16="http://schemas.microsoft.com/office/drawing/2014/main" id="{D3A5C26D-CC69-4FE5-A09A-C5F340F21D62}"/>
               </a:ext>
             </a:extLst>
           </p:cNvPr>
@@ -4633,7 +4759,7 @@
           <p:cNvPr id="4" name="Picture 8" descr="https://mospolytech.ru/storage/b53b3a3d6ab90ce0268229151c9bde11/images/Logo2.jpg">
             <a:extLst>
               <a:ext uri="{FF2B5EF4-FFF2-40B4-BE49-F238E27FC236}">
-                <a16:creationId xmlns:a16="http://schemas.microsoft.com/office/drawing/2014/main" id="{2DEA207E-2964-4DCC-B47E-7BEE002B81BF}"/>
+                <a16:creationId xmlns:a16="http://schemas.microsoft.com/office/drawing/2014/main" id="{EAD7870F-020C-4DC0-8595-7686A901E9D8}"/>
               </a:ext>
             </a:extLst>
           </p:cNvPr>
@@ -4678,7 +4804,7 @@
     </p:spTree>
     <p:extLst>
       <p:ext uri="{BB962C8B-B14F-4D97-AF65-F5344CB8AC3E}">
-        <p14:creationId xmlns:p14="http://schemas.microsoft.com/office/powerpoint/2010/main" val="2547085615"/>
+        <p14:creationId xmlns:p14="http://schemas.microsoft.com/office/powerpoint/2010/main" val="1050268133"/>
       </p:ext>
     </p:extLst>
   </p:cSld>
@@ -4710,7 +4836,7 @@
           <p:cNvPr id="2" name="Заголовок 1">
             <a:extLst>
               <a:ext uri="{FF2B5EF4-FFF2-40B4-BE49-F238E27FC236}">
-                <a16:creationId xmlns:a16="http://schemas.microsoft.com/office/drawing/2014/main" id="{A1C3A07D-897F-41C7-8D99-44B1DC982B5B}"/>
+                <a16:creationId xmlns:a16="http://schemas.microsoft.com/office/drawing/2014/main" id="{E81D95BD-A961-4B0C-832F-BCA66CB2467E}"/>
               </a:ext>
             </a:extLst>
           </p:cNvPr>
@@ -4735,7 +4861,7 @@
           <p:cNvPr id="3" name="Подзаголовок 2">
             <a:extLst>
               <a:ext uri="{FF2B5EF4-FFF2-40B4-BE49-F238E27FC236}">
-                <a16:creationId xmlns:a16="http://schemas.microsoft.com/office/drawing/2014/main" id="{D3A5C26D-CC69-4FE5-A09A-C5F340F21D62}"/>
+                <a16:creationId xmlns:a16="http://schemas.microsoft.com/office/drawing/2014/main" id="{F879280E-4CAC-422E-B5AF-CB1C378316D6}"/>
               </a:ext>
             </a:extLst>
           </p:cNvPr>
@@ -4760,7 +4886,7 @@
           <p:cNvPr id="4" name="Picture 8" descr="https://mospolytech.ru/storage/b53b3a3d6ab90ce0268229151c9bde11/images/Logo2.jpg">
             <a:extLst>
               <a:ext uri="{FF2B5EF4-FFF2-40B4-BE49-F238E27FC236}">
-                <a16:creationId xmlns:a16="http://schemas.microsoft.com/office/drawing/2014/main" id="{EAD7870F-020C-4DC0-8595-7686A901E9D8}"/>
+                <a16:creationId xmlns:a16="http://schemas.microsoft.com/office/drawing/2014/main" id="{F8E960EE-9839-4FF5-A72C-046491027C07}"/>
               </a:ext>
             </a:extLst>
           </p:cNvPr>
@@ -4805,7 +4931,7 @@
     </p:spTree>
     <p:extLst>
       <p:ext uri="{BB962C8B-B14F-4D97-AF65-F5344CB8AC3E}">
-        <p14:creationId xmlns:p14="http://schemas.microsoft.com/office/powerpoint/2010/main" val="1050268133"/>
+        <p14:creationId xmlns:p14="http://schemas.microsoft.com/office/powerpoint/2010/main" val="3619478730"/>
       </p:ext>
     </p:extLst>
   </p:cSld>
@@ -4837,7 +4963,7 @@
           <p:cNvPr id="2" name="Заголовок 1">
             <a:extLst>
               <a:ext uri="{FF2B5EF4-FFF2-40B4-BE49-F238E27FC236}">
-                <a16:creationId xmlns:a16="http://schemas.microsoft.com/office/drawing/2014/main" id="{E81D95BD-A961-4B0C-832F-BCA66CB2467E}"/>
+                <a16:creationId xmlns:a16="http://schemas.microsoft.com/office/drawing/2014/main" id="{B3602384-035E-4D92-AAB0-D7EF6B0E3EAB}"/>
               </a:ext>
             </a:extLst>
           </p:cNvPr>
@@ -4862,7 +4988,7 @@
           <p:cNvPr id="3" name="Подзаголовок 2">
             <a:extLst>
               <a:ext uri="{FF2B5EF4-FFF2-40B4-BE49-F238E27FC236}">
-                <a16:creationId xmlns:a16="http://schemas.microsoft.com/office/drawing/2014/main" id="{F879280E-4CAC-422E-B5AF-CB1C378316D6}"/>
+                <a16:creationId xmlns:a16="http://schemas.microsoft.com/office/drawing/2014/main" id="{AEC32413-DABC-4DC8-8438-5B766B68C9EC}"/>
               </a:ext>
             </a:extLst>
           </p:cNvPr>
@@ -4887,7 +5013,7 @@
           <p:cNvPr id="4" name="Picture 8" descr="https://mospolytech.ru/storage/b53b3a3d6ab90ce0268229151c9bde11/images/Logo2.jpg">
             <a:extLst>
               <a:ext uri="{FF2B5EF4-FFF2-40B4-BE49-F238E27FC236}">
-                <a16:creationId xmlns:a16="http://schemas.microsoft.com/office/drawing/2014/main" id="{F8E960EE-9839-4FF5-A72C-046491027C07}"/>
+                <a16:creationId xmlns:a16="http://schemas.microsoft.com/office/drawing/2014/main" id="{3601EF99-96D5-40D0-B047-0DA7E29CFA83}"/>
               </a:ext>
             </a:extLst>
           </p:cNvPr>
@@ -4932,7 +5058,7 @@
     </p:spTree>
     <p:extLst>
       <p:ext uri="{BB962C8B-B14F-4D97-AF65-F5344CB8AC3E}">
-        <p14:creationId xmlns:p14="http://schemas.microsoft.com/office/powerpoint/2010/main" val="3619478730"/>
+        <p14:creationId xmlns:p14="http://schemas.microsoft.com/office/powerpoint/2010/main" val="2953877552"/>
       </p:ext>
     </p:extLst>
   </p:cSld>
@@ -4964,7 +5090,7 @@
           <p:cNvPr id="2" name="Заголовок 1">
             <a:extLst>
               <a:ext uri="{FF2B5EF4-FFF2-40B4-BE49-F238E27FC236}">
-                <a16:creationId xmlns:a16="http://schemas.microsoft.com/office/drawing/2014/main" id="{B3602384-035E-4D92-AAB0-D7EF6B0E3EAB}"/>
+                <a16:creationId xmlns:a16="http://schemas.microsoft.com/office/drawing/2014/main" id="{20D6F354-287C-4D18-8E55-06F016D9B3B9}"/>
               </a:ext>
             </a:extLst>
           </p:cNvPr>
@@ -4989,7 +5115,7 @@
           <p:cNvPr id="3" name="Подзаголовок 2">
             <a:extLst>
               <a:ext uri="{FF2B5EF4-FFF2-40B4-BE49-F238E27FC236}">
-                <a16:creationId xmlns:a16="http://schemas.microsoft.com/office/drawing/2014/main" id="{AEC32413-DABC-4DC8-8438-5B766B68C9EC}"/>
+                <a16:creationId xmlns:a16="http://schemas.microsoft.com/office/drawing/2014/main" id="{D6143737-3C3F-451B-AA05-82A1A7D7AC4F}"/>
               </a:ext>
             </a:extLst>
           </p:cNvPr>
@@ -5014,7 +5140,7 @@
           <p:cNvPr id="4" name="Picture 8" descr="https://mospolytech.ru/storage/b53b3a3d6ab90ce0268229151c9bde11/images/Logo2.jpg">
             <a:extLst>
               <a:ext uri="{FF2B5EF4-FFF2-40B4-BE49-F238E27FC236}">
-                <a16:creationId xmlns:a16="http://schemas.microsoft.com/office/drawing/2014/main" id="{3601EF99-96D5-40D0-B047-0DA7E29CFA83}"/>
+                <a16:creationId xmlns:a16="http://schemas.microsoft.com/office/drawing/2014/main" id="{60EDDCDF-DC04-4772-8669-0448A667E7E1}"/>
               </a:ext>
             </a:extLst>
           </p:cNvPr>
@@ -5059,7 +5185,7 @@
     </p:spTree>
     <p:extLst>
       <p:ext uri="{BB962C8B-B14F-4D97-AF65-F5344CB8AC3E}">
-        <p14:creationId xmlns:p14="http://schemas.microsoft.com/office/powerpoint/2010/main" val="2953877552"/>
+        <p14:creationId xmlns:p14="http://schemas.microsoft.com/office/powerpoint/2010/main" val="2201669119"/>
       </p:ext>
     </p:extLst>
   </p:cSld>
@@ -5091,7 +5217,7 @@
           <p:cNvPr id="2" name="Заголовок 1">
             <a:extLst>
               <a:ext uri="{FF2B5EF4-FFF2-40B4-BE49-F238E27FC236}">
-                <a16:creationId xmlns:a16="http://schemas.microsoft.com/office/drawing/2014/main" id="{20D6F354-287C-4D18-8E55-06F016D9B3B9}"/>
+                <a16:creationId xmlns:a16="http://schemas.microsoft.com/office/drawing/2014/main" id="{02AEB64A-3BEC-4C06-BA2C-4A55875A924A}"/>
               </a:ext>
             </a:extLst>
           </p:cNvPr>
@@ -5116,7 +5242,7 @@
           <p:cNvPr id="3" name="Подзаголовок 2">
             <a:extLst>
               <a:ext uri="{FF2B5EF4-FFF2-40B4-BE49-F238E27FC236}">
-                <a16:creationId xmlns:a16="http://schemas.microsoft.com/office/drawing/2014/main" id="{D6143737-3C3F-451B-AA05-82A1A7D7AC4F}"/>
+                <a16:creationId xmlns:a16="http://schemas.microsoft.com/office/drawing/2014/main" id="{432B3C0B-0806-493A-B0CB-0A1C7462B1D4}"/>
               </a:ext>
             </a:extLst>
           </p:cNvPr>
@@ -5141,7 +5267,7 @@
           <p:cNvPr id="4" name="Picture 8" descr="https://mospolytech.ru/storage/b53b3a3d6ab90ce0268229151c9bde11/images/Logo2.jpg">
             <a:extLst>
               <a:ext uri="{FF2B5EF4-FFF2-40B4-BE49-F238E27FC236}">
-                <a16:creationId xmlns:a16="http://schemas.microsoft.com/office/drawing/2014/main" id="{60EDDCDF-DC04-4772-8669-0448A667E7E1}"/>
+                <a16:creationId xmlns:a16="http://schemas.microsoft.com/office/drawing/2014/main" id="{1D8B18B3-7A6C-43EA-8C4A-0C19FF1847ED}"/>
               </a:ext>
             </a:extLst>
           </p:cNvPr>
@@ -5186,7 +5312,7 @@
     </p:spTree>
     <p:extLst>
       <p:ext uri="{BB962C8B-B14F-4D97-AF65-F5344CB8AC3E}">
-        <p14:creationId xmlns:p14="http://schemas.microsoft.com/office/powerpoint/2010/main" val="2201669119"/>
+        <p14:creationId xmlns:p14="http://schemas.microsoft.com/office/powerpoint/2010/main" val="3730601145"/>
       </p:ext>
     </p:extLst>
   </p:cSld>

--- a/Lightning_Network.pptx
+++ b/Lightning_Network.pptx
@@ -12,12 +12,14 @@
     <p:sldId id="261" r:id="rId6"/>
     <p:sldId id="262" r:id="rId7"/>
     <p:sldId id="263" r:id="rId8"/>
-    <p:sldId id="264" r:id="rId9"/>
-    <p:sldId id="265" r:id="rId10"/>
-    <p:sldId id="266" r:id="rId11"/>
-    <p:sldId id="260" r:id="rId12"/>
-    <p:sldId id="267" r:id="rId13"/>
-    <p:sldId id="268" r:id="rId14"/>
+    <p:sldId id="260" r:id="rId9"/>
+    <p:sldId id="270" r:id="rId10"/>
+    <p:sldId id="264" r:id="rId11"/>
+    <p:sldId id="265" r:id="rId12"/>
+    <p:sldId id="269" r:id="rId13"/>
+    <p:sldId id="267" r:id="rId14"/>
+    <p:sldId id="266" r:id="rId15"/>
+    <p:sldId id="268" r:id="rId16"/>
   </p:sldIdLst>
   <p:sldSz cx="12192000" cy="6858000"/>
   <p:notesSz cx="6858000" cy="9144000"/>
@@ -3469,7 +3471,7 @@
           <p:cNvPr id="2" name="Заголовок 1">
             <a:extLst>
               <a:ext uri="{FF2B5EF4-FFF2-40B4-BE49-F238E27FC236}">
-                <a16:creationId xmlns:a16="http://schemas.microsoft.com/office/drawing/2014/main" id="{727D20EC-175F-4E7B-8F1D-F3CDE963F6F0}"/>
+                <a16:creationId xmlns:a16="http://schemas.microsoft.com/office/drawing/2014/main" id="{20D6F354-287C-4D18-8E55-06F016D9B3B9}"/>
               </a:ext>
             </a:extLst>
           </p:cNvPr>
@@ -3480,37 +3482,39 @@
             <p:ph type="ctrTitle"/>
           </p:nvPr>
         </p:nvSpPr>
-        <p:spPr/>
-        <p:txBody>
-          <a:bodyPr/>
+        <p:spPr>
+          <a:xfrm>
+            <a:off x="373222" y="429208"/>
+            <a:ext cx="3191069" cy="804085"/>
+          </a:xfrm>
+        </p:spPr>
+        <p:txBody>
+          <a:bodyPr>
+            <a:normAutofit/>
+          </a:bodyPr>
           <a:lstStyle/>
           <a:p>
-            <a:endParaRPr lang="ru-RU"/>
-          </a:p>
-        </p:txBody>
-      </p:sp>
-      <p:sp>
-        <p:nvSpPr>
-          <p:cNvPr id="3" name="Подзаголовок 2">
-            <a:extLst>
-              <a:ext uri="{FF2B5EF4-FFF2-40B4-BE49-F238E27FC236}">
-                <a16:creationId xmlns:a16="http://schemas.microsoft.com/office/drawing/2014/main" id="{CBF4E56C-5872-4C4B-9A2A-609999552297}"/>
-              </a:ext>
-            </a:extLst>
-          </p:cNvPr>
-          <p:cNvSpPr>
-            <a:spLocks noGrp="1"/>
-          </p:cNvSpPr>
-          <p:nvPr>
-            <p:ph type="subTitle" idx="1"/>
-          </p:nvPr>
-        </p:nvSpPr>
-        <p:spPr/>
-        <p:txBody>
-          <a:bodyPr/>
-          <a:lstStyle/>
-          <a:p>
-            <a:endParaRPr lang="ru-RU"/>
+            <a:r>
+              <a:rPr lang="en-US" sz="4800" dirty="0">
+                <a:solidFill>
+                  <a:schemeClr val="tx1">
+                    <a:lumMod val="85000"/>
+                    <a:lumOff val="15000"/>
+                  </a:schemeClr>
+                </a:solidFill>
+                <a:latin typeface="Comic Sans MS" panose="030F0702030302020204" pitchFamily="66" charset="0"/>
+              </a:rPr>
+              <a:t>Eclair</a:t>
+            </a:r>
+            <a:endParaRPr lang="ru-RU" sz="4800" dirty="0">
+              <a:solidFill>
+                <a:schemeClr val="tx1">
+                  <a:lumMod val="85000"/>
+                  <a:lumOff val="15000"/>
+                </a:schemeClr>
+              </a:solidFill>
+              <a:latin typeface="Comic Sans MS" panose="030F0702030302020204" pitchFamily="66" charset="0"/>
+            </a:endParaRPr>
           </a:p>
         </p:txBody>
       </p:sp>
@@ -3519,7 +3523,7 @@
           <p:cNvPr id="4" name="Picture 8" descr="https://mospolytech.ru/storage/b53b3a3d6ab90ce0268229151c9bde11/images/Logo2.jpg">
             <a:extLst>
               <a:ext uri="{FF2B5EF4-FFF2-40B4-BE49-F238E27FC236}">
-                <a16:creationId xmlns:a16="http://schemas.microsoft.com/office/drawing/2014/main" id="{D4C654E2-4A51-42CF-BE76-0C25FA18C15B}"/>
+                <a16:creationId xmlns:a16="http://schemas.microsoft.com/office/drawing/2014/main" id="{60EDDCDF-DC04-4772-8669-0448A667E7E1}"/>
               </a:ext>
             </a:extLst>
           </p:cNvPr>
@@ -3561,10 +3565,367 @@
           </a:extLst>
         </p:spPr>
       </p:pic>
+      <p:sp>
+        <p:nvSpPr>
+          <p:cNvPr id="5" name="Прямоугольник 4">
+            <a:extLst>
+              <a:ext uri="{FF2B5EF4-FFF2-40B4-BE49-F238E27FC236}">
+                <a16:creationId xmlns:a16="http://schemas.microsoft.com/office/drawing/2014/main" id="{679EC4F9-DAB1-4465-9725-AB8A9E7632EB}"/>
+              </a:ext>
+            </a:extLst>
+          </p:cNvPr>
+          <p:cNvSpPr/>
+          <p:nvPr/>
+        </p:nvSpPr>
+        <p:spPr>
+          <a:xfrm>
+            <a:off x="905069" y="1551563"/>
+            <a:ext cx="10842171" cy="3754874"/>
+          </a:xfrm>
+          <a:prstGeom prst="rect">
+            <a:avLst/>
+          </a:prstGeom>
+        </p:spPr>
+        <p:txBody>
+          <a:bodyPr wrap="square">
+            <a:spAutoFit/>
+          </a:bodyPr>
+          <a:lstStyle/>
+          <a:p>
+            <a:r>
+              <a:rPr lang="ru-RU" sz="2000" dirty="0" err="1">
+                <a:solidFill>
+                  <a:srgbClr val="000000"/>
+                </a:solidFill>
+                <a:latin typeface="Comic Sans MS" panose="030F0702030302020204" pitchFamily="66" charset="0"/>
+              </a:rPr>
+              <a:t>Eclair</a:t>
+            </a:r>
+            <a:r>
+              <a:rPr lang="ru-RU" sz="2000" dirty="0">
+                <a:solidFill>
+                  <a:srgbClr val="000000"/>
+                </a:solidFill>
+                <a:latin typeface="Comic Sans MS" panose="030F0702030302020204" pitchFamily="66" charset="0"/>
+              </a:rPr>
+              <a:t> </a:t>
+            </a:r>
+            <a:r>
+              <a:rPr lang="ru-RU" sz="2000" dirty="0" err="1">
+                <a:solidFill>
+                  <a:srgbClr val="000000"/>
+                </a:solidFill>
+                <a:latin typeface="Comic Sans MS" panose="030F0702030302020204" pitchFamily="66" charset="0"/>
+              </a:rPr>
+              <a:t>mobile</a:t>
+            </a:r>
+            <a:r>
+              <a:rPr lang="ru-RU" sz="2000" dirty="0">
+                <a:solidFill>
+                  <a:srgbClr val="000000"/>
+                </a:solidFill>
+                <a:latin typeface="Comic Sans MS" panose="030F0702030302020204" pitchFamily="66" charset="0"/>
+              </a:rPr>
+              <a:t> — приложение, которое можно использовать как обычный кошелёк для хранения BTC, а также совершать транзакции с помощью технологии </a:t>
+            </a:r>
+            <a:r>
+              <a:rPr lang="ru-RU" sz="2000" dirty="0" err="1">
+                <a:solidFill>
+                  <a:srgbClr val="000000"/>
+                </a:solidFill>
+                <a:latin typeface="Comic Sans MS" panose="030F0702030302020204" pitchFamily="66" charset="0"/>
+              </a:rPr>
+              <a:t>Lightning</a:t>
+            </a:r>
+            <a:r>
+              <a:rPr lang="ru-RU" sz="2000" dirty="0">
+                <a:solidFill>
+                  <a:srgbClr val="000000"/>
+                </a:solidFill>
+                <a:latin typeface="Comic Sans MS" panose="030F0702030302020204" pitchFamily="66" charset="0"/>
+              </a:rPr>
+              <a:t> </a:t>
+            </a:r>
+            <a:r>
+              <a:rPr lang="ru-RU" sz="2000" dirty="0" err="1">
+                <a:solidFill>
+                  <a:srgbClr val="000000"/>
+                </a:solidFill>
+                <a:latin typeface="Comic Sans MS" panose="030F0702030302020204" pitchFamily="66" charset="0"/>
+              </a:rPr>
+              <a:t>Network</a:t>
+            </a:r>
+            <a:r>
+              <a:rPr lang="ru-RU" sz="2000" dirty="0">
+                <a:solidFill>
+                  <a:srgbClr val="000000"/>
+                </a:solidFill>
+                <a:latin typeface="Comic Sans MS" panose="030F0702030302020204" pitchFamily="66" charset="0"/>
+              </a:rPr>
+              <a:t> </a:t>
+            </a:r>
+          </a:p>
+          <a:p>
+            <a:r>
+              <a:rPr lang="ru-RU" sz="2000" dirty="0">
+                <a:solidFill>
+                  <a:srgbClr val="000000"/>
+                </a:solidFill>
+                <a:latin typeface="Comic Sans MS" panose="030F0702030302020204" pitchFamily="66" charset="0"/>
+              </a:rPr>
+              <a:t>Преимущества:</a:t>
+            </a:r>
+          </a:p>
+          <a:p>
+            <a:pPr marL="285750" indent="-285750">
+              <a:buClr>
+                <a:schemeClr val="tx1">
+                  <a:lumMod val="75000"/>
+                  <a:lumOff val="25000"/>
+                </a:schemeClr>
+              </a:buClr>
+              <a:buSzPct val="90000"/>
+              <a:buFont typeface="Arial" panose="020B0604020202020204" pitchFamily="34" charset="0"/>
+              <a:buChar char="•"/>
+            </a:pPr>
+            <a:r>
+              <a:rPr lang="ru-RU" sz="2000" dirty="0">
+                <a:solidFill>
+                  <a:srgbClr val="000000"/>
+                </a:solidFill>
+                <a:latin typeface="Comic Sans MS" panose="030F0702030302020204" pitchFamily="66" charset="0"/>
+              </a:rPr>
+              <a:t>дизайн</a:t>
+            </a:r>
+            <a:r>
+              <a:rPr lang="en-US" sz="2000" dirty="0">
+                <a:solidFill>
+                  <a:srgbClr val="000000"/>
+                </a:solidFill>
+                <a:latin typeface="Comic Sans MS" panose="030F0702030302020204" pitchFamily="66" charset="0"/>
+              </a:rPr>
+              <a:t>;</a:t>
+            </a:r>
+            <a:endParaRPr lang="ru-RU" sz="2000" dirty="0">
+              <a:solidFill>
+                <a:srgbClr val="000000"/>
+              </a:solidFill>
+              <a:latin typeface="Comic Sans MS" panose="030F0702030302020204" pitchFamily="66" charset="0"/>
+            </a:endParaRPr>
+          </a:p>
+          <a:p>
+            <a:pPr marL="285750" indent="-285750">
+              <a:buClr>
+                <a:schemeClr val="tx1">
+                  <a:lumMod val="75000"/>
+                  <a:lumOff val="25000"/>
+                </a:schemeClr>
+              </a:buClr>
+              <a:buSzPct val="90000"/>
+              <a:buFont typeface="Arial" panose="020B0604020202020204" pitchFamily="34" charset="0"/>
+              <a:buChar char="•"/>
+            </a:pPr>
+            <a:r>
+              <a:rPr lang="ru-RU" sz="2000" dirty="0">
+                <a:solidFill>
+                  <a:srgbClr val="000000"/>
+                </a:solidFill>
+                <a:latin typeface="Comic Sans MS" panose="030F0702030302020204" pitchFamily="66" charset="0"/>
+              </a:rPr>
+              <a:t>контроль количества узлов из приложения</a:t>
+            </a:r>
+            <a:r>
+              <a:rPr lang="en-US" sz="2000" dirty="0">
+                <a:solidFill>
+                  <a:srgbClr val="000000"/>
+                </a:solidFill>
+                <a:latin typeface="Comic Sans MS" panose="030F0702030302020204" pitchFamily="66" charset="0"/>
+              </a:rPr>
+              <a:t>, </a:t>
+            </a:r>
+            <a:r>
+              <a:rPr lang="ru-RU" sz="2000" dirty="0">
+                <a:solidFill>
+                  <a:srgbClr val="000000"/>
+                </a:solidFill>
+                <a:latin typeface="Comic Sans MS" panose="030F0702030302020204" pitchFamily="66" charset="0"/>
+              </a:rPr>
+              <a:t>контроль состояния счёта</a:t>
+            </a:r>
+            <a:r>
+              <a:rPr lang="en-US" sz="2000" dirty="0">
+                <a:solidFill>
+                  <a:srgbClr val="000000"/>
+                </a:solidFill>
+                <a:latin typeface="Comic Sans MS" panose="030F0702030302020204" pitchFamily="66" charset="0"/>
+              </a:rPr>
+              <a:t>;</a:t>
+            </a:r>
+          </a:p>
+          <a:p>
+            <a:pPr marL="285750" indent="-285750">
+              <a:buClr>
+                <a:schemeClr val="tx1">
+                  <a:lumMod val="75000"/>
+                  <a:lumOff val="25000"/>
+                </a:schemeClr>
+              </a:buClr>
+              <a:buSzPct val="90000"/>
+              <a:buFont typeface="Arial" panose="020B0604020202020204" pitchFamily="34" charset="0"/>
+              <a:buChar char="•"/>
+            </a:pPr>
+            <a:r>
+              <a:rPr lang="ru-RU" sz="2000" dirty="0">
+                <a:solidFill>
+                  <a:srgbClr val="000000"/>
+                </a:solidFill>
+                <a:latin typeface="Comic Sans MS" panose="030F0702030302020204" pitchFamily="66" charset="0"/>
+              </a:rPr>
+              <a:t>высокий уровень защиты данных по счетам. </a:t>
+            </a:r>
+            <a:br>
+              <a:rPr lang="ru-RU" sz="2000" dirty="0">
+                <a:latin typeface="Comic Sans MS" panose="030F0702030302020204" pitchFamily="66" charset="0"/>
+              </a:rPr>
+            </a:br>
+            <a:r>
+              <a:rPr lang="ru-RU" sz="2000" dirty="0">
+                <a:solidFill>
+                  <a:srgbClr val="000000"/>
+                </a:solidFill>
+                <a:latin typeface="Comic Sans MS" panose="030F0702030302020204" pitchFamily="66" charset="0"/>
+              </a:rPr>
+              <a:t>Недостатки: </a:t>
+            </a:r>
+            <a:endParaRPr lang="en-US" sz="2000" dirty="0">
+              <a:solidFill>
+                <a:srgbClr val="000000"/>
+              </a:solidFill>
+              <a:latin typeface="Comic Sans MS" panose="030F0702030302020204" pitchFamily="66" charset="0"/>
+            </a:endParaRPr>
+          </a:p>
+          <a:p>
+            <a:pPr marL="285750" indent="-285750">
+              <a:buClr>
+                <a:schemeClr val="tx1">
+                  <a:lumMod val="75000"/>
+                  <a:lumOff val="25000"/>
+                </a:schemeClr>
+              </a:buClr>
+              <a:buSzPct val="90000"/>
+              <a:buFont typeface="Arial" panose="020B0604020202020204" pitchFamily="34" charset="0"/>
+              <a:buChar char="•"/>
+            </a:pPr>
+            <a:r>
+              <a:rPr lang="ru-RU" sz="2000" dirty="0">
+                <a:solidFill>
+                  <a:srgbClr val="000000"/>
+                </a:solidFill>
+                <a:latin typeface="Comic Sans MS" panose="030F0702030302020204" pitchFamily="66" charset="0"/>
+              </a:rPr>
+              <a:t>упрощенная проверка транзакций</a:t>
+            </a:r>
+            <a:r>
+              <a:rPr lang="en-US" sz="2000" dirty="0">
+                <a:solidFill>
+                  <a:srgbClr val="000000"/>
+                </a:solidFill>
+                <a:latin typeface="Comic Sans MS" panose="030F0702030302020204" pitchFamily="66" charset="0"/>
+              </a:rPr>
+              <a:t>;</a:t>
+            </a:r>
+            <a:endParaRPr lang="ru-RU" sz="2000" dirty="0">
+              <a:solidFill>
+                <a:srgbClr val="000000"/>
+              </a:solidFill>
+              <a:latin typeface="Comic Sans MS" panose="030F0702030302020204" pitchFamily="66" charset="0"/>
+            </a:endParaRPr>
+          </a:p>
+          <a:p>
+            <a:pPr marL="285750" indent="-285750">
+              <a:buClr>
+                <a:schemeClr val="tx1">
+                  <a:lumMod val="75000"/>
+                  <a:lumOff val="25000"/>
+                </a:schemeClr>
+              </a:buClr>
+              <a:buSzPct val="90000"/>
+              <a:buFont typeface="Arial" panose="020B0604020202020204" pitchFamily="34" charset="0"/>
+              <a:buChar char="•"/>
+            </a:pPr>
+            <a:r>
+              <a:rPr lang="ru-RU" sz="2000" dirty="0">
+                <a:solidFill>
+                  <a:srgbClr val="000000"/>
+                </a:solidFill>
+                <a:latin typeface="Comic Sans MS" panose="030F0702030302020204" pitchFamily="66" charset="0"/>
+              </a:rPr>
+              <a:t>только на </a:t>
+            </a:r>
+            <a:r>
+              <a:rPr lang="ru-RU" sz="2000" dirty="0" err="1">
+                <a:solidFill>
+                  <a:srgbClr val="000000"/>
+                </a:solidFill>
+                <a:latin typeface="Comic Sans MS" panose="030F0702030302020204" pitchFamily="66" charset="0"/>
+              </a:rPr>
+              <a:t>Android</a:t>
+            </a:r>
+            <a:r>
+              <a:rPr lang="ru-RU" sz="2000" dirty="0">
+                <a:solidFill>
+                  <a:srgbClr val="000000"/>
+                </a:solidFill>
+                <a:latin typeface="Comic Sans MS" panose="030F0702030302020204" pitchFamily="66" charset="0"/>
+              </a:rPr>
+              <a:t> </a:t>
+            </a:r>
+          </a:p>
+          <a:p>
+            <a:pPr marL="285750" indent="-285750">
+              <a:buClr>
+                <a:schemeClr val="tx1">
+                  <a:lumMod val="75000"/>
+                  <a:lumOff val="25000"/>
+                </a:schemeClr>
+              </a:buClr>
+              <a:buSzPct val="90000"/>
+              <a:buFont typeface="Arial" panose="020B0604020202020204" pitchFamily="34" charset="0"/>
+              <a:buChar char="•"/>
+            </a:pPr>
+            <a:r>
+              <a:rPr lang="ru-RU" sz="2000" dirty="0">
+                <a:solidFill>
+                  <a:srgbClr val="000000"/>
+                </a:solidFill>
+                <a:latin typeface="Comic Sans MS" panose="030F0702030302020204" pitchFamily="66" charset="0"/>
+              </a:rPr>
+              <a:t>только на английском языке.</a:t>
+            </a:r>
+          </a:p>
+          <a:p>
+            <a:pPr>
+              <a:buClr>
+                <a:schemeClr val="tx1">
+                  <a:lumMod val="75000"/>
+                  <a:lumOff val="25000"/>
+                </a:schemeClr>
+              </a:buClr>
+              <a:buSzPct val="90000"/>
+            </a:pPr>
+            <a:endParaRPr lang="ru-RU" dirty="0">
+              <a:solidFill>
+                <a:srgbClr val="000000"/>
+              </a:solidFill>
+              <a:latin typeface="-apple-system"/>
+            </a:endParaRPr>
+          </a:p>
+        </p:txBody>
+      </p:sp>
     </p:spTree>
     <p:extLst>
       <p:ext uri="{BB962C8B-B14F-4D97-AF65-F5344CB8AC3E}">
-        <p14:creationId xmlns:p14="http://schemas.microsoft.com/office/powerpoint/2010/main" val="4220881515"/>
+        <p14:creationId xmlns:p14="http://schemas.microsoft.com/office/powerpoint/2010/main" val="2201669119"/>
       </p:ext>
     </p:extLst>
   </p:cSld>
@@ -3596,7 +3957,7 @@
           <p:cNvPr id="2" name="Заголовок 1">
             <a:extLst>
               <a:ext uri="{FF2B5EF4-FFF2-40B4-BE49-F238E27FC236}">
-                <a16:creationId xmlns:a16="http://schemas.microsoft.com/office/drawing/2014/main" id="{65432F68-2286-40F9-9134-A74E2F87C56D}"/>
+                <a16:creationId xmlns:a16="http://schemas.microsoft.com/office/drawing/2014/main" id="{02AEB64A-3BEC-4C06-BA2C-4A55875A924A}"/>
               </a:ext>
             </a:extLst>
           </p:cNvPr>
@@ -3609,8 +3970,8 @@
         </p:nvSpPr>
         <p:spPr>
           <a:xfrm>
-            <a:off x="233265" y="0"/>
-            <a:ext cx="4545644" cy="1595534"/>
+            <a:off x="873965" y="363892"/>
+            <a:ext cx="2189584" cy="850739"/>
           </a:xfrm>
         </p:spPr>
         <p:txBody>
@@ -3619,42 +3980,27 @@
           </a:bodyPr>
           <a:lstStyle/>
           <a:p>
-            <a:pPr algn="l"/>
-            <a:r>
-              <a:rPr lang="ru-RU" sz="4800" dirty="0">
-                <a:solidFill>
-                  <a:schemeClr val="tx1">
-                    <a:lumMod val="85000"/>
-                    <a:lumOff val="15000"/>
-                  </a:schemeClr>
-                </a:solidFill>
-                <a:latin typeface="Comic Sans MS" panose="030F0702030302020204" pitchFamily="66" charset="0"/>
-              </a:rPr>
-              <a:t>Результаты </a:t>
-            </a:r>
-            <a:br>
-              <a:rPr lang="ru-RU" sz="4800" dirty="0">
-                <a:solidFill>
-                  <a:schemeClr val="tx1">
-                    <a:lumMod val="85000"/>
-                    <a:lumOff val="15000"/>
-                  </a:schemeClr>
-                </a:solidFill>
-                <a:latin typeface="Comic Sans MS" panose="030F0702030302020204" pitchFamily="66" charset="0"/>
-              </a:rPr>
-            </a:br>
-            <a:r>
-              <a:rPr lang="ru-RU" sz="4800" dirty="0">
-                <a:solidFill>
-                  <a:schemeClr val="tx1">
-                    <a:lumMod val="85000"/>
-                    <a:lumOff val="15000"/>
-                  </a:schemeClr>
-                </a:solidFill>
-                <a:latin typeface="Comic Sans MS" panose="030F0702030302020204" pitchFamily="66" charset="0"/>
-              </a:rPr>
-              <a:t>работы</a:t>
-            </a:r>
+            <a:r>
+              <a:rPr lang="en-US" sz="4800" dirty="0" err="1">
+                <a:solidFill>
+                  <a:schemeClr val="tx1">
+                    <a:lumMod val="85000"/>
+                    <a:lumOff val="15000"/>
+                  </a:schemeClr>
+                </a:solidFill>
+                <a:latin typeface="Comic Sans MS" panose="030F0702030302020204" pitchFamily="66" charset="0"/>
+              </a:rPr>
+              <a:t>Bitlum</a:t>
+            </a:r>
+            <a:endParaRPr lang="ru-RU" sz="4800" dirty="0">
+              <a:solidFill>
+                <a:schemeClr val="tx1">
+                  <a:lumMod val="85000"/>
+                  <a:lumOff val="15000"/>
+                </a:schemeClr>
+              </a:solidFill>
+              <a:latin typeface="Comic Sans MS" panose="030F0702030302020204" pitchFamily="66" charset="0"/>
+            </a:endParaRPr>
           </a:p>
         </p:txBody>
       </p:sp>
@@ -3663,7 +4009,7 @@
           <p:cNvPr id="4" name="Picture 8" descr="https://mospolytech.ru/storage/b53b3a3d6ab90ce0268229151c9bde11/images/Logo2.jpg">
             <a:extLst>
               <a:ext uri="{FF2B5EF4-FFF2-40B4-BE49-F238E27FC236}">
-                <a16:creationId xmlns:a16="http://schemas.microsoft.com/office/drawing/2014/main" id="{2DEA207E-2964-4DCC-B47E-7BEE002B81BF}"/>
+                <a16:creationId xmlns:a16="http://schemas.microsoft.com/office/drawing/2014/main" id="{1D8B18B3-7A6C-43EA-8C4A-0C19FF1847ED}"/>
               </a:ext>
             </a:extLst>
           </p:cNvPr>
@@ -3707,10 +4053,10 @@
       </p:pic>
       <p:pic>
         <p:nvPicPr>
-          <p:cNvPr id="6" name="Рисунок 5">
+          <p:cNvPr id="5" name="Рисунок 4">
             <a:extLst>
               <a:ext uri="{FF2B5EF4-FFF2-40B4-BE49-F238E27FC236}">
-                <a16:creationId xmlns:a16="http://schemas.microsoft.com/office/drawing/2014/main" id="{9EC9D6EF-F276-4407-89CB-E43BEC8CA887}"/>
+                <a16:creationId xmlns:a16="http://schemas.microsoft.com/office/drawing/2014/main" id="{283EE29C-9AEC-4A00-BDEB-B2C89DCB869D}"/>
               </a:ext>
             </a:extLst>
           </p:cNvPr>
@@ -3720,31 +4066,428 @@
           <p:nvPr/>
         </p:nvPicPr>
         <p:blipFill>
-          <a:blip r:embed="rId3">
-            <a:extLst>
-              <a:ext uri="{28A0092B-C50C-407E-A947-70E740481C1C}">
-                <a14:useLocalDpi xmlns:a14="http://schemas.microsoft.com/office/drawing/2010/main" val="0"/>
-              </a:ext>
-            </a:extLst>
-          </a:blip>
+          <a:blip r:embed="rId3"/>
           <a:stretch>
             <a:fillRect/>
           </a:stretch>
         </p:blipFill>
         <p:spPr>
           <a:xfrm>
-            <a:off x="3937516" y="0"/>
-            <a:ext cx="8254485" cy="6858000"/>
+            <a:off x="9893558" y="4730620"/>
+            <a:ext cx="2093023" cy="2045609"/>
           </a:xfrm>
           <a:prstGeom prst="rect">
             <a:avLst/>
           </a:prstGeom>
         </p:spPr>
       </p:pic>
+      <p:sp>
+        <p:nvSpPr>
+          <p:cNvPr id="6" name="Прямоугольник 5">
+            <a:extLst>
+              <a:ext uri="{FF2B5EF4-FFF2-40B4-BE49-F238E27FC236}">
+                <a16:creationId xmlns:a16="http://schemas.microsoft.com/office/drawing/2014/main" id="{B4C31DD6-3309-4ED3-BA70-1A7D6A501ADE}"/>
+              </a:ext>
+            </a:extLst>
+          </p:cNvPr>
+          <p:cNvSpPr/>
+          <p:nvPr/>
+        </p:nvSpPr>
+        <p:spPr>
+          <a:xfrm>
+            <a:off x="634626" y="1455576"/>
+            <a:ext cx="11467177" cy="6309420"/>
+          </a:xfrm>
+          <a:prstGeom prst="rect">
+            <a:avLst/>
+          </a:prstGeom>
+        </p:spPr>
+        <p:txBody>
+          <a:bodyPr wrap="square">
+            <a:spAutoFit/>
+          </a:bodyPr>
+          <a:lstStyle/>
+          <a:p>
+            <a:r>
+              <a:rPr lang="ru-RU" sz="2000" dirty="0">
+                <a:solidFill>
+                  <a:schemeClr val="tx1">
+                    <a:lumMod val="85000"/>
+                    <a:lumOff val="15000"/>
+                  </a:schemeClr>
+                </a:solidFill>
+                <a:latin typeface="Comic Sans MS" panose="030F0702030302020204" pitchFamily="66" charset="0"/>
+              </a:rPr>
+              <a:t>BITLUM — расширение для браузера, позволяющее проводить платежные операции, в том числе с использованием технологии </a:t>
+            </a:r>
+            <a:r>
+              <a:rPr lang="ru-RU" sz="2000" dirty="0" err="1">
+                <a:solidFill>
+                  <a:schemeClr val="tx1">
+                    <a:lumMod val="85000"/>
+                    <a:lumOff val="15000"/>
+                  </a:schemeClr>
+                </a:solidFill>
+                <a:latin typeface="Comic Sans MS" panose="030F0702030302020204" pitchFamily="66" charset="0"/>
+              </a:rPr>
+              <a:t>Lightning</a:t>
+            </a:r>
+            <a:r>
+              <a:rPr lang="ru-RU" sz="2000" dirty="0">
+                <a:solidFill>
+                  <a:schemeClr val="tx1">
+                    <a:lumMod val="85000"/>
+                    <a:lumOff val="15000"/>
+                  </a:schemeClr>
+                </a:solidFill>
+                <a:latin typeface="Comic Sans MS" panose="030F0702030302020204" pitchFamily="66" charset="0"/>
+              </a:rPr>
+              <a:t> </a:t>
+            </a:r>
+            <a:r>
+              <a:rPr lang="ru-RU" sz="2000" dirty="0" err="1">
+                <a:solidFill>
+                  <a:schemeClr val="tx1">
+                    <a:lumMod val="85000"/>
+                    <a:lumOff val="15000"/>
+                  </a:schemeClr>
+                </a:solidFill>
+                <a:latin typeface="Comic Sans MS" panose="030F0702030302020204" pitchFamily="66" charset="0"/>
+              </a:rPr>
+              <a:t>Network</a:t>
+            </a:r>
+            <a:r>
+              <a:rPr lang="ru-RU" sz="2000" dirty="0">
+                <a:solidFill>
+                  <a:schemeClr val="tx1">
+                    <a:lumMod val="85000"/>
+                    <a:lumOff val="15000"/>
+                  </a:schemeClr>
+                </a:solidFill>
+                <a:latin typeface="Comic Sans MS" panose="030F0702030302020204" pitchFamily="66" charset="0"/>
+              </a:rPr>
+              <a:t>.</a:t>
+            </a:r>
+          </a:p>
+          <a:p>
+            <a:endParaRPr lang="ru-RU" sz="2000" dirty="0">
+              <a:solidFill>
+                <a:schemeClr val="tx1">
+                  <a:lumMod val="85000"/>
+                  <a:lumOff val="15000"/>
+                </a:schemeClr>
+              </a:solidFill>
+              <a:latin typeface="Comic Sans MS" panose="030F0702030302020204" pitchFamily="66" charset="0"/>
+            </a:endParaRPr>
+          </a:p>
+          <a:p>
+            <a:r>
+              <a:rPr lang="ru-RU" sz="2000" dirty="0">
+                <a:solidFill>
+                  <a:schemeClr val="tx1">
+                    <a:lumMod val="85000"/>
+                    <a:lumOff val="15000"/>
+                  </a:schemeClr>
+                </a:solidFill>
+                <a:latin typeface="Comic Sans MS" panose="030F0702030302020204" pitchFamily="66" charset="0"/>
+              </a:rPr>
+              <a:t>BITLUM предназначен в первую очередь для оказания материальной поддержки создателей интересного контента, например в </a:t>
+            </a:r>
+            <a:r>
+              <a:rPr lang="ru-RU" sz="2000" dirty="0" err="1">
+                <a:solidFill>
+                  <a:schemeClr val="tx1">
+                    <a:lumMod val="85000"/>
+                    <a:lumOff val="15000"/>
+                  </a:schemeClr>
+                </a:solidFill>
+                <a:latin typeface="Comic Sans MS" panose="030F0702030302020204" pitchFamily="66" charset="0"/>
+              </a:rPr>
+              <a:t>Twitter</a:t>
+            </a:r>
+            <a:r>
+              <a:rPr lang="ru-RU" sz="2000" dirty="0">
+                <a:solidFill>
+                  <a:schemeClr val="tx1">
+                    <a:lumMod val="85000"/>
+                    <a:lumOff val="15000"/>
+                  </a:schemeClr>
+                </a:solidFill>
+                <a:latin typeface="Comic Sans MS" panose="030F0702030302020204" pitchFamily="66" charset="0"/>
+              </a:rPr>
+              <a:t>, </a:t>
+            </a:r>
+            <a:r>
+              <a:rPr lang="ru-RU" sz="2000" dirty="0" err="1">
+                <a:solidFill>
+                  <a:schemeClr val="tx1">
+                    <a:lumMod val="85000"/>
+                    <a:lumOff val="15000"/>
+                  </a:schemeClr>
+                </a:solidFill>
+                <a:latin typeface="Comic Sans MS" panose="030F0702030302020204" pitchFamily="66" charset="0"/>
+              </a:rPr>
+              <a:t>Twitch</a:t>
+            </a:r>
+            <a:r>
+              <a:rPr lang="ru-RU" sz="2000" dirty="0">
+                <a:solidFill>
+                  <a:schemeClr val="tx1">
+                    <a:lumMod val="85000"/>
+                    <a:lumOff val="15000"/>
+                  </a:schemeClr>
+                </a:solidFill>
+                <a:latin typeface="Comic Sans MS" panose="030F0702030302020204" pitchFamily="66" charset="0"/>
+              </a:rPr>
+              <a:t> и </a:t>
+            </a:r>
+            <a:r>
+              <a:rPr lang="ru-RU" sz="2000" dirty="0" err="1">
+                <a:solidFill>
+                  <a:schemeClr val="tx1">
+                    <a:lumMod val="85000"/>
+                    <a:lumOff val="15000"/>
+                  </a:schemeClr>
+                </a:solidFill>
+                <a:latin typeface="Comic Sans MS" panose="030F0702030302020204" pitchFamily="66" charset="0"/>
+              </a:rPr>
+              <a:t>Y'alls</a:t>
+            </a:r>
+            <a:r>
+              <a:rPr lang="ru-RU" sz="2000" dirty="0">
+                <a:solidFill>
+                  <a:schemeClr val="tx1">
+                    <a:lumMod val="85000"/>
+                    <a:lumOff val="15000"/>
+                  </a:schemeClr>
+                </a:solidFill>
+                <a:latin typeface="Comic Sans MS" panose="030F0702030302020204" pitchFamily="66" charset="0"/>
+              </a:rPr>
+              <a:t>. </a:t>
+            </a:r>
+          </a:p>
+          <a:p>
+            <a:endParaRPr lang="ru-RU" sz="2000" dirty="0">
+              <a:solidFill>
+                <a:schemeClr val="tx1">
+                  <a:lumMod val="85000"/>
+                  <a:lumOff val="15000"/>
+                </a:schemeClr>
+              </a:solidFill>
+              <a:latin typeface="Comic Sans MS" panose="030F0702030302020204" pitchFamily="66" charset="0"/>
+            </a:endParaRPr>
+          </a:p>
+          <a:p>
+            <a:r>
+              <a:rPr lang="ru-RU" sz="2000" dirty="0">
+                <a:solidFill>
+                  <a:schemeClr val="tx1">
+                    <a:lumMod val="85000"/>
+                    <a:lumOff val="15000"/>
+                  </a:schemeClr>
+                </a:solidFill>
+                <a:latin typeface="Comic Sans MS" panose="030F0702030302020204" pitchFamily="66" charset="0"/>
+              </a:rPr>
+              <a:t>Преимущества:                                        Недостатки:</a:t>
+            </a:r>
+          </a:p>
+          <a:p>
+            <a:r>
+              <a:rPr lang="ru-RU" sz="2000" dirty="0">
+                <a:solidFill>
+                  <a:schemeClr val="tx1">
+                    <a:lumMod val="85000"/>
+                    <a:lumOff val="15000"/>
+                  </a:schemeClr>
+                </a:solidFill>
+                <a:latin typeface="Comic Sans MS" panose="030F0702030302020204" pitchFamily="66" charset="0"/>
+              </a:rPr>
+              <a:t>* Простой интерфейс;                           * Низкая защищенность данных;</a:t>
+            </a:r>
+          </a:p>
+          <a:p>
+            <a:r>
+              <a:rPr lang="ru-RU" sz="2000" dirty="0">
+                <a:solidFill>
+                  <a:schemeClr val="tx1">
+                    <a:lumMod val="85000"/>
+                    <a:lumOff val="15000"/>
+                  </a:schemeClr>
+                </a:solidFill>
+                <a:latin typeface="Comic Sans MS" panose="030F0702030302020204" pitchFamily="66" charset="0"/>
+              </a:rPr>
+              <a:t>* Техническая поддержка;                     * Только на английском;</a:t>
+            </a:r>
+          </a:p>
+          <a:p>
+            <a:r>
+              <a:rPr lang="ru-RU" sz="2000" dirty="0">
+                <a:solidFill>
+                  <a:schemeClr val="tx1">
+                    <a:lumMod val="85000"/>
+                    <a:lumOff val="15000"/>
+                  </a:schemeClr>
+                </a:solidFill>
+                <a:latin typeface="Comic Sans MS" panose="030F0702030302020204" pitchFamily="66" charset="0"/>
+              </a:rPr>
+              <a:t>* Синхронизация.                                   * Доступные валюты — </a:t>
+            </a:r>
+            <a:r>
+              <a:rPr lang="en-US" sz="2000" dirty="0">
+                <a:solidFill>
+                  <a:schemeClr val="tx1">
+                    <a:lumMod val="85000"/>
+                    <a:lumOff val="15000"/>
+                  </a:schemeClr>
+                </a:solidFill>
+                <a:latin typeface="Comic Sans MS" panose="030F0702030302020204" pitchFamily="66" charset="0"/>
+              </a:rPr>
+              <a:t>USD </a:t>
+            </a:r>
+            <a:r>
+              <a:rPr lang="ru-RU" sz="2000" dirty="0">
+                <a:solidFill>
+                  <a:schemeClr val="tx1">
+                    <a:lumMod val="85000"/>
+                    <a:lumOff val="15000"/>
+                  </a:schemeClr>
+                </a:solidFill>
+                <a:latin typeface="Comic Sans MS" panose="030F0702030302020204" pitchFamily="66" charset="0"/>
+              </a:rPr>
+              <a:t> и </a:t>
+            </a:r>
+            <a:r>
+              <a:rPr lang="en-US" sz="2000" dirty="0">
+                <a:solidFill>
+                  <a:schemeClr val="tx1">
+                    <a:lumMod val="85000"/>
+                    <a:lumOff val="15000"/>
+                  </a:schemeClr>
+                </a:solidFill>
+                <a:latin typeface="Comic Sans MS" panose="030F0702030302020204" pitchFamily="66" charset="0"/>
+              </a:rPr>
+              <a:t>SAT</a:t>
+            </a:r>
+            <a:endParaRPr lang="ru-RU" sz="2000" dirty="0">
+              <a:solidFill>
+                <a:schemeClr val="tx1">
+                  <a:lumMod val="85000"/>
+                  <a:lumOff val="15000"/>
+                </a:schemeClr>
+              </a:solidFill>
+              <a:latin typeface="Comic Sans MS" panose="030F0702030302020204" pitchFamily="66" charset="0"/>
+            </a:endParaRPr>
+          </a:p>
+          <a:p>
+            <a:pPr marL="342900" indent="-342900">
+              <a:buFont typeface="Arial" panose="020B0604020202020204" pitchFamily="34" charset="0"/>
+              <a:buChar char="•"/>
+            </a:pPr>
+            <a:endParaRPr lang="ru-RU" sz="2000" dirty="0">
+              <a:solidFill>
+                <a:schemeClr val="tx1">
+                  <a:lumMod val="85000"/>
+                  <a:lumOff val="15000"/>
+                </a:schemeClr>
+              </a:solidFill>
+              <a:latin typeface="Comic Sans MS" panose="030F0702030302020204" pitchFamily="66" charset="0"/>
+            </a:endParaRPr>
+          </a:p>
+          <a:p>
+            <a:endParaRPr lang="ru-RU" sz="2000" dirty="0">
+              <a:solidFill>
+                <a:schemeClr val="tx1">
+                  <a:lumMod val="85000"/>
+                  <a:lumOff val="15000"/>
+                </a:schemeClr>
+              </a:solidFill>
+              <a:latin typeface="Comic Sans MS" panose="030F0702030302020204" pitchFamily="66" charset="0"/>
+            </a:endParaRPr>
+          </a:p>
+          <a:p>
+            <a:pPr marL="342900" indent="-342900">
+              <a:buFont typeface="Arial" panose="020B0604020202020204" pitchFamily="34" charset="0"/>
+              <a:buChar char="•"/>
+            </a:pPr>
+            <a:endParaRPr lang="ru-RU" sz="2000" dirty="0">
+              <a:solidFill>
+                <a:schemeClr val="tx1">
+                  <a:lumMod val="85000"/>
+                  <a:lumOff val="15000"/>
+                </a:schemeClr>
+              </a:solidFill>
+              <a:latin typeface="Comic Sans MS" panose="030F0702030302020204" pitchFamily="66" charset="0"/>
+            </a:endParaRPr>
+          </a:p>
+          <a:p>
+            <a:pPr marL="285750" indent="-285750">
+              <a:buFont typeface="Arial" panose="020B0604020202020204" pitchFamily="34" charset="0"/>
+              <a:buChar char="•"/>
+            </a:pPr>
+            <a:endParaRPr lang="ru-RU" dirty="0">
+              <a:solidFill>
+                <a:srgbClr val="000000"/>
+              </a:solidFill>
+              <a:latin typeface="Times New Roman" panose="02020603050405020304" pitchFamily="18" charset="0"/>
+            </a:endParaRPr>
+          </a:p>
+          <a:p>
+            <a:endParaRPr lang="ru-RU" dirty="0">
+              <a:solidFill>
+                <a:srgbClr val="000000"/>
+              </a:solidFill>
+              <a:latin typeface="Times New Roman" panose="02020603050405020304" pitchFamily="18" charset="0"/>
+            </a:endParaRPr>
+          </a:p>
+          <a:p>
+            <a:endParaRPr lang="ru-RU" dirty="0">
+              <a:solidFill>
+                <a:srgbClr val="000000"/>
+              </a:solidFill>
+              <a:latin typeface="Times New Roman" panose="02020603050405020304" pitchFamily="18" charset="0"/>
+            </a:endParaRPr>
+          </a:p>
+          <a:p>
+            <a:endParaRPr lang="ru-RU" dirty="0">
+              <a:solidFill>
+                <a:srgbClr val="000000"/>
+              </a:solidFill>
+              <a:latin typeface="Times New Roman" panose="02020603050405020304" pitchFamily="18" charset="0"/>
+            </a:endParaRPr>
+          </a:p>
+          <a:p>
+            <a:endParaRPr lang="ru-RU" dirty="0">
+              <a:solidFill>
+                <a:srgbClr val="000000"/>
+              </a:solidFill>
+              <a:latin typeface="Times New Roman" panose="02020603050405020304" pitchFamily="18" charset="0"/>
+            </a:endParaRPr>
+          </a:p>
+          <a:p>
+            <a:endParaRPr lang="ru-RU" dirty="0">
+              <a:solidFill>
+                <a:srgbClr val="000000"/>
+              </a:solidFill>
+              <a:latin typeface="Times New Roman" panose="02020603050405020304" pitchFamily="18" charset="0"/>
+            </a:endParaRPr>
+          </a:p>
+          <a:p>
+            <a:endParaRPr lang="ru-RU" dirty="0">
+              <a:solidFill>
+                <a:srgbClr val="000000"/>
+              </a:solidFill>
+              <a:latin typeface="Times New Roman" panose="02020603050405020304" pitchFamily="18" charset="0"/>
+            </a:endParaRPr>
+          </a:p>
+          <a:p>
+            <a:endParaRPr lang="ru-RU" dirty="0"/>
+          </a:p>
+        </p:txBody>
+      </p:sp>
     </p:spTree>
     <p:extLst>
       <p:ext uri="{BB962C8B-B14F-4D97-AF65-F5344CB8AC3E}">
-        <p14:creationId xmlns:p14="http://schemas.microsoft.com/office/powerpoint/2010/main" val="2547085615"/>
+        <p14:creationId xmlns:p14="http://schemas.microsoft.com/office/powerpoint/2010/main" val="3730601145"/>
       </p:ext>
     </p:extLst>
   </p:cSld>
@@ -3755,6 +4498,613 @@
 </file>
 
 <file path=ppt/slides/slide12.xml><?xml version="1.0" encoding="utf-8"?>
+<p:sld xmlns:a="http://schemas.openxmlformats.org/drawingml/2006/main" xmlns:r="http://schemas.openxmlformats.org/officeDocument/2006/relationships" xmlns:p="http://schemas.openxmlformats.org/presentationml/2006/main">
+  <p:cSld>
+    <p:spTree>
+      <p:nvGrpSpPr>
+        <p:cNvPr id="1" name=""/>
+        <p:cNvGrpSpPr/>
+        <p:nvPr/>
+      </p:nvGrpSpPr>
+      <p:grpSpPr>
+        <a:xfrm>
+          <a:off x="0" y="0"/>
+          <a:ext cx="0" cy="0"/>
+          <a:chOff x="0" y="0"/>
+          <a:chExt cx="0" cy="0"/>
+        </a:xfrm>
+      </p:grpSpPr>
+      <p:sp>
+        <p:nvSpPr>
+          <p:cNvPr id="2" name="Заголовок 1">
+            <a:extLst>
+              <a:ext uri="{FF2B5EF4-FFF2-40B4-BE49-F238E27FC236}">
+                <a16:creationId xmlns:a16="http://schemas.microsoft.com/office/drawing/2014/main" id="{AE3563A0-0EF7-442F-89F3-D83AA54390B7}"/>
+              </a:ext>
+            </a:extLst>
+          </p:cNvPr>
+          <p:cNvSpPr>
+            <a:spLocks noGrp="1"/>
+          </p:cNvSpPr>
+          <p:nvPr>
+            <p:ph type="ctrTitle"/>
+          </p:nvPr>
+        </p:nvSpPr>
+        <p:spPr>
+          <a:xfrm>
+            <a:off x="894183" y="363894"/>
+            <a:ext cx="1782147" cy="906722"/>
+          </a:xfrm>
+        </p:spPr>
+        <p:txBody>
+          <a:bodyPr>
+            <a:normAutofit/>
+          </a:bodyPr>
+          <a:lstStyle/>
+          <a:p>
+            <a:r>
+              <a:rPr lang="en-US" sz="4800" dirty="0">
+                <a:solidFill>
+                  <a:schemeClr val="tx1">
+                    <a:lumMod val="85000"/>
+                    <a:lumOff val="15000"/>
+                  </a:schemeClr>
+                </a:solidFill>
+                <a:latin typeface="Comic Sans MS" panose="030F0702030302020204" pitchFamily="66" charset="0"/>
+              </a:rPr>
+              <a:t>Zap</a:t>
+            </a:r>
+            <a:endParaRPr lang="ru-RU" sz="4800" dirty="0">
+              <a:solidFill>
+                <a:schemeClr val="tx1">
+                  <a:lumMod val="85000"/>
+                  <a:lumOff val="15000"/>
+                </a:schemeClr>
+              </a:solidFill>
+              <a:latin typeface="Comic Sans MS" panose="030F0702030302020204" pitchFamily="66" charset="0"/>
+            </a:endParaRPr>
+          </a:p>
+        </p:txBody>
+      </p:sp>
+      <p:pic>
+        <p:nvPicPr>
+          <p:cNvPr id="4" name="Picture 8" descr="https://mospolytech.ru/storage/b53b3a3d6ab90ce0268229151c9bde11/images/Logo2.jpg">
+            <a:extLst>
+              <a:ext uri="{FF2B5EF4-FFF2-40B4-BE49-F238E27FC236}">
+                <a16:creationId xmlns:a16="http://schemas.microsoft.com/office/drawing/2014/main" id="{E2E78141-6AD6-46C0-B059-7A0332B27D59}"/>
+              </a:ext>
+            </a:extLst>
+          </p:cNvPr>
+          <p:cNvPicPr>
+            <a:picLocks noChangeAspect="1" noChangeArrowheads="1"/>
+          </p:cNvPicPr>
+          <p:nvPr/>
+        </p:nvPicPr>
+        <p:blipFill>
+          <a:blip r:embed="rId2">
+            <a:extLst>
+              <a:ext uri="{28A0092B-C50C-407E-A947-70E740481C1C}">
+                <a14:useLocalDpi xmlns:a14="http://schemas.microsoft.com/office/drawing/2010/main" val="0"/>
+              </a:ext>
+            </a:extLst>
+          </a:blip>
+          <a:srcRect/>
+          <a:stretch>
+            <a:fillRect/>
+          </a:stretch>
+        </p:blipFill>
+        <p:spPr bwMode="auto">
+          <a:xfrm>
+            <a:off x="-1" y="5599533"/>
+            <a:ext cx="3937517" cy="1258466"/>
+          </a:xfrm>
+          <a:prstGeom prst="rect">
+            <a:avLst/>
+          </a:prstGeom>
+          <a:noFill/>
+          <a:extLst>
+            <a:ext uri="{909E8E84-426E-40DD-AFC4-6F175D3DCCD1}">
+              <a14:hiddenFill xmlns:a14="http://schemas.microsoft.com/office/drawing/2010/main">
+                <a:solidFill>
+                  <a:srgbClr val="FFFFFF"/>
+                </a:solidFill>
+              </a14:hiddenFill>
+            </a:ext>
+          </a:extLst>
+        </p:spPr>
+      </p:pic>
+      <p:pic>
+        <p:nvPicPr>
+          <p:cNvPr id="5" name="Рисунок 4">
+            <a:extLst>
+              <a:ext uri="{FF2B5EF4-FFF2-40B4-BE49-F238E27FC236}">
+                <a16:creationId xmlns:a16="http://schemas.microsoft.com/office/drawing/2014/main" id="{8D3CC46D-E988-49EA-BB69-BEBF8122C3F1}"/>
+              </a:ext>
+            </a:extLst>
+          </p:cNvPr>
+          <p:cNvPicPr>
+            <a:picLocks noChangeAspect="1"/>
+          </p:cNvPicPr>
+          <p:nvPr/>
+        </p:nvPicPr>
+        <p:blipFill>
+          <a:blip r:embed="rId3"/>
+          <a:stretch>
+            <a:fillRect/>
+          </a:stretch>
+        </p:blipFill>
+        <p:spPr>
+          <a:xfrm>
+            <a:off x="9683377" y="4492039"/>
+            <a:ext cx="1890958" cy="1938629"/>
+          </a:xfrm>
+          <a:prstGeom prst="rect">
+            <a:avLst/>
+          </a:prstGeom>
+        </p:spPr>
+      </p:pic>
+      <p:sp>
+        <p:nvSpPr>
+          <p:cNvPr id="6" name="Прямоугольник 5">
+            <a:extLst>
+              <a:ext uri="{FF2B5EF4-FFF2-40B4-BE49-F238E27FC236}">
+                <a16:creationId xmlns:a16="http://schemas.microsoft.com/office/drawing/2014/main" id="{7120AE52-B2A8-47F3-8B65-1AD923E310BC}"/>
+              </a:ext>
+            </a:extLst>
+          </p:cNvPr>
+          <p:cNvSpPr/>
+          <p:nvPr/>
+        </p:nvSpPr>
+        <p:spPr>
+          <a:xfrm>
+            <a:off x="546712" y="1381389"/>
+            <a:ext cx="10741774" cy="2255489"/>
+          </a:xfrm>
+          <a:prstGeom prst="rect">
+            <a:avLst/>
+          </a:prstGeom>
+        </p:spPr>
+        <p:txBody>
+          <a:bodyPr wrap="square">
+            <a:spAutoFit/>
+          </a:bodyPr>
+          <a:lstStyle/>
+          <a:p>
+            <a:pPr>
+              <a:lnSpc>
+                <a:spcPct val="107000"/>
+              </a:lnSpc>
+              <a:spcAft>
+                <a:spcPts val="800"/>
+              </a:spcAft>
+            </a:pPr>
+            <a:r>
+              <a:rPr lang="en-US" sz="2000" dirty="0">
+                <a:latin typeface="Comic Sans MS" panose="030F0702030302020204" pitchFamily="66" charset="0"/>
+                <a:ea typeface="Calibri" panose="020F0502020204030204" pitchFamily="34" charset="0"/>
+                <a:cs typeface="Times New Roman" panose="02020603050405020304" pitchFamily="18" charset="0"/>
+              </a:rPr>
+              <a:t>Zap </a:t>
+            </a:r>
+            <a:r>
+              <a:rPr lang="ru-RU" sz="2000" dirty="0">
+                <a:latin typeface="Comic Sans MS" panose="030F0702030302020204" pitchFamily="66" charset="0"/>
+                <a:ea typeface="Calibri" panose="020F0502020204030204" pitchFamily="34" charset="0"/>
+                <a:cs typeface="Times New Roman" panose="02020603050405020304" pitchFamily="18" charset="0"/>
+              </a:rPr>
+              <a:t>– электронный кошелек, работающий по протоколу </a:t>
+            </a:r>
+            <a:r>
+              <a:rPr lang="en-US" sz="2000" dirty="0">
+                <a:solidFill>
+                  <a:srgbClr val="333333"/>
+                </a:solidFill>
+                <a:latin typeface="Comic Sans MS" panose="030F0702030302020204" pitchFamily="66" charset="0"/>
+                <a:ea typeface="Calibri" panose="020F0502020204030204" pitchFamily="34" charset="0"/>
+                <a:cs typeface="Times New Roman" panose="02020603050405020304" pitchFamily="18" charset="0"/>
+              </a:rPr>
+              <a:t>Lightning Network</a:t>
+            </a:r>
+            <a:r>
+              <a:rPr lang="ru-RU" sz="2000" dirty="0">
+                <a:solidFill>
+                  <a:srgbClr val="333333"/>
+                </a:solidFill>
+                <a:latin typeface="Comic Sans MS" panose="030F0702030302020204" pitchFamily="66" charset="0"/>
+                <a:ea typeface="Calibri" panose="020F0502020204030204" pitchFamily="34" charset="0"/>
+                <a:cs typeface="Times New Roman" panose="02020603050405020304" pitchFamily="18" charset="0"/>
+              </a:rPr>
+              <a:t> и </a:t>
+            </a:r>
+            <a:r>
+              <a:rPr lang="ru-RU" sz="2000" dirty="0">
+                <a:solidFill>
+                  <a:srgbClr val="222222"/>
+                </a:solidFill>
+                <a:latin typeface="Comic Sans MS" panose="030F0702030302020204" pitchFamily="66" charset="0"/>
+                <a:ea typeface="Calibri" panose="020F0502020204030204" pitchFamily="34" charset="0"/>
+                <a:cs typeface="Times New Roman" panose="02020603050405020304" pitchFamily="18" charset="0"/>
+              </a:rPr>
+              <a:t>предназначенный для использования биткоина.</a:t>
+            </a:r>
+            <a:br>
+              <a:rPr lang="ru-RU" sz="2000" dirty="0">
+                <a:solidFill>
+                  <a:srgbClr val="222222"/>
+                </a:solidFill>
+                <a:latin typeface="Comic Sans MS" panose="030F0702030302020204" pitchFamily="66" charset="0"/>
+                <a:ea typeface="Calibri" panose="020F0502020204030204" pitchFamily="34" charset="0"/>
+                <a:cs typeface="Times New Roman" panose="02020603050405020304" pitchFamily="18" charset="0"/>
+              </a:rPr>
+            </a:br>
+            <a:endParaRPr lang="ru-RU" sz="2000" dirty="0">
+              <a:solidFill>
+                <a:srgbClr val="222222"/>
+              </a:solidFill>
+              <a:latin typeface="Comic Sans MS" panose="030F0702030302020204" pitchFamily="66" charset="0"/>
+              <a:ea typeface="Calibri" panose="020F0502020204030204" pitchFamily="34" charset="0"/>
+              <a:cs typeface="Times New Roman" panose="02020603050405020304" pitchFamily="18" charset="0"/>
+            </a:endParaRPr>
+          </a:p>
+          <a:p>
+            <a:pPr>
+              <a:lnSpc>
+                <a:spcPct val="107000"/>
+              </a:lnSpc>
+              <a:spcAft>
+                <a:spcPts val="800"/>
+              </a:spcAft>
+            </a:pPr>
+            <a:r>
+              <a:rPr lang="en-US" sz="2000" dirty="0">
+                <a:solidFill>
+                  <a:srgbClr val="222222"/>
+                </a:solidFill>
+                <a:latin typeface="Comic Sans MS" panose="030F0702030302020204" pitchFamily="66" charset="0"/>
+                <a:ea typeface="Calibri" panose="020F0502020204030204" pitchFamily="34" charset="0"/>
+                <a:cs typeface="Times New Roman" panose="02020603050405020304" pitchFamily="18" charset="0"/>
+              </a:rPr>
+              <a:t>Zap</a:t>
+            </a:r>
+            <a:r>
+              <a:rPr lang="ru-RU" sz="2000" dirty="0">
+                <a:solidFill>
+                  <a:srgbClr val="222222"/>
+                </a:solidFill>
+                <a:latin typeface="Comic Sans MS" panose="030F0702030302020204" pitchFamily="66" charset="0"/>
+                <a:ea typeface="Calibri" panose="020F0502020204030204" pitchFamily="34" charset="0"/>
+                <a:cs typeface="Times New Roman" panose="02020603050405020304" pitchFamily="18" charset="0"/>
+              </a:rPr>
+              <a:t> прост в использовании. Он</a:t>
+            </a:r>
+            <a:r>
+              <a:rPr lang="en-US" sz="2000" dirty="0">
+                <a:solidFill>
+                  <a:srgbClr val="222222"/>
+                </a:solidFill>
+                <a:latin typeface="Comic Sans MS" panose="030F0702030302020204" pitchFamily="66" charset="0"/>
+                <a:ea typeface="Calibri" panose="020F0502020204030204" pitchFamily="34" charset="0"/>
+                <a:cs typeface="Times New Roman" panose="02020603050405020304" pitchFamily="18" charset="0"/>
+              </a:rPr>
+              <a:t> </a:t>
+            </a:r>
+            <a:r>
+              <a:rPr lang="ru-RU" sz="2000" dirty="0">
+                <a:solidFill>
+                  <a:srgbClr val="222222"/>
+                </a:solidFill>
+                <a:latin typeface="Comic Sans MS" panose="030F0702030302020204" pitchFamily="66" charset="0"/>
+                <a:ea typeface="Calibri" panose="020F0502020204030204" pitchFamily="34" charset="0"/>
+                <a:cs typeface="Times New Roman" panose="02020603050405020304" pitchFamily="18" charset="0"/>
+              </a:rPr>
+              <a:t>ещё находится в разработке и недавно, 11 июня 2019 года, вышла версия на ОС </a:t>
+            </a:r>
+            <a:r>
+              <a:rPr lang="en-US" sz="2000" dirty="0">
+                <a:solidFill>
+                  <a:srgbClr val="222222"/>
+                </a:solidFill>
+                <a:latin typeface="Comic Sans MS" panose="030F0702030302020204" pitchFamily="66" charset="0"/>
+                <a:ea typeface="Calibri" panose="020F0502020204030204" pitchFamily="34" charset="0"/>
+                <a:cs typeface="Times New Roman" panose="02020603050405020304" pitchFamily="18" charset="0"/>
+              </a:rPr>
+              <a:t>Android.</a:t>
+            </a:r>
+            <a:endParaRPr lang="ru-RU" sz="2000" dirty="0">
+              <a:solidFill>
+                <a:srgbClr val="222222"/>
+              </a:solidFill>
+              <a:latin typeface="Comic Sans MS" panose="030F0702030302020204" pitchFamily="66" charset="0"/>
+              <a:ea typeface="Calibri" panose="020F0502020204030204" pitchFamily="34" charset="0"/>
+              <a:cs typeface="Times New Roman" panose="02020603050405020304" pitchFamily="18" charset="0"/>
+            </a:endParaRPr>
+          </a:p>
+          <a:p>
+            <a:pPr>
+              <a:lnSpc>
+                <a:spcPct val="107000"/>
+              </a:lnSpc>
+              <a:spcAft>
+                <a:spcPts val="800"/>
+              </a:spcAft>
+            </a:pPr>
+            <a:endParaRPr lang="ru-RU" sz="2000" dirty="0">
+              <a:solidFill>
+                <a:srgbClr val="222222"/>
+              </a:solidFill>
+              <a:latin typeface="Comic Sans MS" panose="030F0702030302020204" pitchFamily="66" charset="0"/>
+              <a:ea typeface="Calibri" panose="020F0502020204030204" pitchFamily="34" charset="0"/>
+              <a:cs typeface="Times New Roman" panose="02020603050405020304" pitchFamily="18" charset="0"/>
+            </a:endParaRPr>
+          </a:p>
+        </p:txBody>
+      </p:sp>
+      <p:sp>
+        <p:nvSpPr>
+          <p:cNvPr id="8" name="Прямоугольник 7">
+            <a:extLst>
+              <a:ext uri="{FF2B5EF4-FFF2-40B4-BE49-F238E27FC236}">
+                <a16:creationId xmlns:a16="http://schemas.microsoft.com/office/drawing/2014/main" id="{02681BBB-0913-4DB1-AD63-04A734B3F77C}"/>
+              </a:ext>
+            </a:extLst>
+          </p:cNvPr>
+          <p:cNvSpPr/>
+          <p:nvPr/>
+        </p:nvSpPr>
+        <p:spPr>
+          <a:xfrm>
+            <a:off x="5358737" y="3479233"/>
+            <a:ext cx="6096000" cy="1267526"/>
+          </a:xfrm>
+          <a:prstGeom prst="rect">
+            <a:avLst/>
+          </a:prstGeom>
+        </p:spPr>
+        <p:txBody>
+          <a:bodyPr>
+            <a:spAutoFit/>
+          </a:bodyPr>
+          <a:lstStyle/>
+          <a:p>
+            <a:pPr>
+              <a:spcAft>
+                <a:spcPts val="800"/>
+              </a:spcAft>
+            </a:pPr>
+            <a:r>
+              <a:rPr lang="ru-RU" sz="2000" dirty="0">
+                <a:solidFill>
+                  <a:srgbClr val="222222"/>
+                </a:solidFill>
+                <a:latin typeface="Comic Sans MS" panose="030F0702030302020204" pitchFamily="66" charset="0"/>
+                <a:ea typeface="Calibri" panose="020F0502020204030204" pitchFamily="34" charset="0"/>
+                <a:cs typeface="Times New Roman" panose="02020603050405020304" pitchFamily="18" charset="0"/>
+              </a:rPr>
+              <a:t>Недостатки: </a:t>
+            </a:r>
+          </a:p>
+          <a:p>
+            <a:pPr marL="285750" indent="-285750">
+              <a:spcAft>
+                <a:spcPts val="800"/>
+              </a:spcAft>
+              <a:buFont typeface="Arial" panose="020B0604020202020204" pitchFamily="34" charset="0"/>
+              <a:buChar char="•"/>
+            </a:pPr>
+            <a:r>
+              <a:rPr lang="ru-RU" sz="2000" dirty="0">
+                <a:solidFill>
+                  <a:srgbClr val="222222"/>
+                </a:solidFill>
+                <a:latin typeface="Comic Sans MS" panose="030F0702030302020204" pitchFamily="66" charset="0"/>
+                <a:ea typeface="Calibri" panose="020F0502020204030204" pitchFamily="34" charset="0"/>
+                <a:cs typeface="Times New Roman" panose="02020603050405020304" pitchFamily="18" charset="0"/>
+              </a:rPr>
+              <a:t>долгая синхронизация с </a:t>
+            </a:r>
+            <a:r>
+              <a:rPr lang="ru-RU" sz="2000" dirty="0" err="1">
+                <a:solidFill>
+                  <a:srgbClr val="222222"/>
+                </a:solidFill>
+                <a:latin typeface="Comic Sans MS" panose="030F0702030302020204" pitchFamily="66" charset="0"/>
+                <a:ea typeface="Calibri" panose="020F0502020204030204" pitchFamily="34" charset="0"/>
+                <a:cs typeface="Times New Roman" panose="02020603050405020304" pitchFamily="18" charset="0"/>
+              </a:rPr>
+              <a:t>блокчейном</a:t>
+            </a:r>
+            <a:r>
+              <a:rPr lang="ru-RU" sz="2000" dirty="0">
+                <a:solidFill>
+                  <a:srgbClr val="222222"/>
+                </a:solidFill>
+                <a:latin typeface="Comic Sans MS" panose="030F0702030302020204" pitchFamily="66" charset="0"/>
+                <a:ea typeface="Calibri" panose="020F0502020204030204" pitchFamily="34" charset="0"/>
+                <a:cs typeface="Times New Roman" panose="02020603050405020304" pitchFamily="18" charset="0"/>
+              </a:rPr>
+              <a:t>;</a:t>
+            </a:r>
+          </a:p>
+          <a:p>
+            <a:pPr marL="285750" indent="-285750">
+              <a:spcAft>
+                <a:spcPts val="800"/>
+              </a:spcAft>
+              <a:buFont typeface="Arial" panose="020B0604020202020204" pitchFamily="34" charset="0"/>
+              <a:buChar char="•"/>
+            </a:pPr>
+            <a:r>
+              <a:rPr lang="ru-RU" sz="2000" dirty="0">
+                <a:solidFill>
+                  <a:srgbClr val="222222"/>
+                </a:solidFill>
+                <a:latin typeface="Comic Sans MS" panose="030F0702030302020204" pitchFamily="66" charset="0"/>
+                <a:ea typeface="Calibri" panose="020F0502020204030204" pitchFamily="34" charset="0"/>
+                <a:cs typeface="Times New Roman" panose="02020603050405020304" pitchFamily="18" charset="0"/>
+              </a:rPr>
+              <a:t>один язык;</a:t>
+            </a:r>
+          </a:p>
+        </p:txBody>
+      </p:sp>
+      <p:sp>
+        <p:nvSpPr>
+          <p:cNvPr id="9" name="Прямоугольник 8">
+            <a:extLst>
+              <a:ext uri="{FF2B5EF4-FFF2-40B4-BE49-F238E27FC236}">
+                <a16:creationId xmlns:a16="http://schemas.microsoft.com/office/drawing/2014/main" id="{DCEFBC3D-5618-408F-B8F9-5E1E2E7372AD}"/>
+              </a:ext>
+            </a:extLst>
+          </p:cNvPr>
+          <p:cNvSpPr/>
+          <p:nvPr/>
+        </p:nvSpPr>
+        <p:spPr>
+          <a:xfrm>
+            <a:off x="546712" y="3479233"/>
+            <a:ext cx="6096000" cy="1631216"/>
+          </a:xfrm>
+          <a:prstGeom prst="rect">
+            <a:avLst/>
+          </a:prstGeom>
+        </p:spPr>
+        <p:txBody>
+          <a:bodyPr>
+            <a:spAutoFit/>
+          </a:bodyPr>
+          <a:lstStyle/>
+          <a:p>
+            <a:pPr>
+              <a:spcAft>
+                <a:spcPts val="800"/>
+              </a:spcAft>
+            </a:pPr>
+            <a:r>
+              <a:rPr lang="ru-RU" sz="2000" dirty="0">
+                <a:solidFill>
+                  <a:srgbClr val="222222"/>
+                </a:solidFill>
+                <a:latin typeface="Comic Sans MS" panose="030F0702030302020204" pitchFamily="66" charset="0"/>
+                <a:ea typeface="Calibri" panose="020F0502020204030204" pitchFamily="34" charset="0"/>
+                <a:cs typeface="Times New Roman" panose="02020603050405020304" pitchFamily="18" charset="0"/>
+              </a:rPr>
+              <a:t>Преимущества:</a:t>
+            </a:r>
+            <a:r>
+              <a:rPr lang="en-US" sz="2000" dirty="0">
+                <a:solidFill>
+                  <a:srgbClr val="222222"/>
+                </a:solidFill>
+                <a:latin typeface="Comic Sans MS" panose="030F0702030302020204" pitchFamily="66" charset="0"/>
+                <a:ea typeface="Calibri" panose="020F0502020204030204" pitchFamily="34" charset="0"/>
+                <a:cs typeface="Times New Roman" panose="02020603050405020304" pitchFamily="18" charset="0"/>
+              </a:rPr>
+              <a:t>                                          </a:t>
+            </a:r>
+            <a:endParaRPr lang="ru-RU" sz="2000" dirty="0">
+              <a:solidFill>
+                <a:srgbClr val="222222"/>
+              </a:solidFill>
+              <a:latin typeface="Comic Sans MS" panose="030F0702030302020204" pitchFamily="66" charset="0"/>
+              <a:ea typeface="Calibri" panose="020F0502020204030204" pitchFamily="34" charset="0"/>
+              <a:cs typeface="Times New Roman" panose="02020603050405020304" pitchFamily="18" charset="0"/>
+            </a:endParaRPr>
+          </a:p>
+          <a:p>
+            <a:pPr marL="342900" indent="-342900">
+              <a:spcAft>
+                <a:spcPts val="800"/>
+              </a:spcAft>
+              <a:buFont typeface="Arial" panose="020B0604020202020204" pitchFamily="34" charset="0"/>
+              <a:buChar char="•"/>
+            </a:pPr>
+            <a:r>
+              <a:rPr lang="ru-RU" sz="2000" dirty="0">
+                <a:solidFill>
+                  <a:srgbClr val="222222"/>
+                </a:solidFill>
+                <a:latin typeface="Comic Sans MS" panose="030F0702030302020204" pitchFamily="66" charset="0"/>
+                <a:ea typeface="Calibri" panose="020F0502020204030204" pitchFamily="34" charset="0"/>
+                <a:cs typeface="Times New Roman" panose="02020603050405020304" pitchFamily="18" charset="0"/>
+              </a:rPr>
+              <a:t>дружественный интерфейс;</a:t>
+            </a:r>
+          </a:p>
+          <a:p>
+            <a:pPr marL="342900" indent="-342900">
+              <a:spcAft>
+                <a:spcPts val="800"/>
+              </a:spcAft>
+              <a:buFont typeface="Arial" panose="020B0604020202020204" pitchFamily="34" charset="0"/>
+              <a:buChar char="•"/>
+            </a:pPr>
+            <a:r>
+              <a:rPr lang="ru-RU" sz="2000" dirty="0">
+                <a:solidFill>
+                  <a:srgbClr val="222222"/>
+                </a:solidFill>
+                <a:latin typeface="Comic Sans MS" panose="030F0702030302020204" pitchFamily="66" charset="0"/>
+                <a:ea typeface="Calibri" panose="020F0502020204030204" pitchFamily="34" charset="0"/>
+                <a:cs typeface="Times New Roman" panose="02020603050405020304" pitchFamily="18" charset="0"/>
+              </a:rPr>
+              <a:t> простая регистрация;</a:t>
+            </a:r>
+          </a:p>
+          <a:p>
+            <a:pPr marL="342900" indent="-342900">
+              <a:spcAft>
+                <a:spcPts val="800"/>
+              </a:spcAft>
+              <a:buFont typeface="Arial" panose="020B0604020202020204" pitchFamily="34" charset="0"/>
+              <a:buChar char="•"/>
+            </a:pPr>
+            <a:r>
+              <a:rPr lang="ru-RU" sz="2000" dirty="0">
+                <a:solidFill>
+                  <a:srgbClr val="222222"/>
+                </a:solidFill>
+                <a:latin typeface="Comic Sans MS" panose="030F0702030302020204" pitchFamily="66" charset="0"/>
+                <a:ea typeface="Calibri" panose="020F0502020204030204" pitchFamily="34" charset="0"/>
+                <a:cs typeface="Times New Roman" panose="02020603050405020304" pitchFamily="18" charset="0"/>
+              </a:rPr>
+              <a:t>доступность на нескольких ОС</a:t>
+            </a:r>
+            <a:r>
+              <a:rPr lang="en-US" sz="2000" dirty="0">
+                <a:solidFill>
+                  <a:srgbClr val="222222"/>
+                </a:solidFill>
+                <a:latin typeface="Comic Sans MS" panose="030F0702030302020204" pitchFamily="66" charset="0"/>
+                <a:ea typeface="Calibri" panose="020F0502020204030204" pitchFamily="34" charset="0"/>
+                <a:cs typeface="Times New Roman" panose="02020603050405020304" pitchFamily="18" charset="0"/>
+              </a:rPr>
+              <a:t>;</a:t>
+            </a:r>
+            <a:endParaRPr lang="ru-RU" sz="2000" dirty="0">
+              <a:solidFill>
+                <a:srgbClr val="222222"/>
+              </a:solidFill>
+              <a:latin typeface="Comic Sans MS" panose="030F0702030302020204" pitchFamily="66" charset="0"/>
+              <a:ea typeface="Calibri" panose="020F0502020204030204" pitchFamily="34" charset="0"/>
+              <a:cs typeface="Times New Roman" panose="02020603050405020304" pitchFamily="18" charset="0"/>
+            </a:endParaRPr>
+          </a:p>
+        </p:txBody>
+      </p:sp>
+    </p:spTree>
+    <p:extLst>
+      <p:ext uri="{BB962C8B-B14F-4D97-AF65-F5344CB8AC3E}">
+        <p14:creationId xmlns:p14="http://schemas.microsoft.com/office/powerpoint/2010/main" val="3612691556"/>
+      </p:ext>
+    </p:extLst>
+  </p:cSld>
+  <p:clrMapOvr>
+    <a:masterClrMapping/>
+  </p:clrMapOvr>
+</p:sld>
+</file>
+
+<file path=ppt/slides/slide13.xml><?xml version="1.0" encoding="utf-8"?>
 <p:sld xmlns:a="http://schemas.openxmlformats.org/drawingml/2006/main" xmlns:r="http://schemas.openxmlformats.org/officeDocument/2006/relationships" xmlns:p="http://schemas.openxmlformats.org/presentationml/2006/main">
   <p:cSld>
     <p:spTree>
@@ -3861,6 +5211,288 @@
           </a:extLst>
         </p:spPr>
       </p:pic>
+      <p:sp>
+        <p:nvSpPr>
+          <p:cNvPr id="7" name="Прямоугольник 6">
+            <a:extLst>
+              <a:ext uri="{FF2B5EF4-FFF2-40B4-BE49-F238E27FC236}">
+                <a16:creationId xmlns:a16="http://schemas.microsoft.com/office/drawing/2014/main" id="{CDD767E4-0A36-4C83-A7A0-F4CF1233F369}"/>
+              </a:ext>
+            </a:extLst>
+          </p:cNvPr>
+          <p:cNvSpPr/>
+          <p:nvPr/>
+        </p:nvSpPr>
+        <p:spPr>
+          <a:xfrm>
+            <a:off x="494522" y="1158657"/>
+            <a:ext cx="11234057" cy="3734612"/>
+          </a:xfrm>
+          <a:prstGeom prst="rect">
+            <a:avLst/>
+          </a:prstGeom>
+        </p:spPr>
+        <p:txBody>
+          <a:bodyPr wrap="square">
+            <a:spAutoFit/>
+          </a:bodyPr>
+          <a:lstStyle/>
+          <a:p>
+            <a:pPr>
+              <a:lnSpc>
+                <a:spcPct val="150000"/>
+              </a:lnSpc>
+            </a:pPr>
+            <a:r>
+              <a:rPr lang="ru-RU" sz="2000" dirty="0" err="1">
+                <a:solidFill>
+                  <a:srgbClr val="000000"/>
+                </a:solidFill>
+                <a:latin typeface="Comic Sans MS" panose="030F0702030302020204" pitchFamily="66" charset="0"/>
+              </a:rPr>
+              <a:t>Lighting</a:t>
+            </a:r>
+            <a:r>
+              <a:rPr lang="ru-RU" sz="2000" dirty="0">
+                <a:solidFill>
+                  <a:srgbClr val="000000"/>
+                </a:solidFill>
+                <a:latin typeface="Comic Sans MS" panose="030F0702030302020204" pitchFamily="66" charset="0"/>
+              </a:rPr>
+              <a:t> </a:t>
+            </a:r>
+            <a:r>
+              <a:rPr lang="ru-RU" sz="2000" dirty="0" err="1">
+                <a:solidFill>
+                  <a:srgbClr val="000000"/>
+                </a:solidFill>
+                <a:latin typeface="Comic Sans MS" panose="030F0702030302020204" pitchFamily="66" charset="0"/>
+              </a:rPr>
+              <a:t>Network</a:t>
+            </a:r>
+            <a:r>
+              <a:rPr lang="ru-RU" sz="2000" dirty="0">
+                <a:solidFill>
+                  <a:srgbClr val="000000"/>
+                </a:solidFill>
+                <a:latin typeface="Comic Sans MS" panose="030F0702030302020204" pitchFamily="66" charset="0"/>
+              </a:rPr>
+              <a:t> — это еще молодая разработка для улучшения </a:t>
+            </a:r>
+            <a:r>
+              <a:rPr lang="ru-RU" sz="2000" dirty="0" err="1">
+                <a:solidFill>
+                  <a:srgbClr val="000000"/>
+                </a:solidFill>
+                <a:latin typeface="Comic Sans MS" panose="030F0702030302020204" pitchFamily="66" charset="0"/>
+              </a:rPr>
+              <a:t>блокчейна</a:t>
+            </a:r>
+            <a:r>
+              <a:rPr lang="ru-RU" sz="2000" dirty="0">
+                <a:solidFill>
+                  <a:srgbClr val="000000"/>
+                </a:solidFill>
+                <a:latin typeface="Comic Sans MS" panose="030F0702030302020204" pitchFamily="66" charset="0"/>
+              </a:rPr>
+              <a:t>. Развитие в этой индустрии действительно ощутимо. </a:t>
+            </a:r>
+            <a:r>
+              <a:rPr lang="en-US" sz="2000" dirty="0">
+                <a:solidFill>
+                  <a:srgbClr val="000000"/>
+                </a:solidFill>
+                <a:latin typeface="Comic Sans MS" panose="030F0702030302020204" pitchFamily="66" charset="0"/>
+              </a:rPr>
+              <a:t>LN </a:t>
+            </a:r>
+            <a:r>
+              <a:rPr lang="ru-RU" sz="2000" dirty="0">
+                <a:solidFill>
+                  <a:srgbClr val="000000"/>
+                </a:solidFill>
+                <a:latin typeface="Comic Sans MS" panose="030F0702030302020204" pitchFamily="66" charset="0"/>
+              </a:rPr>
+              <a:t>имеет некоторые недостатки, такие как:</a:t>
+            </a:r>
+          </a:p>
+          <a:p>
+            <a:pPr marL="285750" indent="-285750">
+              <a:lnSpc>
+                <a:spcPct val="150000"/>
+              </a:lnSpc>
+              <a:buFont typeface="Arial" panose="020B0604020202020204" pitchFamily="34" charset="0"/>
+              <a:buChar char="•"/>
+            </a:pPr>
+            <a:r>
+              <a:rPr lang="ru-RU" sz="2000" dirty="0" err="1">
+                <a:solidFill>
+                  <a:srgbClr val="000000"/>
+                </a:solidFill>
+                <a:latin typeface="Comic Sans MS" panose="030F0702030302020204" pitchFamily="66" charset="0"/>
+              </a:rPr>
+              <a:t>отсутсвие</a:t>
+            </a:r>
+            <a:r>
+              <a:rPr lang="ru-RU" sz="2000" dirty="0">
+                <a:solidFill>
+                  <a:srgbClr val="000000"/>
+                </a:solidFill>
+                <a:latin typeface="Comic Sans MS" panose="030F0702030302020204" pitchFamily="66" charset="0"/>
+              </a:rPr>
+              <a:t> возможности отправки средств на кошелёк и платежей оффлайн;</a:t>
+            </a:r>
+          </a:p>
+          <a:p>
+            <a:pPr marL="285750" indent="-285750">
+              <a:lnSpc>
+                <a:spcPct val="150000"/>
+              </a:lnSpc>
+              <a:buFont typeface="Arial" panose="020B0604020202020204" pitchFamily="34" charset="0"/>
+              <a:buChar char="•"/>
+            </a:pPr>
+            <a:r>
+              <a:rPr lang="ru-RU" sz="2000" dirty="0">
+                <a:solidFill>
+                  <a:srgbClr val="000000"/>
+                </a:solidFill>
+                <a:latin typeface="Comic Sans MS" panose="030F0702030302020204" pitchFamily="66" charset="0"/>
+              </a:rPr>
+              <a:t>прямая зависимость </a:t>
+            </a:r>
+            <a:r>
+              <a:rPr lang="ru-RU" sz="2000" dirty="0" err="1">
+                <a:solidFill>
+                  <a:srgbClr val="000000"/>
+                </a:solidFill>
+                <a:latin typeface="Comic Sans MS" panose="030F0702030302020204" pitchFamily="66" charset="0"/>
+              </a:rPr>
+              <a:t>Lighting</a:t>
+            </a:r>
+            <a:r>
+              <a:rPr lang="ru-RU" sz="2000" dirty="0">
+                <a:solidFill>
+                  <a:srgbClr val="000000"/>
+                </a:solidFill>
+                <a:latin typeface="Comic Sans MS" panose="030F0702030302020204" pitchFamily="66" charset="0"/>
+              </a:rPr>
+              <a:t> </a:t>
+            </a:r>
+            <a:r>
+              <a:rPr lang="ru-RU" sz="2000" dirty="0" err="1">
+                <a:solidFill>
+                  <a:srgbClr val="000000"/>
+                </a:solidFill>
+                <a:latin typeface="Comic Sans MS" panose="030F0702030302020204" pitchFamily="66" charset="0"/>
+              </a:rPr>
+              <a:t>Network</a:t>
+            </a:r>
+            <a:r>
+              <a:rPr lang="ru-RU" sz="2000" dirty="0">
+                <a:solidFill>
+                  <a:srgbClr val="000000"/>
+                </a:solidFill>
+                <a:latin typeface="Comic Sans MS" panose="030F0702030302020204" pitchFamily="66" charset="0"/>
+              </a:rPr>
+              <a:t> от </a:t>
+            </a:r>
+            <a:r>
+              <a:rPr lang="en-US" sz="2000" dirty="0">
+                <a:solidFill>
+                  <a:srgbClr val="000000"/>
+                </a:solidFill>
+                <a:latin typeface="Comic Sans MS" panose="030F0702030302020204" pitchFamily="66" charset="0"/>
+              </a:rPr>
+              <a:t>Bitcoin;</a:t>
+            </a:r>
+            <a:endParaRPr lang="ru-RU" sz="2000" dirty="0">
+              <a:solidFill>
+                <a:srgbClr val="000000"/>
+              </a:solidFill>
+              <a:latin typeface="Comic Sans MS" panose="030F0702030302020204" pitchFamily="66" charset="0"/>
+            </a:endParaRPr>
+          </a:p>
+          <a:p>
+            <a:pPr marL="285750" indent="-285750">
+              <a:lnSpc>
+                <a:spcPct val="150000"/>
+              </a:lnSpc>
+              <a:buFont typeface="Arial" panose="020B0604020202020204" pitchFamily="34" charset="0"/>
+              <a:buChar char="•"/>
+            </a:pPr>
+            <a:r>
+              <a:rPr lang="ru-RU" sz="2000" dirty="0">
+                <a:solidFill>
+                  <a:srgbClr val="000000"/>
+                </a:solidFill>
+                <a:latin typeface="Comic Sans MS" panose="030F0702030302020204" pitchFamily="66" charset="0"/>
+              </a:rPr>
+              <a:t>не всегда понятно и доступно для простых пользователей;</a:t>
+            </a:r>
+            <a:endParaRPr lang="en-US" sz="2000" dirty="0">
+              <a:solidFill>
+                <a:srgbClr val="000000"/>
+              </a:solidFill>
+              <a:latin typeface="Comic Sans MS" panose="030F0702030302020204" pitchFamily="66" charset="0"/>
+            </a:endParaRPr>
+          </a:p>
+          <a:p>
+            <a:pPr marL="285750" indent="-285750">
+              <a:lnSpc>
+                <a:spcPct val="150000"/>
+              </a:lnSpc>
+              <a:buFont typeface="Arial" panose="020B0604020202020204" pitchFamily="34" charset="0"/>
+              <a:buChar char="•"/>
+            </a:pPr>
+            <a:r>
+              <a:rPr lang="ru-RU" sz="2000" dirty="0">
+                <a:solidFill>
+                  <a:srgbClr val="000000"/>
+                </a:solidFill>
+                <a:latin typeface="Comic Sans MS" panose="030F0702030302020204" pitchFamily="66" charset="0"/>
+              </a:rPr>
+              <a:t>проблема масштабируемости</a:t>
+            </a:r>
+            <a:r>
+              <a:rPr lang="en-US" sz="2000" dirty="0">
+                <a:solidFill>
+                  <a:srgbClr val="000000"/>
+                </a:solidFill>
+                <a:latin typeface="Comic Sans MS" panose="030F0702030302020204" pitchFamily="66" charset="0"/>
+              </a:rPr>
+              <a:t>;</a:t>
+            </a:r>
+            <a:endParaRPr lang="ru-RU" sz="2000" dirty="0">
+              <a:solidFill>
+                <a:srgbClr val="000000"/>
+              </a:solidFill>
+              <a:latin typeface="Comic Sans MS" panose="030F0702030302020204" pitchFamily="66" charset="0"/>
+            </a:endParaRPr>
+          </a:p>
+          <a:p>
+            <a:pPr>
+              <a:lnSpc>
+                <a:spcPct val="150000"/>
+              </a:lnSpc>
+            </a:pPr>
+            <a:r>
+              <a:rPr lang="ru-RU" sz="2000" dirty="0">
+                <a:solidFill>
+                  <a:srgbClr val="000000"/>
+                </a:solidFill>
+                <a:latin typeface="Comic Sans MS" panose="030F0702030302020204" pitchFamily="66" charset="0"/>
+              </a:rPr>
+              <a:t>Но несмотря на это, </a:t>
+            </a:r>
+            <a:r>
+              <a:rPr lang="ru-RU" sz="2000" dirty="0">
+                <a:latin typeface="Comic Sans MS" panose="030F0702030302020204" pitchFamily="66" charset="0"/>
+              </a:rPr>
+              <a:t>технология является большим шагом вперёд и постоянно развивается. </a:t>
+            </a:r>
+          </a:p>
+        </p:txBody>
+      </p:sp>
     </p:spTree>
     <p:extLst>
       <p:ext uri="{BB962C8B-B14F-4D97-AF65-F5344CB8AC3E}">
@@ -3874,7 +5506,236 @@
 </p:sld>
 </file>
 
-<file path=ppt/slides/slide13.xml><?xml version="1.0" encoding="utf-8"?>
+<file path=ppt/slides/slide14.xml><?xml version="1.0" encoding="utf-8"?>
+<p:sld xmlns:a="http://schemas.openxmlformats.org/drawingml/2006/main" xmlns:r="http://schemas.openxmlformats.org/officeDocument/2006/relationships" xmlns:p="http://schemas.openxmlformats.org/presentationml/2006/main">
+  <p:cSld>
+    <p:spTree>
+      <p:nvGrpSpPr>
+        <p:cNvPr id="1" name=""/>
+        <p:cNvGrpSpPr/>
+        <p:nvPr/>
+      </p:nvGrpSpPr>
+      <p:grpSpPr>
+        <a:xfrm>
+          <a:off x="0" y="0"/>
+          <a:ext cx="0" cy="0"/>
+          <a:chOff x="0" y="0"/>
+          <a:chExt cx="0" cy="0"/>
+        </a:xfrm>
+      </p:grpSpPr>
+      <p:sp>
+        <p:nvSpPr>
+          <p:cNvPr id="2" name="Заголовок 1">
+            <a:extLst>
+              <a:ext uri="{FF2B5EF4-FFF2-40B4-BE49-F238E27FC236}">
+                <a16:creationId xmlns:a16="http://schemas.microsoft.com/office/drawing/2014/main" id="{727D20EC-175F-4E7B-8F1D-F3CDE963F6F0}"/>
+              </a:ext>
+            </a:extLst>
+          </p:cNvPr>
+          <p:cNvSpPr>
+            <a:spLocks noGrp="1"/>
+          </p:cNvSpPr>
+          <p:nvPr>
+            <p:ph type="ctrTitle"/>
+          </p:nvPr>
+        </p:nvSpPr>
+        <p:spPr>
+          <a:xfrm>
+            <a:off x="314128" y="167951"/>
+            <a:ext cx="7246776" cy="934714"/>
+          </a:xfrm>
+        </p:spPr>
+        <p:txBody>
+          <a:bodyPr>
+            <a:normAutofit/>
+          </a:bodyPr>
+          <a:lstStyle/>
+          <a:p>
+            <a:r>
+              <a:rPr lang="ru-RU" sz="4800" dirty="0">
+                <a:solidFill>
+                  <a:schemeClr val="tx1">
+                    <a:lumMod val="85000"/>
+                    <a:lumOff val="15000"/>
+                  </a:schemeClr>
+                </a:solidFill>
+                <a:latin typeface="Comic Sans MS" panose="030F0702030302020204" pitchFamily="66" charset="0"/>
+              </a:rPr>
+              <a:t>Репозиторий на </a:t>
+            </a:r>
+            <a:r>
+              <a:rPr lang="en-US" sz="4800" dirty="0">
+                <a:solidFill>
+                  <a:schemeClr val="tx1">
+                    <a:lumMod val="85000"/>
+                    <a:lumOff val="15000"/>
+                  </a:schemeClr>
+                </a:solidFill>
+                <a:latin typeface="Comic Sans MS" panose="030F0702030302020204" pitchFamily="66" charset="0"/>
+              </a:rPr>
+              <a:t>GitHub</a:t>
+            </a:r>
+            <a:endParaRPr lang="ru-RU" sz="4800" dirty="0">
+              <a:solidFill>
+                <a:schemeClr val="tx1">
+                  <a:lumMod val="85000"/>
+                  <a:lumOff val="15000"/>
+                </a:schemeClr>
+              </a:solidFill>
+              <a:latin typeface="Comic Sans MS" panose="030F0702030302020204" pitchFamily="66" charset="0"/>
+            </a:endParaRPr>
+          </a:p>
+        </p:txBody>
+      </p:sp>
+      <p:sp>
+        <p:nvSpPr>
+          <p:cNvPr id="3" name="Подзаголовок 2">
+            <a:extLst>
+              <a:ext uri="{FF2B5EF4-FFF2-40B4-BE49-F238E27FC236}">
+                <a16:creationId xmlns:a16="http://schemas.microsoft.com/office/drawing/2014/main" id="{CBF4E56C-5872-4C4B-9A2A-609999552297}"/>
+              </a:ext>
+            </a:extLst>
+          </p:cNvPr>
+          <p:cNvSpPr>
+            <a:spLocks noGrp="1"/>
+          </p:cNvSpPr>
+          <p:nvPr>
+            <p:ph type="subTitle" idx="1"/>
+          </p:nvPr>
+        </p:nvSpPr>
+        <p:spPr>
+          <a:xfrm>
+            <a:off x="314128" y="1773238"/>
+            <a:ext cx="9678958" cy="934714"/>
+          </a:xfrm>
+        </p:spPr>
+        <p:txBody>
+          <a:bodyPr>
+            <a:normAutofit/>
+          </a:bodyPr>
+          <a:lstStyle/>
+          <a:p>
+            <a:r>
+              <a:rPr lang="de-DE" sz="3200" dirty="0">
+                <a:latin typeface="Comic Sans MS" panose="030F0702030302020204" pitchFamily="66" charset="0"/>
+                <a:hlinkClick r:id="rId2"/>
+              </a:rPr>
+              <a:t>https://github.com/NikaLeb/181_351_testingLN</a:t>
+            </a:r>
+            <a:endParaRPr lang="ru-RU" sz="3200" dirty="0">
+              <a:latin typeface="Comic Sans MS" panose="030F0702030302020204" pitchFamily="66" charset="0"/>
+            </a:endParaRPr>
+          </a:p>
+        </p:txBody>
+      </p:sp>
+      <p:pic>
+        <p:nvPicPr>
+          <p:cNvPr id="4" name="Picture 8" descr="https://mospolytech.ru/storage/b53b3a3d6ab90ce0268229151c9bde11/images/Logo2.jpg">
+            <a:extLst>
+              <a:ext uri="{FF2B5EF4-FFF2-40B4-BE49-F238E27FC236}">
+                <a16:creationId xmlns:a16="http://schemas.microsoft.com/office/drawing/2014/main" id="{D4C654E2-4A51-42CF-BE76-0C25FA18C15B}"/>
+              </a:ext>
+            </a:extLst>
+          </p:cNvPr>
+          <p:cNvPicPr>
+            <a:picLocks noChangeAspect="1" noChangeArrowheads="1"/>
+          </p:cNvPicPr>
+          <p:nvPr/>
+        </p:nvPicPr>
+        <p:blipFill>
+          <a:blip r:embed="rId3">
+            <a:extLst>
+              <a:ext uri="{28A0092B-C50C-407E-A947-70E740481C1C}">
+                <a14:useLocalDpi xmlns:a14="http://schemas.microsoft.com/office/drawing/2010/main" val="0"/>
+              </a:ext>
+            </a:extLst>
+          </a:blip>
+          <a:srcRect/>
+          <a:stretch>
+            <a:fillRect/>
+          </a:stretch>
+        </p:blipFill>
+        <p:spPr bwMode="auto">
+          <a:xfrm>
+            <a:off x="-1" y="5599533"/>
+            <a:ext cx="3937517" cy="1258466"/>
+          </a:xfrm>
+          <a:prstGeom prst="rect">
+            <a:avLst/>
+          </a:prstGeom>
+          <a:noFill/>
+          <a:extLst>
+            <a:ext uri="{909E8E84-426E-40DD-AFC4-6F175D3DCCD1}">
+              <a14:hiddenFill xmlns:a14="http://schemas.microsoft.com/office/drawing/2010/main">
+                <a:solidFill>
+                  <a:srgbClr val="FFFFFF"/>
+                </a:solidFill>
+              </a14:hiddenFill>
+            </a:ext>
+          </a:extLst>
+        </p:spPr>
+      </p:pic>
+      <p:pic>
+        <p:nvPicPr>
+          <p:cNvPr id="2050" name="Picture 2" descr="https://pp.userapi.com/c855216/v855216856/74215/S-YLbxM2U-g.jpg">
+            <a:extLst>
+              <a:ext uri="{FF2B5EF4-FFF2-40B4-BE49-F238E27FC236}">
+                <a16:creationId xmlns:a16="http://schemas.microsoft.com/office/drawing/2014/main" id="{1C5B92A8-EEAE-4397-A639-AD8B3AB0D8E9}"/>
+              </a:ext>
+            </a:extLst>
+          </p:cNvPr>
+          <p:cNvPicPr>
+            <a:picLocks noChangeAspect="1" noChangeArrowheads="1"/>
+          </p:cNvPicPr>
+          <p:nvPr/>
+        </p:nvPicPr>
+        <p:blipFill>
+          <a:blip r:embed="rId4">
+            <a:extLst>
+              <a:ext uri="{28A0092B-C50C-407E-A947-70E740481C1C}">
+                <a14:useLocalDpi xmlns:a14="http://schemas.microsoft.com/office/drawing/2010/main" val="0"/>
+              </a:ext>
+            </a:extLst>
+          </a:blip>
+          <a:srcRect/>
+          <a:stretch>
+            <a:fillRect/>
+          </a:stretch>
+        </p:blipFill>
+        <p:spPr bwMode="auto">
+          <a:xfrm>
+            <a:off x="4947362" y="3302257"/>
+            <a:ext cx="2297276" cy="2297276"/>
+          </a:xfrm>
+          <a:prstGeom prst="rect">
+            <a:avLst/>
+          </a:prstGeom>
+          <a:noFill/>
+          <a:extLst>
+            <a:ext uri="{909E8E84-426E-40DD-AFC4-6F175D3DCCD1}">
+              <a14:hiddenFill xmlns:a14="http://schemas.microsoft.com/office/drawing/2010/main">
+                <a:solidFill>
+                  <a:srgbClr val="FFFFFF"/>
+                </a:solidFill>
+              </a14:hiddenFill>
+            </a:ext>
+          </a:extLst>
+        </p:spPr>
+      </p:pic>
+    </p:spTree>
+    <p:extLst>
+      <p:ext uri="{BB962C8B-B14F-4D97-AF65-F5344CB8AC3E}">
+        <p14:creationId xmlns:p14="http://schemas.microsoft.com/office/powerpoint/2010/main" val="4220881515"/>
+      </p:ext>
+    </p:extLst>
+  </p:cSld>
+  <p:clrMapOvr>
+    <a:masterClrMapping/>
+  </p:clrMapOvr>
+</p:sld>
+</file>
+
+<file path=ppt/slides/slide15.xml><?xml version="1.0" encoding="utf-8"?>
 <p:sld xmlns:a="http://schemas.openxmlformats.org/drawingml/2006/main" xmlns:r="http://schemas.openxmlformats.org/officeDocument/2006/relationships" xmlns:p="http://schemas.openxmlformats.org/presentationml/2006/main">
   <p:cSld>
     <p:spTree>
@@ -4456,15 +6317,312 @@
         </p:nvSpPr>
         <p:spPr>
           <a:xfrm>
-            <a:off x="-1" y="1120095"/>
-            <a:ext cx="10273006" cy="4479438"/>
+            <a:off x="317241" y="1120095"/>
+            <a:ext cx="9955764" cy="4479438"/>
           </a:xfrm>
         </p:spPr>
         <p:txBody>
-          <a:bodyPr/>
+          <a:bodyPr>
+            <a:normAutofit/>
+          </a:bodyPr>
           <a:lstStyle/>
           <a:p>
-            <a:endParaRPr lang="ru-RU" dirty="0"/>
+            <a:pPr marL="457200" indent="-457200" algn="l">
+              <a:buClr>
+                <a:schemeClr val="tx1">
+                  <a:lumMod val="85000"/>
+                  <a:lumOff val="15000"/>
+                </a:schemeClr>
+              </a:buClr>
+              <a:buSzPct val="90000"/>
+              <a:buFont typeface="Comic Sans MS" panose="030F0702030302020204" pitchFamily="66" charset="0"/>
+              <a:buChar char="●"/>
+            </a:pPr>
+            <a:r>
+              <a:rPr lang="ru-RU" sz="2800" dirty="0">
+                <a:solidFill>
+                  <a:schemeClr val="tx1">
+                    <a:lumMod val="85000"/>
+                    <a:lumOff val="15000"/>
+                  </a:schemeClr>
+                </a:solidFill>
+                <a:latin typeface="Comic Sans MS" panose="030F0702030302020204" pitchFamily="66" charset="0"/>
+              </a:rPr>
+              <a:t>Что такое </a:t>
+            </a:r>
+            <a:r>
+              <a:rPr lang="en-US" sz="2800" dirty="0">
+                <a:solidFill>
+                  <a:schemeClr val="tx1">
+                    <a:lumMod val="85000"/>
+                    <a:lumOff val="15000"/>
+                  </a:schemeClr>
+                </a:solidFill>
+                <a:latin typeface="Comic Sans MS" panose="030F0702030302020204" pitchFamily="66" charset="0"/>
+              </a:rPr>
+              <a:t>Lightning Network</a:t>
+            </a:r>
+            <a:r>
+              <a:rPr lang="ru-RU" sz="2800" dirty="0">
+                <a:solidFill>
+                  <a:schemeClr val="tx1">
+                    <a:lumMod val="85000"/>
+                    <a:lumOff val="15000"/>
+                  </a:schemeClr>
+                </a:solidFill>
+                <a:latin typeface="Comic Sans MS" panose="030F0702030302020204" pitchFamily="66" charset="0"/>
+              </a:rPr>
+              <a:t>?</a:t>
+            </a:r>
+          </a:p>
+          <a:p>
+            <a:pPr marL="457200" indent="-457200" algn="l">
+              <a:buClr>
+                <a:schemeClr val="tx1">
+                  <a:lumMod val="85000"/>
+                  <a:lumOff val="15000"/>
+                </a:schemeClr>
+              </a:buClr>
+              <a:buSzPct val="90000"/>
+              <a:buFont typeface="Comic Sans MS" panose="030F0702030302020204" pitchFamily="66" charset="0"/>
+              <a:buChar char="●"/>
+            </a:pPr>
+            <a:r>
+              <a:rPr lang="ru-RU" sz="2800" dirty="0">
+                <a:solidFill>
+                  <a:schemeClr val="tx1">
+                    <a:lumMod val="85000"/>
+                    <a:lumOff val="15000"/>
+                  </a:schemeClr>
+                </a:solidFill>
+                <a:latin typeface="Comic Sans MS" panose="030F0702030302020204" pitchFamily="66" charset="0"/>
+              </a:rPr>
+              <a:t>Зачем нужна технология </a:t>
+            </a:r>
+            <a:r>
+              <a:rPr lang="en-US" sz="2800" dirty="0">
+                <a:solidFill>
+                  <a:schemeClr val="tx1">
+                    <a:lumMod val="85000"/>
+                    <a:lumOff val="15000"/>
+                  </a:schemeClr>
+                </a:solidFill>
+                <a:latin typeface="Comic Sans MS" panose="030F0702030302020204" pitchFamily="66" charset="0"/>
+              </a:rPr>
+              <a:t>LN?</a:t>
+            </a:r>
+            <a:endParaRPr lang="ru-RU" sz="2800" dirty="0">
+              <a:solidFill>
+                <a:schemeClr val="tx1">
+                  <a:lumMod val="85000"/>
+                  <a:lumOff val="15000"/>
+                </a:schemeClr>
+              </a:solidFill>
+              <a:latin typeface="Comic Sans MS" panose="030F0702030302020204" pitchFamily="66" charset="0"/>
+            </a:endParaRPr>
+          </a:p>
+          <a:p>
+            <a:pPr marL="457200" indent="-457200" algn="l">
+              <a:buClr>
+                <a:schemeClr val="tx1">
+                  <a:lumMod val="85000"/>
+                  <a:lumOff val="15000"/>
+                </a:schemeClr>
+              </a:buClr>
+              <a:buSzPct val="90000"/>
+              <a:buFont typeface="Comic Sans MS" panose="030F0702030302020204" pitchFamily="66" charset="0"/>
+              <a:buChar char="●"/>
+            </a:pPr>
+            <a:r>
+              <a:rPr lang="ru-RU" sz="2800" dirty="0">
+                <a:solidFill>
+                  <a:schemeClr val="tx1">
+                    <a:lumMod val="85000"/>
+                    <a:lumOff val="15000"/>
+                  </a:schemeClr>
+                </a:solidFill>
+                <a:latin typeface="Comic Sans MS" panose="030F0702030302020204" pitchFamily="66" charset="0"/>
+              </a:rPr>
+              <a:t>Цель проекта</a:t>
+            </a:r>
+          </a:p>
+          <a:p>
+            <a:pPr marL="457200" indent="-457200" algn="l">
+              <a:buClr>
+                <a:schemeClr val="tx1">
+                  <a:lumMod val="85000"/>
+                  <a:lumOff val="15000"/>
+                </a:schemeClr>
+              </a:buClr>
+              <a:buSzPct val="90000"/>
+              <a:buFont typeface="Comic Sans MS" panose="030F0702030302020204" pitchFamily="66" charset="0"/>
+              <a:buChar char="●"/>
+            </a:pPr>
+            <a:r>
+              <a:rPr lang="ru-RU" sz="2800" dirty="0">
+                <a:solidFill>
+                  <a:schemeClr val="tx1">
+                    <a:lumMod val="85000"/>
+                    <a:lumOff val="15000"/>
+                  </a:schemeClr>
+                </a:solidFill>
+                <a:latin typeface="Comic Sans MS" panose="030F0702030302020204" pitchFamily="66" charset="0"/>
+              </a:rPr>
+              <a:t>Этапы реализации проекта</a:t>
+            </a:r>
+          </a:p>
+          <a:p>
+            <a:pPr marL="457200" indent="-457200" algn="l">
+              <a:buClr>
+                <a:schemeClr val="tx1">
+                  <a:lumMod val="85000"/>
+                  <a:lumOff val="15000"/>
+                </a:schemeClr>
+              </a:buClr>
+              <a:buSzPct val="90000"/>
+              <a:buFont typeface="Comic Sans MS" panose="030F0702030302020204" pitchFamily="66" charset="0"/>
+              <a:buChar char="●"/>
+            </a:pPr>
+            <a:r>
+              <a:rPr lang="ru-RU" sz="2800" dirty="0">
+                <a:solidFill>
+                  <a:schemeClr val="tx1">
+                    <a:lumMod val="85000"/>
+                    <a:lumOff val="15000"/>
+                  </a:schemeClr>
+                </a:solidFill>
+                <a:latin typeface="Comic Sans MS" panose="030F0702030302020204" pitchFamily="66" charset="0"/>
+              </a:rPr>
+              <a:t>Результаты работы:</a:t>
+            </a:r>
+          </a:p>
+          <a:p>
+            <a:pPr marL="914400" lvl="1" indent="-457200" algn="l">
+              <a:buClr>
+                <a:schemeClr val="tx1">
+                  <a:lumMod val="85000"/>
+                  <a:lumOff val="15000"/>
+                </a:schemeClr>
+              </a:buClr>
+              <a:buSzPct val="90000"/>
+              <a:buFont typeface="Comic Sans MS" panose="030F0702030302020204" pitchFamily="66" charset="0"/>
+              <a:buChar char="×"/>
+            </a:pPr>
+            <a:r>
+              <a:rPr lang="en-US" sz="2400" dirty="0">
+                <a:solidFill>
+                  <a:schemeClr val="tx1">
+                    <a:lumMod val="85000"/>
+                    <a:lumOff val="15000"/>
+                  </a:schemeClr>
+                </a:solidFill>
+                <a:latin typeface="Comic Sans MS" panose="030F0702030302020204" pitchFamily="66" charset="0"/>
+              </a:rPr>
+              <a:t>Éclair</a:t>
+            </a:r>
+          </a:p>
+          <a:p>
+            <a:pPr marL="914400" lvl="1" indent="-457200" algn="l">
+              <a:buClr>
+                <a:schemeClr val="tx1">
+                  <a:lumMod val="85000"/>
+                  <a:lumOff val="15000"/>
+                </a:schemeClr>
+              </a:buClr>
+              <a:buSzPct val="90000"/>
+              <a:buFont typeface="Comic Sans MS" panose="030F0702030302020204" pitchFamily="66" charset="0"/>
+              <a:buChar char="×"/>
+            </a:pPr>
+            <a:r>
+              <a:rPr lang="en-US" sz="2400" dirty="0" err="1">
+                <a:solidFill>
+                  <a:schemeClr val="tx1">
+                    <a:lumMod val="85000"/>
+                    <a:lumOff val="15000"/>
+                  </a:schemeClr>
+                </a:solidFill>
+                <a:latin typeface="Comic Sans MS" panose="030F0702030302020204" pitchFamily="66" charset="0"/>
+              </a:rPr>
+              <a:t>Bitlum</a:t>
+            </a:r>
+            <a:endParaRPr lang="en-US" sz="2400" dirty="0">
+              <a:solidFill>
+                <a:schemeClr val="tx1">
+                  <a:lumMod val="85000"/>
+                  <a:lumOff val="15000"/>
+                </a:schemeClr>
+              </a:solidFill>
+              <a:latin typeface="Comic Sans MS" panose="030F0702030302020204" pitchFamily="66" charset="0"/>
+            </a:endParaRPr>
+          </a:p>
+          <a:p>
+            <a:pPr marL="914400" lvl="1" indent="-457200" algn="l">
+              <a:buClr>
+                <a:schemeClr val="tx1">
+                  <a:lumMod val="85000"/>
+                  <a:lumOff val="15000"/>
+                </a:schemeClr>
+              </a:buClr>
+              <a:buSzPct val="90000"/>
+              <a:buFont typeface="Comic Sans MS" panose="030F0702030302020204" pitchFamily="66" charset="0"/>
+              <a:buChar char="×"/>
+            </a:pPr>
+            <a:r>
+              <a:rPr lang="en-US" sz="2400" dirty="0">
+                <a:solidFill>
+                  <a:schemeClr val="tx1">
+                    <a:lumMod val="85000"/>
+                    <a:lumOff val="15000"/>
+                  </a:schemeClr>
+                </a:solidFill>
+                <a:latin typeface="Comic Sans MS" panose="030F0702030302020204" pitchFamily="66" charset="0"/>
+              </a:rPr>
+              <a:t>Zap</a:t>
+            </a:r>
+          </a:p>
+          <a:p>
+            <a:pPr marL="457200" indent="-457200" algn="l">
+              <a:buClr>
+                <a:schemeClr val="tx1">
+                  <a:lumMod val="85000"/>
+                  <a:lumOff val="15000"/>
+                </a:schemeClr>
+              </a:buClr>
+              <a:buSzPct val="90000"/>
+              <a:buFont typeface="Comic Sans MS" panose="030F0702030302020204" pitchFamily="66" charset="0"/>
+              <a:buChar char="●"/>
+            </a:pPr>
+            <a:endParaRPr lang="ru-RU" sz="2800" dirty="0">
+              <a:solidFill>
+                <a:schemeClr val="tx1">
+                  <a:lumMod val="85000"/>
+                  <a:lumOff val="15000"/>
+                </a:schemeClr>
+              </a:solidFill>
+              <a:latin typeface="Comic Sans MS" panose="030F0702030302020204" pitchFamily="66" charset="0"/>
+            </a:endParaRPr>
+          </a:p>
+          <a:p>
+            <a:pPr marL="457200" indent="-457200" algn="l">
+              <a:buClr>
+                <a:schemeClr val="tx1">
+                  <a:lumMod val="85000"/>
+                  <a:lumOff val="15000"/>
+                </a:schemeClr>
+              </a:buClr>
+              <a:buSzPct val="90000"/>
+              <a:buFont typeface="Comic Sans MS" panose="030F0702030302020204" pitchFamily="66" charset="0"/>
+              <a:buChar char="●"/>
+            </a:pPr>
+            <a:endParaRPr lang="ru-RU" sz="2800" dirty="0">
+              <a:solidFill>
+                <a:schemeClr val="tx1">
+                  <a:lumMod val="85000"/>
+                  <a:lumOff val="15000"/>
+                </a:schemeClr>
+              </a:solidFill>
+              <a:latin typeface="Comic Sans MS" panose="030F0702030302020204" pitchFamily="66" charset="0"/>
+            </a:endParaRPr>
           </a:p>
         </p:txBody>
       </p:sp>
@@ -4563,37 +6721,61 @@
         </p:nvSpPr>
         <p:spPr>
           <a:xfrm>
-            <a:off x="0" y="-1"/>
-            <a:ext cx="6201747" cy="923731"/>
+            <a:off x="438538" y="9331"/>
+            <a:ext cx="8621486" cy="923731"/>
           </a:xfrm>
         </p:spPr>
         <p:txBody>
           <a:bodyPr>
-            <a:normAutofit/>
+            <a:normAutofit fontScale="90000"/>
           </a:bodyPr>
           <a:lstStyle/>
           <a:p>
-            <a:r>
-              <a:rPr lang="en-US" sz="4800" dirty="0">
-                <a:solidFill>
-                  <a:schemeClr val="tx1">
-                    <a:lumMod val="85000"/>
-                    <a:lumOff val="15000"/>
-                  </a:schemeClr>
-                </a:solidFill>
-                <a:latin typeface="Comic Sans MS" panose="030F0702030302020204" pitchFamily="66" charset="0"/>
-              </a:rPr>
-              <a:t>Lightning Network</a:t>
-            </a:r>
-            <a:endParaRPr lang="ru-RU" sz="4800" dirty="0">
-              <a:solidFill>
+            <a:pPr algn="l">
+              <a:buClr>
                 <a:schemeClr val="tx1">
                   <a:lumMod val="85000"/>
                   <a:lumOff val="15000"/>
                 </a:schemeClr>
-              </a:solidFill>
-              <a:latin typeface="Comic Sans MS" panose="030F0702030302020204" pitchFamily="66" charset="0"/>
-            </a:endParaRPr>
+              </a:buClr>
+              <a:buSzPct val="90000"/>
+            </a:pPr>
+            <a:r>
+              <a:rPr lang="ru-RU" sz="4800" dirty="0">
+                <a:solidFill>
+                  <a:schemeClr val="tx1">
+                    <a:lumMod val="85000"/>
+                    <a:lumOff val="15000"/>
+                  </a:schemeClr>
+                </a:solidFill>
+                <a:latin typeface="Comic Sans MS" panose="030F0702030302020204" pitchFamily="66" charset="0"/>
+              </a:rPr>
+              <a:t>Что такое </a:t>
+            </a:r>
+            <a:r>
+              <a:rPr lang="en-US" sz="4800" dirty="0">
+                <a:solidFill>
+                  <a:schemeClr val="tx1">
+                    <a:lumMod val="85000"/>
+                    <a:lumOff val="15000"/>
+                  </a:schemeClr>
+                </a:solidFill>
+                <a:latin typeface="Comic Sans MS" panose="030F0702030302020204" pitchFamily="66" charset="0"/>
+              </a:rPr>
+              <a:t>Lightning Network</a:t>
+            </a:r>
+            <a:r>
+              <a:rPr lang="ru-RU" sz="4800" dirty="0">
+                <a:solidFill>
+                  <a:schemeClr val="tx1">
+                    <a:lumMod val="85000"/>
+                    <a:lumOff val="15000"/>
+                  </a:schemeClr>
+                </a:solidFill>
+                <a:latin typeface="Comic Sans MS" panose="030F0702030302020204" pitchFamily="66" charset="0"/>
+              </a:rPr>
+              <a:t>?</a:t>
+            </a:r>
           </a:p>
         </p:txBody>
       </p:sp>
@@ -4615,15 +6797,188 @@
         </p:nvSpPr>
         <p:spPr>
           <a:xfrm>
-            <a:off x="1374710" y="2799606"/>
-            <a:ext cx="9144000" cy="1655762"/>
+            <a:off x="438537" y="933062"/>
+            <a:ext cx="11402010" cy="4666471"/>
           </a:xfrm>
         </p:spPr>
         <p:txBody>
-          <a:bodyPr/>
+          <a:bodyPr>
+            <a:normAutofit/>
+          </a:bodyPr>
           <a:lstStyle/>
           <a:p>
-            <a:endParaRPr lang="ru-RU" dirty="0"/>
+            <a:pPr algn="just"/>
+            <a:endParaRPr lang="ru-RU" dirty="0">
+              <a:solidFill>
+                <a:schemeClr val="tx1">
+                  <a:lumMod val="85000"/>
+                  <a:lumOff val="15000"/>
+                </a:schemeClr>
+              </a:solidFill>
+              <a:latin typeface="Comic Sans MS" panose="030F0702030302020204" pitchFamily="66" charset="0"/>
+            </a:endParaRPr>
+          </a:p>
+          <a:p>
+            <a:pPr algn="just"/>
+            <a:endParaRPr lang="ru-RU" dirty="0">
+              <a:solidFill>
+                <a:schemeClr val="tx1">
+                  <a:lumMod val="85000"/>
+                  <a:lumOff val="15000"/>
+                </a:schemeClr>
+              </a:solidFill>
+              <a:latin typeface="Comic Sans MS" panose="030F0702030302020204" pitchFamily="66" charset="0"/>
+            </a:endParaRPr>
+          </a:p>
+          <a:p>
+            <a:pPr algn="just"/>
+            <a:r>
+              <a:rPr lang="en-US" sz="2800" dirty="0">
+                <a:solidFill>
+                  <a:schemeClr val="tx1">
+                    <a:lumMod val="85000"/>
+                    <a:lumOff val="15000"/>
+                  </a:schemeClr>
+                </a:solidFill>
+                <a:latin typeface="Comic Sans MS" panose="030F0702030302020204" pitchFamily="66" charset="0"/>
+              </a:rPr>
+              <a:t>Lightning Network —</a:t>
+            </a:r>
+            <a:r>
+              <a:rPr lang="ru-RU" sz="2800" dirty="0">
+                <a:solidFill>
+                  <a:schemeClr val="tx1">
+                    <a:lumMod val="85000"/>
+                    <a:lumOff val="15000"/>
+                  </a:schemeClr>
+                </a:solidFill>
+                <a:latin typeface="Comic Sans MS" panose="030F0702030302020204" pitchFamily="66" charset="0"/>
+              </a:rPr>
+              <a:t>это оверлейная сеть двусторонних записей операций, построенная поверх протокола </a:t>
+            </a:r>
+            <a:r>
+              <a:rPr lang="ru-RU" sz="2800" dirty="0" err="1">
+                <a:solidFill>
+                  <a:schemeClr val="tx1">
+                    <a:lumMod val="85000"/>
+                    <a:lumOff val="15000"/>
+                  </a:schemeClr>
+                </a:solidFill>
+                <a:latin typeface="Comic Sans MS" panose="030F0702030302020204" pitchFamily="66" charset="0"/>
+              </a:rPr>
+              <a:t>блокчейна</a:t>
+            </a:r>
+            <a:endParaRPr lang="ru-RU" sz="2000" dirty="0">
+              <a:solidFill>
+                <a:schemeClr val="tx1">
+                  <a:lumMod val="75000"/>
+                  <a:lumOff val="25000"/>
+                </a:schemeClr>
+              </a:solidFill>
+              <a:latin typeface="Comic Sans MS" panose="030F0702030302020204" pitchFamily="66" charset="0"/>
+            </a:endParaRPr>
+          </a:p>
+          <a:p>
+            <a:pPr algn="just"/>
+            <a:endParaRPr lang="ru-RU" sz="2000" dirty="0">
+              <a:solidFill>
+                <a:schemeClr val="tx1">
+                  <a:lumMod val="75000"/>
+                  <a:lumOff val="25000"/>
+                </a:schemeClr>
+              </a:solidFill>
+              <a:latin typeface="Comic Sans MS" panose="030F0702030302020204" pitchFamily="66" charset="0"/>
+            </a:endParaRPr>
+          </a:p>
+          <a:p>
+            <a:pPr algn="just"/>
+            <a:r>
+              <a:rPr lang="ru-RU" sz="2000" dirty="0">
+                <a:solidFill>
+                  <a:schemeClr val="tx1">
+                    <a:lumMod val="75000"/>
+                    <a:lumOff val="25000"/>
+                  </a:schemeClr>
+                </a:solidFill>
+                <a:latin typeface="Comic Sans MS" panose="030F0702030302020204" pitchFamily="66" charset="0"/>
+              </a:rPr>
+              <a:t>* Оверлейная сеть  — общий случай логической сети, создаваемой поверх другой сети. (пример: </a:t>
+            </a:r>
+            <a:r>
+              <a:rPr lang="en-US" sz="2000" dirty="0">
+                <a:solidFill>
+                  <a:schemeClr val="tx1">
+                    <a:lumMod val="75000"/>
+                    <a:lumOff val="25000"/>
+                  </a:schemeClr>
+                </a:solidFill>
+                <a:latin typeface="Comic Sans MS" panose="030F0702030302020204" pitchFamily="66" charset="0"/>
+              </a:rPr>
+              <a:t>VPN </a:t>
+            </a:r>
+            <a:r>
+              <a:rPr lang="ru-RU" sz="2000" dirty="0">
+                <a:solidFill>
+                  <a:schemeClr val="tx1">
+                    <a:lumMod val="75000"/>
+                    <a:lumOff val="25000"/>
+                  </a:schemeClr>
+                </a:solidFill>
+                <a:latin typeface="Comic Sans MS" panose="030F0702030302020204" pitchFamily="66" charset="0"/>
+              </a:rPr>
+              <a:t>и одноранговые сети)</a:t>
+            </a:r>
+          </a:p>
+          <a:p>
+            <a:pPr algn="just"/>
+            <a:r>
+              <a:rPr lang="ru-RU" sz="2000" dirty="0">
+                <a:solidFill>
+                  <a:schemeClr val="tx1">
+                    <a:lumMod val="75000"/>
+                    <a:lumOff val="25000"/>
+                  </a:schemeClr>
+                </a:solidFill>
+                <a:latin typeface="Comic Sans MS" panose="030F0702030302020204" pitchFamily="66" charset="0"/>
+              </a:rPr>
+              <a:t>* </a:t>
+            </a:r>
+            <a:r>
+              <a:rPr lang="ru-RU" sz="2000" dirty="0" err="1">
+                <a:solidFill>
+                  <a:schemeClr val="tx1">
+                    <a:lumMod val="75000"/>
+                    <a:lumOff val="25000"/>
+                  </a:schemeClr>
+                </a:solidFill>
+                <a:latin typeface="Comic Sans MS" panose="030F0702030302020204" pitchFamily="66" charset="0"/>
+              </a:rPr>
+              <a:t>Блокчейн</a:t>
+            </a:r>
+            <a:r>
+              <a:rPr lang="ru-RU" sz="2000" dirty="0">
+                <a:solidFill>
+                  <a:schemeClr val="tx1">
+                    <a:lumMod val="75000"/>
+                    <a:lumOff val="25000"/>
+                  </a:schemeClr>
+                </a:solidFill>
+                <a:latin typeface="Comic Sans MS" panose="030F0702030302020204" pitchFamily="66" charset="0"/>
+              </a:rPr>
+              <a:t> — выстроенная по определённым правилам непрерывная последовательная цепочка блоков, содержащих информацию.</a:t>
+            </a:r>
+          </a:p>
+          <a:p>
+            <a:pPr algn="just"/>
+            <a:endParaRPr lang="ru-RU" sz="2000" dirty="0">
+              <a:solidFill>
+                <a:schemeClr val="tx1">
+                  <a:lumMod val="75000"/>
+                  <a:lumOff val="25000"/>
+                </a:schemeClr>
+              </a:solidFill>
+              <a:latin typeface="Comic Sans MS" panose="030F0702030302020204" pitchFamily="66" charset="0"/>
+            </a:endParaRPr>
           </a:p>
         </p:txBody>
       </p:sp>
@@ -4720,12 +7075,54 @@
             <p:ph type="ctrTitle"/>
           </p:nvPr>
         </p:nvSpPr>
-        <p:spPr/>
-        <p:txBody>
-          <a:bodyPr/>
+        <p:spPr>
+          <a:xfrm>
+            <a:off x="332791" y="298580"/>
+            <a:ext cx="9144000" cy="1407594"/>
+          </a:xfrm>
+        </p:spPr>
+        <p:txBody>
+          <a:bodyPr>
+            <a:noAutofit/>
+          </a:bodyPr>
           <a:lstStyle/>
           <a:p>
-            <a:endParaRPr lang="ru-RU"/>
+            <a:r>
+              <a:rPr lang="ru-RU" sz="4800" dirty="0">
+                <a:solidFill>
+                  <a:schemeClr val="tx1">
+                    <a:lumMod val="85000"/>
+                    <a:lumOff val="15000"/>
+                  </a:schemeClr>
+                </a:solidFill>
+                <a:latin typeface="Comic Sans MS" panose="030F0702030302020204" pitchFamily="66" charset="0"/>
+              </a:rPr>
+              <a:t>Зачем нужна технология </a:t>
+            </a:r>
+            <a:r>
+              <a:rPr lang="en-US" sz="4800" dirty="0">
+                <a:solidFill>
+                  <a:schemeClr val="tx1">
+                    <a:lumMod val="85000"/>
+                    <a:lumOff val="15000"/>
+                  </a:schemeClr>
+                </a:solidFill>
+                <a:latin typeface="Comic Sans MS" panose="030F0702030302020204" pitchFamily="66" charset="0"/>
+              </a:rPr>
+              <a:t>LN?</a:t>
+            </a:r>
+            <a:br>
+              <a:rPr lang="ru-RU" sz="4800" dirty="0">
+                <a:solidFill>
+                  <a:schemeClr val="tx1">
+                    <a:lumMod val="85000"/>
+                    <a:lumOff val="15000"/>
+                  </a:schemeClr>
+                </a:solidFill>
+                <a:latin typeface="Comic Sans MS" panose="030F0702030302020204" pitchFamily="66" charset="0"/>
+              </a:rPr>
+            </a:br>
+            <a:endParaRPr lang="ru-RU" sz="4800" dirty="0"/>
           </a:p>
         </p:txBody>
       </p:sp>
@@ -4745,12 +7142,206 @@
             <p:ph type="subTitle" idx="1"/>
           </p:nvPr>
         </p:nvSpPr>
-        <p:spPr/>
+        <p:spPr>
+          <a:xfrm>
+            <a:off x="550505" y="1119673"/>
+            <a:ext cx="11075437" cy="4479860"/>
+          </a:xfrm>
+        </p:spPr>
         <p:txBody>
           <a:bodyPr/>
           <a:lstStyle/>
           <a:p>
-            <a:endParaRPr lang="ru-RU"/>
+            <a:pPr algn="just"/>
+            <a:r>
+              <a:rPr lang="ru-RU" dirty="0">
+                <a:solidFill>
+                  <a:schemeClr val="tx1">
+                    <a:lumMod val="85000"/>
+                    <a:lumOff val="15000"/>
+                  </a:schemeClr>
+                </a:solidFill>
+                <a:latin typeface="Comic Sans MS" panose="030F0702030302020204" pitchFamily="66" charset="0"/>
+              </a:rPr>
+              <a:t>В 2015 году криптовалюта биткоин столкнулась с проблемами масштабирования — невозможностью сети обрабатывать более, чем 3–7 транзакций в секунду.</a:t>
+            </a:r>
+          </a:p>
+          <a:p>
+            <a:pPr algn="just"/>
+            <a:r>
+              <a:rPr lang="ru-RU" dirty="0">
+                <a:solidFill>
+                  <a:schemeClr val="tx1">
+                    <a:lumMod val="85000"/>
+                    <a:lumOff val="15000"/>
+                  </a:schemeClr>
+                </a:solidFill>
+                <a:latin typeface="Comic Sans MS" panose="030F0702030302020204" pitchFamily="66" charset="0"/>
+              </a:rPr>
+              <a:t>Это привело к большим комиссиям за проведение транзакций.</a:t>
+            </a:r>
+            <a:endParaRPr lang="en-US" dirty="0">
+              <a:solidFill>
+                <a:schemeClr val="tx1">
+                  <a:lumMod val="85000"/>
+                  <a:lumOff val="15000"/>
+                </a:schemeClr>
+              </a:solidFill>
+              <a:latin typeface="Comic Sans MS" panose="030F0702030302020204" pitchFamily="66" charset="0"/>
+            </a:endParaRPr>
+          </a:p>
+          <a:p>
+            <a:pPr algn="just"/>
+            <a:endParaRPr lang="ru-RU" dirty="0">
+              <a:solidFill>
+                <a:schemeClr val="tx1">
+                  <a:lumMod val="85000"/>
+                  <a:lumOff val="15000"/>
+                </a:schemeClr>
+              </a:solidFill>
+              <a:latin typeface="Comic Sans MS" panose="030F0702030302020204" pitchFamily="66" charset="0"/>
+            </a:endParaRPr>
+          </a:p>
+          <a:p>
+            <a:pPr algn="just"/>
+            <a:r>
+              <a:rPr lang="en-US" dirty="0">
+                <a:solidFill>
+                  <a:schemeClr val="tx1">
+                    <a:lumMod val="85000"/>
+                    <a:lumOff val="15000"/>
+                  </a:schemeClr>
+                </a:solidFill>
+                <a:latin typeface="Comic Sans MS" panose="030F0702030302020204" pitchFamily="66" charset="0"/>
+              </a:rPr>
+              <a:t>Lightning Network </a:t>
+            </a:r>
+            <a:r>
+              <a:rPr lang="ru-RU" dirty="0">
+                <a:solidFill>
+                  <a:schemeClr val="tx1">
+                    <a:lumMod val="85000"/>
+                    <a:lumOff val="15000"/>
+                  </a:schemeClr>
+                </a:solidFill>
+                <a:latin typeface="Comic Sans MS" panose="030F0702030302020204" pitchFamily="66" charset="0"/>
+              </a:rPr>
+              <a:t>решает следующий ряд проблем:</a:t>
+            </a:r>
+          </a:p>
+          <a:p>
+            <a:pPr marL="342900" indent="-342900" algn="just">
+              <a:buFont typeface="Arial" panose="020B0604020202020204" pitchFamily="34" charset="0"/>
+              <a:buChar char="•"/>
+            </a:pPr>
+            <a:r>
+              <a:rPr lang="ru-RU" dirty="0">
+                <a:solidFill>
+                  <a:schemeClr val="tx1">
+                    <a:lumMod val="85000"/>
+                    <a:lumOff val="15000"/>
+                  </a:schemeClr>
+                </a:solidFill>
+                <a:latin typeface="Comic Sans MS" panose="030F0702030302020204" pitchFamily="66" charset="0"/>
+              </a:rPr>
+              <a:t>Безопасность. </a:t>
+            </a:r>
+            <a:r>
+              <a:rPr lang="ru-RU" dirty="0">
+                <a:solidFill>
+                  <a:schemeClr val="tx1">
+                    <a:lumMod val="75000"/>
+                    <a:lumOff val="25000"/>
+                  </a:schemeClr>
+                </a:solidFill>
+                <a:latin typeface="Comic Sans MS" panose="030F0702030302020204" pitchFamily="66" charset="0"/>
+              </a:rPr>
+              <a:t>Хэш-контракты временной блокировки (HTLC) </a:t>
+            </a:r>
+          </a:p>
+          <a:p>
+            <a:pPr marL="342900" indent="-342900" algn="just">
+              <a:buFont typeface="Arial" panose="020B0604020202020204" pitchFamily="34" charset="0"/>
+              <a:buChar char="•"/>
+            </a:pPr>
+            <a:r>
+              <a:rPr lang="ru-RU" dirty="0">
+                <a:solidFill>
+                  <a:schemeClr val="tx1">
+                    <a:lumMod val="85000"/>
+                    <a:lumOff val="15000"/>
+                  </a:schemeClr>
+                </a:solidFill>
+                <a:latin typeface="Comic Sans MS" panose="030F0702030302020204" pitchFamily="66" charset="0"/>
+              </a:rPr>
+              <a:t>Мгновенность транзакций</a:t>
+            </a:r>
+          </a:p>
+          <a:p>
+            <a:pPr marL="342900" indent="-342900" algn="just">
+              <a:buFont typeface="Arial" panose="020B0604020202020204" pitchFamily="34" charset="0"/>
+              <a:buChar char="•"/>
+            </a:pPr>
+            <a:r>
+              <a:rPr lang="ru-RU" dirty="0">
+                <a:solidFill>
+                  <a:schemeClr val="tx1">
+                    <a:lumMod val="85000"/>
+                    <a:lumOff val="15000"/>
+                  </a:schemeClr>
+                </a:solidFill>
+                <a:latin typeface="Comic Sans MS" panose="030F0702030302020204" pitchFamily="66" charset="0"/>
+              </a:rPr>
+              <a:t>Возможность проведения небольших платежей</a:t>
+            </a:r>
+          </a:p>
+          <a:p>
+            <a:pPr marL="342900" indent="-342900" algn="just">
+              <a:buFont typeface="Arial" panose="020B0604020202020204" pitchFamily="34" charset="0"/>
+              <a:buChar char="•"/>
+            </a:pPr>
+            <a:r>
+              <a:rPr lang="ru-RU" dirty="0">
+                <a:solidFill>
+                  <a:schemeClr val="tx1">
+                    <a:lumMod val="85000"/>
+                    <a:lumOff val="15000"/>
+                  </a:schemeClr>
+                </a:solidFill>
+                <a:latin typeface="Comic Sans MS" panose="030F0702030302020204" pitchFamily="66" charset="0"/>
+              </a:rPr>
+              <a:t>Маленькая комиссия (максимум 1%)</a:t>
+            </a:r>
+          </a:p>
+          <a:p>
+            <a:pPr marL="342900" indent="-342900" algn="just">
+              <a:buFont typeface="Arial" panose="020B0604020202020204" pitchFamily="34" charset="0"/>
+              <a:buChar char="•"/>
+            </a:pPr>
+            <a:endParaRPr lang="de-DE" dirty="0">
+              <a:solidFill>
+                <a:schemeClr val="tx1">
+                  <a:lumMod val="85000"/>
+                  <a:lumOff val="15000"/>
+                </a:schemeClr>
+              </a:solidFill>
+              <a:latin typeface="Comic Sans MS" panose="030F0702030302020204" pitchFamily="66" charset="0"/>
+            </a:endParaRPr>
+          </a:p>
+          <a:p>
+            <a:pPr algn="just"/>
+            <a:endParaRPr lang="de-DE" dirty="0">
+              <a:latin typeface="Comic Sans MS" panose="030F0702030302020204" pitchFamily="66" charset="0"/>
+            </a:endParaRPr>
+          </a:p>
+          <a:p>
+            <a:pPr algn="just"/>
+            <a:endParaRPr lang="ru-RU" dirty="0">
+              <a:latin typeface="Comic Sans MS" panose="030F0702030302020204" pitchFamily="66" charset="0"/>
+            </a:endParaRPr>
+          </a:p>
+          <a:p>
+            <a:endParaRPr lang="ru-RU" dirty="0"/>
           </a:p>
         </p:txBody>
       </p:sp>
@@ -4847,12 +7438,42 @@
             <p:ph type="ctrTitle"/>
           </p:nvPr>
         </p:nvSpPr>
-        <p:spPr/>
-        <p:txBody>
-          <a:bodyPr/>
+        <p:spPr>
+          <a:xfrm>
+            <a:off x="-1" y="221959"/>
+            <a:ext cx="5561045" cy="1378241"/>
+          </a:xfrm>
+        </p:spPr>
+        <p:txBody>
+          <a:bodyPr>
+            <a:normAutofit fontScale="90000"/>
+          </a:bodyPr>
           <a:lstStyle/>
           <a:p>
-            <a:endParaRPr lang="ru-RU"/>
+            <a:r>
+              <a:rPr lang="ru-RU" sz="4800" dirty="0">
+                <a:solidFill>
+                  <a:schemeClr val="tx1">
+                    <a:lumMod val="85000"/>
+                    <a:lumOff val="15000"/>
+                  </a:schemeClr>
+                </a:solidFill>
+                <a:latin typeface="Comic Sans MS" panose="030F0702030302020204" pitchFamily="66" charset="0"/>
+              </a:rPr>
+              <a:t>Цель проекта</a:t>
+            </a:r>
+            <a:br>
+              <a:rPr lang="ru-RU" sz="4800" dirty="0">
+                <a:solidFill>
+                  <a:schemeClr val="tx1">
+                    <a:lumMod val="85000"/>
+                    <a:lumOff val="15000"/>
+                  </a:schemeClr>
+                </a:solidFill>
+                <a:latin typeface="Comic Sans MS" panose="030F0702030302020204" pitchFamily="66" charset="0"/>
+              </a:rPr>
+            </a:br>
+            <a:endParaRPr lang="ru-RU" sz="4800" dirty="0"/>
           </a:p>
         </p:txBody>
       </p:sp>
@@ -4872,12 +7493,100 @@
             <p:ph type="subTitle" idx="1"/>
           </p:nvPr>
         </p:nvSpPr>
-        <p:spPr/>
-        <p:txBody>
-          <a:bodyPr/>
+        <p:spPr>
+          <a:xfrm>
+            <a:off x="503853" y="1600200"/>
+            <a:ext cx="11112759" cy="3657600"/>
+          </a:xfrm>
+        </p:spPr>
+        <p:txBody>
+          <a:bodyPr>
+            <a:normAutofit/>
+          </a:bodyPr>
           <a:lstStyle/>
           <a:p>
-            <a:endParaRPr lang="ru-RU"/>
+            <a:pPr algn="just"/>
+            <a:r>
+              <a:rPr lang="ru-RU" sz="2800" dirty="0">
+                <a:solidFill>
+                  <a:schemeClr val="tx1">
+                    <a:lumMod val="85000"/>
+                    <a:lumOff val="15000"/>
+                  </a:schemeClr>
+                </a:solidFill>
+                <a:latin typeface="Comic Sans MS" panose="030F0702030302020204" pitchFamily="66" charset="0"/>
+              </a:rPr>
+              <a:t>Главная задача проекта: изучить технологию </a:t>
+            </a:r>
+            <a:r>
+              <a:rPr lang="en-US" sz="2800" dirty="0">
+                <a:solidFill>
+                  <a:schemeClr val="tx1">
+                    <a:lumMod val="85000"/>
+                    <a:lumOff val="15000"/>
+                  </a:schemeClr>
+                </a:solidFill>
+                <a:latin typeface="Comic Sans MS" panose="030F0702030302020204" pitchFamily="66" charset="0"/>
+              </a:rPr>
+              <a:t>Lightning Network</a:t>
+            </a:r>
+            <a:endParaRPr lang="ru-RU" sz="2800" dirty="0">
+              <a:solidFill>
+                <a:schemeClr val="tx1">
+                  <a:lumMod val="85000"/>
+                  <a:lumOff val="15000"/>
+                </a:schemeClr>
+              </a:solidFill>
+              <a:latin typeface="Comic Sans MS" panose="030F0702030302020204" pitchFamily="66" charset="0"/>
+            </a:endParaRPr>
+          </a:p>
+          <a:p>
+            <a:pPr algn="just"/>
+            <a:endParaRPr lang="ru-RU" sz="2800" dirty="0">
+              <a:solidFill>
+                <a:schemeClr val="tx1">
+                  <a:lumMod val="85000"/>
+                  <a:lumOff val="15000"/>
+                </a:schemeClr>
+              </a:solidFill>
+              <a:latin typeface="Comic Sans MS" panose="030F0702030302020204" pitchFamily="66" charset="0"/>
+            </a:endParaRPr>
+          </a:p>
+          <a:p>
+            <a:pPr algn="just"/>
+            <a:r>
+              <a:rPr lang="ru-RU" sz="2800" dirty="0">
+                <a:solidFill>
+                  <a:schemeClr val="tx1">
+                    <a:lumMod val="85000"/>
+                    <a:lumOff val="15000"/>
+                  </a:schemeClr>
+                </a:solidFill>
+                <a:latin typeface="Comic Sans MS" panose="030F0702030302020204" pitchFamily="66" charset="0"/>
+              </a:rPr>
+              <a:t>Главная цель проекта: выявить преимущества и недостатки веб- и мобильных приложений основанных на технологии </a:t>
+            </a:r>
+            <a:r>
+              <a:rPr lang="en-US" sz="2800" dirty="0">
+                <a:solidFill>
+                  <a:schemeClr val="tx1">
+                    <a:lumMod val="85000"/>
+                    <a:lumOff val="15000"/>
+                  </a:schemeClr>
+                </a:solidFill>
+                <a:latin typeface="Comic Sans MS" panose="030F0702030302020204" pitchFamily="66" charset="0"/>
+              </a:rPr>
+              <a:t>Lightning Network</a:t>
+            </a:r>
+            <a:endParaRPr lang="ru-RU" sz="2800" dirty="0">
+              <a:solidFill>
+                <a:schemeClr val="tx1">
+                  <a:lumMod val="85000"/>
+                  <a:lumOff val="15000"/>
+                </a:schemeClr>
+              </a:solidFill>
+              <a:latin typeface="Comic Sans MS" panose="030F0702030302020204" pitchFamily="66" charset="0"/>
+            </a:endParaRPr>
           </a:p>
         </p:txBody>
       </p:sp>
@@ -4974,12 +7683,30 @@
             <p:ph type="ctrTitle"/>
           </p:nvPr>
         </p:nvSpPr>
-        <p:spPr/>
-        <p:txBody>
-          <a:bodyPr/>
+        <p:spPr>
+          <a:xfrm>
+            <a:off x="298579" y="391885"/>
+            <a:ext cx="8696131" cy="776094"/>
+          </a:xfrm>
+        </p:spPr>
+        <p:txBody>
+          <a:bodyPr>
+            <a:normAutofit/>
+          </a:bodyPr>
           <a:lstStyle/>
           <a:p>
-            <a:endParaRPr lang="ru-RU"/>
+            <a:r>
+              <a:rPr lang="ru-RU" sz="4800" dirty="0">
+                <a:solidFill>
+                  <a:schemeClr val="tx1">
+                    <a:lumMod val="85000"/>
+                    <a:lumOff val="15000"/>
+                  </a:schemeClr>
+                </a:solidFill>
+                <a:latin typeface="Comic Sans MS" panose="030F0702030302020204" pitchFamily="66" charset="0"/>
+              </a:rPr>
+              <a:t>Этапы реализации проекта</a:t>
+            </a:r>
           </a:p>
         </p:txBody>
       </p:sp>
@@ -4999,12 +7726,173 @@
             <p:ph type="subTitle" idx="1"/>
           </p:nvPr>
         </p:nvSpPr>
-        <p:spPr/>
+        <p:spPr>
+          <a:xfrm>
+            <a:off x="1060579" y="1520695"/>
+            <a:ext cx="10070841" cy="4089821"/>
+          </a:xfrm>
+        </p:spPr>
         <p:txBody>
           <a:bodyPr/>
           <a:lstStyle/>
           <a:p>
-            <a:endParaRPr lang="ru-RU"/>
+            <a:pPr marL="457200" indent="-457200" algn="just">
+              <a:buAutoNum type="arabicPeriod"/>
+            </a:pPr>
+            <a:r>
+              <a:rPr lang="ru-RU" dirty="0">
+                <a:solidFill>
+                  <a:schemeClr val="tx1">
+                    <a:lumMod val="85000"/>
+                    <a:lumOff val="15000"/>
+                  </a:schemeClr>
+                </a:solidFill>
+                <a:latin typeface="Comic Sans MS" panose="030F0702030302020204" pitchFamily="66" charset="0"/>
+              </a:rPr>
+              <a:t>Изучение основных понятий о </a:t>
+            </a:r>
+            <a:r>
+              <a:rPr lang="en-US" dirty="0">
+                <a:solidFill>
+                  <a:schemeClr val="tx1">
+                    <a:lumMod val="85000"/>
+                    <a:lumOff val="15000"/>
+                  </a:schemeClr>
+                </a:solidFill>
+                <a:latin typeface="Comic Sans MS" panose="030F0702030302020204" pitchFamily="66" charset="0"/>
+              </a:rPr>
+              <a:t>Lightning Network, </a:t>
+            </a:r>
+            <a:r>
+              <a:rPr lang="ru-RU" dirty="0">
+                <a:solidFill>
+                  <a:schemeClr val="tx1">
+                    <a:lumMod val="85000"/>
+                    <a:lumOff val="15000"/>
+                  </a:schemeClr>
+                </a:solidFill>
+                <a:latin typeface="Comic Sans MS" panose="030F0702030302020204" pitchFamily="66" charset="0"/>
+              </a:rPr>
+              <a:t>принципа работы</a:t>
+            </a:r>
+          </a:p>
+          <a:p>
+            <a:pPr marL="457200" indent="-457200" algn="just">
+              <a:buAutoNum type="arabicPeriod"/>
+            </a:pPr>
+            <a:r>
+              <a:rPr lang="ru-RU" dirty="0">
+                <a:solidFill>
+                  <a:schemeClr val="tx1">
+                    <a:lumMod val="85000"/>
+                    <a:lumOff val="15000"/>
+                  </a:schemeClr>
+                </a:solidFill>
+                <a:latin typeface="Comic Sans MS" panose="030F0702030302020204" pitchFamily="66" charset="0"/>
+              </a:rPr>
+              <a:t>Поиск </a:t>
+            </a:r>
+            <a:r>
+              <a:rPr lang="ru-RU" dirty="0" err="1">
+                <a:solidFill>
+                  <a:schemeClr val="tx1">
+                    <a:lumMod val="85000"/>
+                    <a:lumOff val="15000"/>
+                  </a:schemeClr>
+                </a:solidFill>
+                <a:latin typeface="Comic Sans MS" panose="030F0702030302020204" pitchFamily="66" charset="0"/>
+              </a:rPr>
+              <a:t>криптокошельков</a:t>
+            </a:r>
+            <a:r>
+              <a:rPr lang="ru-RU" dirty="0">
+                <a:solidFill>
+                  <a:schemeClr val="tx1">
+                    <a:lumMod val="85000"/>
+                    <a:lumOff val="15000"/>
+                  </a:schemeClr>
+                </a:solidFill>
+                <a:latin typeface="Comic Sans MS" panose="030F0702030302020204" pitchFamily="66" charset="0"/>
+              </a:rPr>
+              <a:t> с технологией </a:t>
+            </a:r>
+            <a:r>
+              <a:rPr lang="en-US" dirty="0">
+                <a:solidFill>
+                  <a:schemeClr val="tx1">
+                    <a:lumMod val="85000"/>
+                    <a:lumOff val="15000"/>
+                  </a:schemeClr>
+                </a:solidFill>
+                <a:latin typeface="Comic Sans MS" panose="030F0702030302020204" pitchFamily="66" charset="0"/>
+              </a:rPr>
+              <a:t>Lightning Network</a:t>
+            </a:r>
+          </a:p>
+          <a:p>
+            <a:pPr marL="457200" indent="-457200" algn="just">
+              <a:buAutoNum type="arabicPeriod"/>
+            </a:pPr>
+            <a:r>
+              <a:rPr lang="ru-RU" dirty="0">
+                <a:solidFill>
+                  <a:schemeClr val="tx1">
+                    <a:lumMod val="85000"/>
+                    <a:lumOff val="15000"/>
+                  </a:schemeClr>
+                </a:solidFill>
+                <a:latin typeface="Comic Sans MS" panose="030F0702030302020204" pitchFamily="66" charset="0"/>
+              </a:rPr>
+              <a:t>Тестирование приложений, выбор приложения для написания отчёта</a:t>
+            </a:r>
+          </a:p>
+          <a:p>
+            <a:pPr marL="457200" indent="-457200" algn="just">
+              <a:buAutoNum type="arabicPeriod"/>
+            </a:pPr>
+            <a:r>
+              <a:rPr lang="ru-RU" dirty="0">
+                <a:solidFill>
+                  <a:schemeClr val="tx1">
+                    <a:lumMod val="85000"/>
+                    <a:lumOff val="15000"/>
+                  </a:schemeClr>
+                </a:solidFill>
+                <a:latin typeface="Comic Sans MS" panose="030F0702030302020204" pitchFamily="66" charset="0"/>
+              </a:rPr>
+              <a:t>Написание отчёта </a:t>
+            </a:r>
+          </a:p>
+          <a:p>
+            <a:pPr marL="457200" indent="-457200" algn="just">
+              <a:buAutoNum type="arabicPeriod"/>
+            </a:pPr>
+            <a:r>
+              <a:rPr lang="ru-RU" dirty="0">
+                <a:solidFill>
+                  <a:schemeClr val="tx1">
+                    <a:lumMod val="85000"/>
+                    <a:lumOff val="15000"/>
+                  </a:schemeClr>
+                </a:solidFill>
+                <a:latin typeface="Comic Sans MS" panose="030F0702030302020204" pitchFamily="66" charset="0"/>
+              </a:rPr>
+              <a:t>Защита проекта</a:t>
+            </a:r>
+          </a:p>
+          <a:p>
+            <a:pPr marL="457200" indent="-457200" algn="just">
+              <a:buAutoNum type="arabicPeriod"/>
+            </a:pPr>
+            <a:endParaRPr lang="ru-RU" dirty="0">
+              <a:solidFill>
+                <a:schemeClr val="tx1">
+                  <a:lumMod val="85000"/>
+                  <a:lumOff val="15000"/>
+                </a:schemeClr>
+              </a:solidFill>
+              <a:latin typeface="Comic Sans MS" panose="030F0702030302020204" pitchFamily="66" charset="0"/>
+            </a:endParaRPr>
           </a:p>
         </p:txBody>
       </p:sp>
@@ -5090,7 +7978,7 @@
           <p:cNvPr id="2" name="Заголовок 1">
             <a:extLst>
               <a:ext uri="{FF2B5EF4-FFF2-40B4-BE49-F238E27FC236}">
-                <a16:creationId xmlns:a16="http://schemas.microsoft.com/office/drawing/2014/main" id="{20D6F354-287C-4D18-8E55-06F016D9B3B9}"/>
+                <a16:creationId xmlns:a16="http://schemas.microsoft.com/office/drawing/2014/main" id="{65432F68-2286-40F9-9134-A74E2F87C56D}"/>
               </a:ext>
             </a:extLst>
           </p:cNvPr>
@@ -5101,37 +7989,54 @@
             <p:ph type="ctrTitle"/>
           </p:nvPr>
         </p:nvSpPr>
-        <p:spPr/>
-        <p:txBody>
-          <a:bodyPr/>
+        <p:spPr>
+          <a:xfrm>
+            <a:off x="233265" y="0"/>
+            <a:ext cx="4545644" cy="1595534"/>
+          </a:xfrm>
+        </p:spPr>
+        <p:txBody>
+          <a:bodyPr>
+            <a:normAutofit/>
+          </a:bodyPr>
           <a:lstStyle/>
           <a:p>
-            <a:endParaRPr lang="ru-RU"/>
-          </a:p>
-        </p:txBody>
-      </p:sp>
-      <p:sp>
-        <p:nvSpPr>
-          <p:cNvPr id="3" name="Подзаголовок 2">
-            <a:extLst>
-              <a:ext uri="{FF2B5EF4-FFF2-40B4-BE49-F238E27FC236}">
-                <a16:creationId xmlns:a16="http://schemas.microsoft.com/office/drawing/2014/main" id="{D6143737-3C3F-451B-AA05-82A1A7D7AC4F}"/>
-              </a:ext>
-            </a:extLst>
-          </p:cNvPr>
-          <p:cNvSpPr>
-            <a:spLocks noGrp="1"/>
-          </p:cNvSpPr>
-          <p:nvPr>
-            <p:ph type="subTitle" idx="1"/>
-          </p:nvPr>
-        </p:nvSpPr>
-        <p:spPr/>
-        <p:txBody>
-          <a:bodyPr/>
-          <a:lstStyle/>
-          <a:p>
-            <a:endParaRPr lang="ru-RU"/>
+            <a:pPr algn="l"/>
+            <a:r>
+              <a:rPr lang="ru-RU" sz="4800" dirty="0">
+                <a:solidFill>
+                  <a:schemeClr val="tx1">
+                    <a:lumMod val="85000"/>
+                    <a:lumOff val="15000"/>
+                  </a:schemeClr>
+                </a:solidFill>
+                <a:latin typeface="Comic Sans MS" panose="030F0702030302020204" pitchFamily="66" charset="0"/>
+              </a:rPr>
+              <a:t>Результаты </a:t>
+            </a:r>
+            <a:br>
+              <a:rPr lang="ru-RU" sz="4800" dirty="0">
+                <a:solidFill>
+                  <a:schemeClr val="tx1">
+                    <a:lumMod val="85000"/>
+                    <a:lumOff val="15000"/>
+                  </a:schemeClr>
+                </a:solidFill>
+                <a:latin typeface="Comic Sans MS" panose="030F0702030302020204" pitchFamily="66" charset="0"/>
+              </a:rPr>
+            </a:br>
+            <a:r>
+              <a:rPr lang="ru-RU" sz="4800" dirty="0">
+                <a:solidFill>
+                  <a:schemeClr val="tx1">
+                    <a:lumMod val="85000"/>
+                    <a:lumOff val="15000"/>
+                  </a:schemeClr>
+                </a:solidFill>
+                <a:latin typeface="Comic Sans MS" panose="030F0702030302020204" pitchFamily="66" charset="0"/>
+              </a:rPr>
+              <a:t>работы</a:t>
+            </a:r>
           </a:p>
         </p:txBody>
       </p:sp>
@@ -5140,7 +8045,7 @@
           <p:cNvPr id="4" name="Picture 8" descr="https://mospolytech.ru/storage/b53b3a3d6ab90ce0268229151c9bde11/images/Logo2.jpg">
             <a:extLst>
               <a:ext uri="{FF2B5EF4-FFF2-40B4-BE49-F238E27FC236}">
-                <a16:creationId xmlns:a16="http://schemas.microsoft.com/office/drawing/2014/main" id="{60EDDCDF-DC04-4772-8669-0448A667E7E1}"/>
+                <a16:creationId xmlns:a16="http://schemas.microsoft.com/office/drawing/2014/main" id="{2DEA207E-2964-4DCC-B47E-7BEE002B81BF}"/>
               </a:ext>
             </a:extLst>
           </p:cNvPr>
@@ -5182,10 +8087,46 @@
           </a:extLst>
         </p:spPr>
       </p:pic>
+      <p:pic>
+        <p:nvPicPr>
+          <p:cNvPr id="6" name="Рисунок 5">
+            <a:extLst>
+              <a:ext uri="{FF2B5EF4-FFF2-40B4-BE49-F238E27FC236}">
+                <a16:creationId xmlns:a16="http://schemas.microsoft.com/office/drawing/2014/main" id="{9EC9D6EF-F276-4407-89CB-E43BEC8CA887}"/>
+              </a:ext>
+            </a:extLst>
+          </p:cNvPr>
+          <p:cNvPicPr>
+            <a:picLocks noChangeAspect="1"/>
+          </p:cNvPicPr>
+          <p:nvPr/>
+        </p:nvPicPr>
+        <p:blipFill>
+          <a:blip r:embed="rId3">
+            <a:extLst>
+              <a:ext uri="{28A0092B-C50C-407E-A947-70E740481C1C}">
+                <a14:useLocalDpi xmlns:a14="http://schemas.microsoft.com/office/drawing/2010/main" val="0"/>
+              </a:ext>
+            </a:extLst>
+          </a:blip>
+          <a:stretch>
+            <a:fillRect/>
+          </a:stretch>
+        </p:blipFill>
+        <p:spPr>
+          <a:xfrm>
+            <a:off x="3937516" y="0"/>
+            <a:ext cx="8254485" cy="6858000"/>
+          </a:xfrm>
+          <a:prstGeom prst="rect">
+            <a:avLst/>
+          </a:prstGeom>
+        </p:spPr>
+      </p:pic>
     </p:spTree>
     <p:extLst>
       <p:ext uri="{BB962C8B-B14F-4D97-AF65-F5344CB8AC3E}">
-        <p14:creationId xmlns:p14="http://schemas.microsoft.com/office/powerpoint/2010/main" val="2201669119"/>
+        <p14:creationId xmlns:p14="http://schemas.microsoft.com/office/powerpoint/2010/main" val="2547085615"/>
       </p:ext>
     </p:extLst>
   </p:cSld>
@@ -5217,7 +8158,7 @@
           <p:cNvPr id="2" name="Заголовок 1">
             <a:extLst>
               <a:ext uri="{FF2B5EF4-FFF2-40B4-BE49-F238E27FC236}">
-                <a16:creationId xmlns:a16="http://schemas.microsoft.com/office/drawing/2014/main" id="{02AEB64A-3BEC-4C06-BA2C-4A55875A924A}"/>
+                <a16:creationId xmlns:a16="http://schemas.microsoft.com/office/drawing/2014/main" id="{A825BFC6-09B0-4DFF-9F50-7A41BCF95EAF}"/>
               </a:ext>
             </a:extLst>
           </p:cNvPr>
@@ -5225,7 +8166,7 @@
             <a:spLocks noGrp="1"/>
           </p:cNvSpPr>
           <p:nvPr>
-            <p:ph type="ctrTitle"/>
+            <p:ph type="title"/>
           </p:nvPr>
         </p:nvSpPr>
         <p:spPr/>
@@ -5233,32 +8174,10 @@
           <a:bodyPr/>
           <a:lstStyle/>
           <a:p>
-            <a:endParaRPr lang="ru-RU"/>
-          </a:p>
-        </p:txBody>
-      </p:sp>
-      <p:sp>
-        <p:nvSpPr>
-          <p:cNvPr id="3" name="Подзаголовок 2">
-            <a:extLst>
-              <a:ext uri="{FF2B5EF4-FFF2-40B4-BE49-F238E27FC236}">
-                <a16:creationId xmlns:a16="http://schemas.microsoft.com/office/drawing/2014/main" id="{432B3C0B-0806-493A-B0CB-0A1C7462B1D4}"/>
-              </a:ext>
-            </a:extLst>
-          </p:cNvPr>
-          <p:cNvSpPr>
-            <a:spLocks noGrp="1"/>
-          </p:cNvSpPr>
-          <p:nvPr>
-            <p:ph type="subTitle" idx="1"/>
-          </p:nvPr>
-        </p:nvSpPr>
-        <p:spPr/>
-        <p:txBody>
-          <a:bodyPr/>
-          <a:lstStyle/>
-          <a:p>
-            <a:endParaRPr lang="ru-RU"/>
+            <a:r>
+              <a:rPr lang="ru-RU" dirty="0"/>
+              <a:t>Проанализированы следующие кошельки:</a:t>
+            </a:r>
           </a:p>
         </p:txBody>
       </p:sp>
@@ -5267,7 +8186,7 @@
           <p:cNvPr id="4" name="Picture 8" descr="https://mospolytech.ru/storage/b53b3a3d6ab90ce0268229151c9bde11/images/Logo2.jpg">
             <a:extLst>
               <a:ext uri="{FF2B5EF4-FFF2-40B4-BE49-F238E27FC236}">
-                <a16:creationId xmlns:a16="http://schemas.microsoft.com/office/drawing/2014/main" id="{1D8B18B3-7A6C-43EA-8C4A-0C19FF1847ED}"/>
+                <a16:creationId xmlns:a16="http://schemas.microsoft.com/office/drawing/2014/main" id="{030F706F-7727-4A61-B563-3B43C430C61A}"/>
               </a:ext>
             </a:extLst>
           </p:cNvPr>
@@ -5309,10 +8228,631 @@
           </a:extLst>
         </p:spPr>
       </p:pic>
+      <p:sp>
+        <p:nvSpPr>
+          <p:cNvPr id="7" name="Прямоугольник 6">
+            <a:extLst>
+              <a:ext uri="{FF2B5EF4-FFF2-40B4-BE49-F238E27FC236}">
+                <a16:creationId xmlns:a16="http://schemas.microsoft.com/office/drawing/2014/main" id="{DE2BC76C-EBF5-4EC2-8CE7-638C3BF53F68}"/>
+              </a:ext>
+            </a:extLst>
+          </p:cNvPr>
+          <p:cNvSpPr/>
+          <p:nvPr/>
+        </p:nvSpPr>
+        <p:spPr>
+          <a:xfrm>
+            <a:off x="654004" y="1459898"/>
+            <a:ext cx="2736647" cy="4370427"/>
+          </a:xfrm>
+          <a:prstGeom prst="rect">
+            <a:avLst/>
+          </a:prstGeom>
+        </p:spPr>
+        <p:txBody>
+          <a:bodyPr wrap="none">
+            <a:spAutoFit/>
+          </a:bodyPr>
+          <a:lstStyle/>
+          <a:p>
+            <a:endParaRPr lang="ru-RU" sz="2000" dirty="0">
+              <a:solidFill>
+                <a:srgbClr val="000000"/>
+              </a:solidFill>
+              <a:latin typeface="Comic Sans MS" panose="030F0702030302020204" pitchFamily="66" charset="0"/>
+              <a:ea typeface="Times New Roman" panose="02020603050405020304" pitchFamily="18" charset="0"/>
+            </a:endParaRPr>
+          </a:p>
+          <a:p>
+            <a:r>
+              <a:rPr lang="en-US" sz="2400" dirty="0">
+                <a:solidFill>
+                  <a:srgbClr val="000000"/>
+                </a:solidFill>
+                <a:latin typeface="Comic Sans MS" panose="030F0702030302020204" pitchFamily="66" charset="0"/>
+                <a:ea typeface="Times New Roman" panose="02020603050405020304" pitchFamily="18" charset="0"/>
+              </a:rPr>
+              <a:t>Wallet of Satoshi</a:t>
+            </a:r>
+            <a:endParaRPr lang="ru-RU" sz="2400" dirty="0">
+              <a:solidFill>
+                <a:srgbClr val="000000"/>
+              </a:solidFill>
+              <a:latin typeface="Comic Sans MS" panose="030F0702030302020204" pitchFamily="66" charset="0"/>
+              <a:ea typeface="Times New Roman" panose="02020603050405020304" pitchFamily="18" charset="0"/>
+            </a:endParaRPr>
+          </a:p>
+          <a:p>
+            <a:endParaRPr lang="ru-RU" sz="2400" dirty="0">
+              <a:solidFill>
+                <a:srgbClr val="000000"/>
+              </a:solidFill>
+              <a:latin typeface="Comic Sans MS" panose="030F0702030302020204" pitchFamily="66" charset="0"/>
+              <a:ea typeface="Times New Roman" panose="02020603050405020304" pitchFamily="18" charset="0"/>
+            </a:endParaRPr>
+          </a:p>
+          <a:p>
+            <a:r>
+              <a:rPr lang="en-US" sz="2400" dirty="0">
+                <a:solidFill>
+                  <a:srgbClr val="000000"/>
+                </a:solidFill>
+                <a:latin typeface="Comic Sans MS" panose="030F0702030302020204" pitchFamily="66" charset="0"/>
+                <a:ea typeface="Times New Roman" panose="02020603050405020304" pitchFamily="18" charset="0"/>
+              </a:rPr>
+              <a:t>Peach Wallet</a:t>
+            </a:r>
+            <a:endParaRPr lang="ru-RU" sz="2400" dirty="0">
+              <a:solidFill>
+                <a:srgbClr val="000000"/>
+              </a:solidFill>
+              <a:latin typeface="Comic Sans MS" panose="030F0702030302020204" pitchFamily="66" charset="0"/>
+              <a:ea typeface="Times New Roman" panose="02020603050405020304" pitchFamily="18" charset="0"/>
+            </a:endParaRPr>
+          </a:p>
+          <a:p>
+            <a:endParaRPr lang="ru-RU" sz="2400" dirty="0">
+              <a:solidFill>
+                <a:srgbClr val="000000"/>
+              </a:solidFill>
+              <a:latin typeface="Comic Sans MS" panose="030F0702030302020204" pitchFamily="66" charset="0"/>
+              <a:ea typeface="Times New Roman" panose="02020603050405020304" pitchFamily="18" charset="0"/>
+            </a:endParaRPr>
+          </a:p>
+          <a:p>
+            <a:endParaRPr lang="ru-RU" sz="2400" dirty="0">
+              <a:solidFill>
+                <a:srgbClr val="000000"/>
+              </a:solidFill>
+              <a:latin typeface="Comic Sans MS" panose="030F0702030302020204" pitchFamily="66" charset="0"/>
+              <a:ea typeface="Times New Roman" panose="02020603050405020304" pitchFamily="18" charset="0"/>
+            </a:endParaRPr>
+          </a:p>
+          <a:p>
+            <a:r>
+              <a:rPr lang="en-US" sz="2400" dirty="0" err="1">
+                <a:solidFill>
+                  <a:srgbClr val="000000"/>
+                </a:solidFill>
+                <a:latin typeface="Comic Sans MS" panose="030F0702030302020204" pitchFamily="66" charset="0"/>
+                <a:ea typeface="Times New Roman" panose="02020603050405020304" pitchFamily="18" charset="0"/>
+              </a:rPr>
+              <a:t>Bitlum</a:t>
+            </a:r>
+            <a:endParaRPr lang="ru-RU" sz="2400" dirty="0">
+              <a:solidFill>
+                <a:srgbClr val="000000"/>
+              </a:solidFill>
+              <a:latin typeface="Comic Sans MS" panose="030F0702030302020204" pitchFamily="66" charset="0"/>
+              <a:ea typeface="Times New Roman" panose="02020603050405020304" pitchFamily="18" charset="0"/>
+            </a:endParaRPr>
+          </a:p>
+          <a:p>
+            <a:endParaRPr lang="ru-RU" sz="2400" dirty="0">
+              <a:solidFill>
+                <a:srgbClr val="000000"/>
+              </a:solidFill>
+              <a:latin typeface="Comic Sans MS" panose="030F0702030302020204" pitchFamily="66" charset="0"/>
+              <a:ea typeface="Times New Roman" panose="02020603050405020304" pitchFamily="18" charset="0"/>
+            </a:endParaRPr>
+          </a:p>
+          <a:p>
+            <a:r>
+              <a:rPr lang="en-US" sz="2400" dirty="0">
+                <a:solidFill>
+                  <a:srgbClr val="000000"/>
+                </a:solidFill>
+                <a:latin typeface="Comic Sans MS" panose="030F0702030302020204" pitchFamily="66" charset="0"/>
+                <a:ea typeface="Times New Roman" panose="02020603050405020304" pitchFamily="18" charset="0"/>
+              </a:rPr>
+              <a:t>Zap</a:t>
+            </a:r>
+            <a:endParaRPr lang="ru-RU" sz="2400" dirty="0">
+              <a:solidFill>
+                <a:srgbClr val="000000"/>
+              </a:solidFill>
+              <a:latin typeface="Comic Sans MS" panose="030F0702030302020204" pitchFamily="66" charset="0"/>
+              <a:ea typeface="Times New Roman" panose="02020603050405020304" pitchFamily="18" charset="0"/>
+            </a:endParaRPr>
+          </a:p>
+          <a:p>
+            <a:endParaRPr lang="ru-RU" sz="2400" dirty="0">
+              <a:solidFill>
+                <a:srgbClr val="000000"/>
+              </a:solidFill>
+              <a:latin typeface="Comic Sans MS" panose="030F0702030302020204" pitchFamily="66" charset="0"/>
+              <a:ea typeface="Times New Roman" panose="02020603050405020304" pitchFamily="18" charset="0"/>
+            </a:endParaRPr>
+          </a:p>
+          <a:p>
+            <a:r>
+              <a:rPr lang="ru-RU" sz="2400" dirty="0">
+                <a:solidFill>
+                  <a:srgbClr val="000000"/>
+                </a:solidFill>
+                <a:latin typeface="Comic Sans MS" panose="030F0702030302020204" pitchFamily="66" charset="0"/>
+                <a:ea typeface="Times New Roman" panose="02020603050405020304" pitchFamily="18" charset="0"/>
+              </a:rPr>
+              <a:t>É</a:t>
+            </a:r>
+            <a:r>
+              <a:rPr lang="en-US" sz="2400" dirty="0" err="1">
+                <a:solidFill>
+                  <a:srgbClr val="000000"/>
+                </a:solidFill>
+                <a:latin typeface="Comic Sans MS" panose="030F0702030302020204" pitchFamily="66" charset="0"/>
+                <a:ea typeface="Times New Roman" panose="02020603050405020304" pitchFamily="18" charset="0"/>
+              </a:rPr>
+              <a:t>clair</a:t>
+            </a:r>
+            <a:endParaRPr lang="ru-RU" sz="2400" dirty="0">
+              <a:solidFill>
+                <a:srgbClr val="000000"/>
+              </a:solidFill>
+              <a:latin typeface="Comic Sans MS" panose="030F0702030302020204" pitchFamily="66" charset="0"/>
+              <a:ea typeface="Times New Roman" panose="02020603050405020304" pitchFamily="18" charset="0"/>
+            </a:endParaRPr>
+          </a:p>
+          <a:p>
+            <a:endParaRPr lang="ru-RU" dirty="0"/>
+          </a:p>
+        </p:txBody>
+      </p:sp>
+      <p:pic>
+        <p:nvPicPr>
+          <p:cNvPr id="9" name="Рисунок 8">
+            <a:extLst>
+              <a:ext uri="{FF2B5EF4-FFF2-40B4-BE49-F238E27FC236}">
+                <a16:creationId xmlns:a16="http://schemas.microsoft.com/office/drawing/2014/main" id="{472CEE6F-C742-4201-9009-12C88F5BDB38}"/>
+              </a:ext>
+            </a:extLst>
+          </p:cNvPr>
+          <p:cNvPicPr>
+            <a:picLocks noChangeAspect="1"/>
+          </p:cNvPicPr>
+          <p:nvPr/>
+        </p:nvPicPr>
+        <p:blipFill>
+          <a:blip r:embed="rId3"/>
+          <a:stretch>
+            <a:fillRect/>
+          </a:stretch>
+        </p:blipFill>
+        <p:spPr>
+          <a:xfrm>
+            <a:off x="3555356" y="2489862"/>
+            <a:ext cx="605059" cy="523893"/>
+          </a:xfrm>
+          <a:prstGeom prst="rect">
+            <a:avLst/>
+          </a:prstGeom>
+        </p:spPr>
+      </p:pic>
+      <p:pic>
+        <p:nvPicPr>
+          <p:cNvPr id="10" name="Рисунок 9">
+            <a:extLst>
+              <a:ext uri="{FF2B5EF4-FFF2-40B4-BE49-F238E27FC236}">
+                <a16:creationId xmlns:a16="http://schemas.microsoft.com/office/drawing/2014/main" id="{2E448919-BA59-4519-8AD7-B316DFED10EB}"/>
+              </a:ext>
+            </a:extLst>
+          </p:cNvPr>
+          <p:cNvPicPr>
+            <a:picLocks noChangeAspect="1"/>
+          </p:cNvPicPr>
+          <p:nvPr/>
+        </p:nvPicPr>
+        <p:blipFill>
+          <a:blip r:embed="rId4"/>
+          <a:stretch>
+            <a:fillRect/>
+          </a:stretch>
+        </p:blipFill>
+        <p:spPr>
+          <a:xfrm>
+            <a:off x="3567949" y="1722384"/>
+            <a:ext cx="605059" cy="544553"/>
+          </a:xfrm>
+          <a:prstGeom prst="rect">
+            <a:avLst/>
+          </a:prstGeom>
+        </p:spPr>
+      </p:pic>
+      <p:pic>
+        <p:nvPicPr>
+          <p:cNvPr id="11" name="Рисунок 10">
+            <a:extLst>
+              <a:ext uri="{FF2B5EF4-FFF2-40B4-BE49-F238E27FC236}">
+                <a16:creationId xmlns:a16="http://schemas.microsoft.com/office/drawing/2014/main" id="{5F1F4760-6143-490B-9B53-DA113950C46E}"/>
+              </a:ext>
+            </a:extLst>
+          </p:cNvPr>
+          <p:cNvPicPr>
+            <a:picLocks noChangeAspect="1"/>
+          </p:cNvPicPr>
+          <p:nvPr/>
+        </p:nvPicPr>
+        <p:blipFill>
+          <a:blip r:embed="rId5"/>
+          <a:stretch>
+            <a:fillRect/>
+          </a:stretch>
+        </p:blipFill>
+        <p:spPr>
+          <a:xfrm>
+            <a:off x="3418386" y="3544820"/>
+            <a:ext cx="628650" cy="552450"/>
+          </a:xfrm>
+          <a:prstGeom prst="rect">
+            <a:avLst/>
+          </a:prstGeom>
+        </p:spPr>
+      </p:pic>
+      <p:pic>
+        <p:nvPicPr>
+          <p:cNvPr id="12" name="Рисунок 11">
+            <a:extLst>
+              <a:ext uri="{FF2B5EF4-FFF2-40B4-BE49-F238E27FC236}">
+                <a16:creationId xmlns:a16="http://schemas.microsoft.com/office/drawing/2014/main" id="{0D57FD6A-785A-43B9-98CA-53B104F2A0C3}"/>
+              </a:ext>
+            </a:extLst>
+          </p:cNvPr>
+          <p:cNvPicPr>
+            <a:picLocks noChangeAspect="1"/>
+          </p:cNvPicPr>
+          <p:nvPr/>
+        </p:nvPicPr>
+        <p:blipFill>
+          <a:blip r:embed="rId6"/>
+          <a:stretch>
+            <a:fillRect/>
+          </a:stretch>
+        </p:blipFill>
+        <p:spPr>
+          <a:xfrm>
+            <a:off x="3421796" y="4151849"/>
+            <a:ext cx="622860" cy="582819"/>
+          </a:xfrm>
+          <a:prstGeom prst="rect">
+            <a:avLst/>
+          </a:prstGeom>
+        </p:spPr>
+      </p:pic>
+      <p:pic>
+        <p:nvPicPr>
+          <p:cNvPr id="13" name="Рисунок 12">
+            <a:extLst>
+              <a:ext uri="{FF2B5EF4-FFF2-40B4-BE49-F238E27FC236}">
+                <a16:creationId xmlns:a16="http://schemas.microsoft.com/office/drawing/2014/main" id="{732D5DF2-B62D-4DE3-9EAE-1B464F366B86}"/>
+              </a:ext>
+            </a:extLst>
+          </p:cNvPr>
+          <p:cNvPicPr>
+            <a:picLocks noChangeAspect="1"/>
+          </p:cNvPicPr>
+          <p:nvPr/>
+        </p:nvPicPr>
+        <p:blipFill>
+          <a:blip r:embed="rId7"/>
+          <a:stretch>
+            <a:fillRect/>
+          </a:stretch>
+        </p:blipFill>
+        <p:spPr>
+          <a:xfrm>
+            <a:off x="3451450" y="4905395"/>
+            <a:ext cx="562521" cy="492996"/>
+          </a:xfrm>
+          <a:prstGeom prst="rect">
+            <a:avLst/>
+          </a:prstGeom>
+        </p:spPr>
+      </p:pic>
+      <p:sp>
+        <p:nvSpPr>
+          <p:cNvPr id="14" name="Прямоугольник 13">
+            <a:extLst>
+              <a:ext uri="{FF2B5EF4-FFF2-40B4-BE49-F238E27FC236}">
+                <a16:creationId xmlns:a16="http://schemas.microsoft.com/office/drawing/2014/main" id="{8F4A95C5-1A15-478C-80BF-D3233FAB68C9}"/>
+              </a:ext>
+            </a:extLst>
+          </p:cNvPr>
+          <p:cNvSpPr/>
+          <p:nvPr/>
+        </p:nvSpPr>
+        <p:spPr>
+          <a:xfrm>
+            <a:off x="4350306" y="1809994"/>
+            <a:ext cx="2973891" cy="369332"/>
+          </a:xfrm>
+          <a:prstGeom prst="rect">
+            <a:avLst/>
+          </a:prstGeom>
+        </p:spPr>
+        <p:txBody>
+          <a:bodyPr wrap="none">
+            <a:spAutoFit/>
+          </a:bodyPr>
+          <a:lstStyle/>
+          <a:p>
+            <a:r>
+              <a:rPr lang="ru-RU" dirty="0">
+                <a:solidFill>
+                  <a:srgbClr val="000000"/>
+                </a:solidFill>
+                <a:latin typeface="Comic Sans MS" panose="030F0702030302020204" pitchFamily="66" charset="0"/>
+                <a:ea typeface="Times New Roman" panose="02020603050405020304" pitchFamily="18" charset="0"/>
+              </a:rPr>
+              <a:t>— сложная регистрация </a:t>
+            </a:r>
+          </a:p>
+        </p:txBody>
+      </p:sp>
+      <p:sp>
+        <p:nvSpPr>
+          <p:cNvPr id="15" name="Прямоугольник 14">
+            <a:extLst>
+              <a:ext uri="{FF2B5EF4-FFF2-40B4-BE49-F238E27FC236}">
+                <a16:creationId xmlns:a16="http://schemas.microsoft.com/office/drawing/2014/main" id="{F22AF49E-F9FA-4134-AA11-7342E219E1C9}"/>
+              </a:ext>
+            </a:extLst>
+          </p:cNvPr>
+          <p:cNvSpPr/>
+          <p:nvPr/>
+        </p:nvSpPr>
+        <p:spPr>
+          <a:xfrm>
+            <a:off x="4325120" y="2428644"/>
+            <a:ext cx="3355406" cy="646331"/>
+          </a:xfrm>
+          <a:prstGeom prst="rect">
+            <a:avLst/>
+          </a:prstGeom>
+        </p:spPr>
+        <p:txBody>
+          <a:bodyPr wrap="none">
+            <a:spAutoFit/>
+          </a:bodyPr>
+          <a:lstStyle/>
+          <a:p>
+            <a:r>
+              <a:rPr lang="ru-RU" dirty="0">
+                <a:solidFill>
+                  <a:srgbClr val="000000"/>
+                </a:solidFill>
+                <a:latin typeface="Comic Sans MS" panose="030F0702030302020204" pitchFamily="66" charset="0"/>
+                <a:ea typeface="Times New Roman" panose="02020603050405020304" pitchFamily="18" charset="0"/>
+              </a:rPr>
+              <a:t>— непонятный интерфейс,</a:t>
+            </a:r>
+            <a:br>
+              <a:rPr lang="ru-RU" dirty="0">
+                <a:solidFill>
+                  <a:srgbClr val="000000"/>
+                </a:solidFill>
+                <a:latin typeface="Comic Sans MS" panose="030F0702030302020204" pitchFamily="66" charset="0"/>
+                <a:ea typeface="Times New Roman" panose="02020603050405020304" pitchFamily="18" charset="0"/>
+              </a:rPr>
+            </a:br>
+            <a:r>
+              <a:rPr lang="ru-RU" dirty="0">
+                <a:solidFill>
+                  <a:srgbClr val="000000"/>
+                </a:solidFill>
+                <a:latin typeface="Comic Sans MS" panose="030F0702030302020204" pitchFamily="66" charset="0"/>
+                <a:ea typeface="Times New Roman" panose="02020603050405020304" pitchFamily="18" charset="0"/>
+              </a:rPr>
+              <a:t> трудности при регистрации</a:t>
+            </a:r>
+          </a:p>
+        </p:txBody>
+      </p:sp>
+      <p:sp>
+        <p:nvSpPr>
+          <p:cNvPr id="16" name="Правая фигурная скобка 15">
+            <a:extLst>
+              <a:ext uri="{FF2B5EF4-FFF2-40B4-BE49-F238E27FC236}">
+                <a16:creationId xmlns:a16="http://schemas.microsoft.com/office/drawing/2014/main" id="{272104C6-DDDC-4FED-81C8-55D8C758F69A}"/>
+              </a:ext>
+            </a:extLst>
+          </p:cNvPr>
+          <p:cNvSpPr/>
+          <p:nvPr/>
+        </p:nvSpPr>
+        <p:spPr>
+          <a:xfrm>
+            <a:off x="7680526" y="1880654"/>
+            <a:ext cx="326571" cy="1168612"/>
+          </a:xfrm>
+          <a:prstGeom prst="rightBrace">
+            <a:avLst/>
+          </a:prstGeom>
+        </p:spPr>
+        <p:style>
+          <a:lnRef idx="1">
+            <a:schemeClr val="dk1"/>
+          </a:lnRef>
+          <a:fillRef idx="0">
+            <a:schemeClr val="dk1"/>
+          </a:fillRef>
+          <a:effectRef idx="0">
+            <a:schemeClr val="dk1"/>
+          </a:effectRef>
+          <a:fontRef idx="minor">
+            <a:schemeClr val="tx1"/>
+          </a:fontRef>
+        </p:style>
+        <p:txBody>
+          <a:bodyPr rot="0" spcFirstLastPara="0" vertOverflow="overflow" horzOverflow="overflow" vert="horz" wrap="square" lIns="91440" tIns="45720" rIns="91440" bIns="45720" numCol="1" spcCol="0" rtlCol="0" fromWordArt="0" anchor="ctr" anchorCtr="0" forceAA="0" compatLnSpc="1">
+            <a:prstTxWarp prst="textNoShape">
+              <a:avLst/>
+            </a:prstTxWarp>
+            <a:noAutofit/>
+          </a:bodyPr>
+          <a:lstStyle/>
+          <a:p>
+            <a:pPr algn="ctr"/>
+            <a:endParaRPr lang="ru-RU">
+              <a:ln w="0"/>
+              <a:effectLst>
+                <a:outerShdw blurRad="38100" dist="19050" dir="2700000" algn="tl" rotWithShape="0">
+                  <a:schemeClr val="dk1">
+                    <a:alpha val="40000"/>
+                  </a:schemeClr>
+                </a:outerShdw>
+              </a:effectLst>
+            </a:endParaRPr>
+          </a:p>
+        </p:txBody>
+      </p:sp>
+      <p:sp>
+        <p:nvSpPr>
+          <p:cNvPr id="17" name="Прямоугольник 16">
+            <a:extLst>
+              <a:ext uri="{FF2B5EF4-FFF2-40B4-BE49-F238E27FC236}">
+                <a16:creationId xmlns:a16="http://schemas.microsoft.com/office/drawing/2014/main" id="{F1A98460-3F95-48CF-908C-9B90FCEB237E}"/>
+              </a:ext>
+            </a:extLst>
+          </p:cNvPr>
+          <p:cNvSpPr/>
+          <p:nvPr/>
+        </p:nvSpPr>
+        <p:spPr>
+          <a:xfrm>
+            <a:off x="8244617" y="1997939"/>
+            <a:ext cx="3269998" cy="923330"/>
+          </a:xfrm>
+          <a:prstGeom prst="rect">
+            <a:avLst/>
+          </a:prstGeom>
+        </p:spPr>
+        <p:txBody>
+          <a:bodyPr wrap="square">
+            <a:spAutoFit/>
+          </a:bodyPr>
+          <a:lstStyle/>
+          <a:p>
+            <a:r>
+              <a:rPr lang="ru-RU" dirty="0">
+                <a:solidFill>
+                  <a:srgbClr val="000000"/>
+                </a:solidFill>
+                <a:latin typeface="Comic Sans MS" panose="030F0702030302020204" pitchFamily="66" charset="0"/>
+                <a:ea typeface="Times New Roman" panose="02020603050405020304" pitchFamily="18" charset="0"/>
+              </a:rPr>
+              <a:t>поэтому данные кошельки не взяты для написания отчёта</a:t>
+            </a:r>
+          </a:p>
+        </p:txBody>
+      </p:sp>
+      <p:sp>
+        <p:nvSpPr>
+          <p:cNvPr id="18" name="Правая фигурная скобка 17">
+            <a:extLst>
+              <a:ext uri="{FF2B5EF4-FFF2-40B4-BE49-F238E27FC236}">
+                <a16:creationId xmlns:a16="http://schemas.microsoft.com/office/drawing/2014/main" id="{FFFF3C41-F398-46BD-ACE6-BB6D8B85B5A5}"/>
+              </a:ext>
+            </a:extLst>
+          </p:cNvPr>
+          <p:cNvSpPr/>
+          <p:nvPr/>
+        </p:nvSpPr>
+        <p:spPr>
+          <a:xfrm>
+            <a:off x="4849797" y="3544820"/>
+            <a:ext cx="494522" cy="2054713"/>
+          </a:xfrm>
+          <a:prstGeom prst="rightBrace">
+            <a:avLst/>
+          </a:prstGeom>
+        </p:spPr>
+        <p:style>
+          <a:lnRef idx="1">
+            <a:schemeClr val="dk1"/>
+          </a:lnRef>
+          <a:fillRef idx="0">
+            <a:schemeClr val="dk1"/>
+          </a:fillRef>
+          <a:effectRef idx="0">
+            <a:schemeClr val="dk1"/>
+          </a:effectRef>
+          <a:fontRef idx="minor">
+            <a:schemeClr val="tx1"/>
+          </a:fontRef>
+        </p:style>
+        <p:txBody>
+          <a:bodyPr rtlCol="0" anchor="ctr"/>
+          <a:lstStyle/>
+          <a:p>
+            <a:pPr algn="ctr"/>
+            <a:endParaRPr lang="ru-RU"/>
+          </a:p>
+        </p:txBody>
+      </p:sp>
+      <p:sp>
+        <p:nvSpPr>
+          <p:cNvPr id="19" name="Прямоугольник 18">
+            <a:extLst>
+              <a:ext uri="{FF2B5EF4-FFF2-40B4-BE49-F238E27FC236}">
+                <a16:creationId xmlns:a16="http://schemas.microsoft.com/office/drawing/2014/main" id="{CF86A684-B447-4C20-B84A-ACCE00B8C476}"/>
+              </a:ext>
+            </a:extLst>
+          </p:cNvPr>
+          <p:cNvSpPr/>
+          <p:nvPr/>
+        </p:nvSpPr>
+        <p:spPr>
+          <a:xfrm>
+            <a:off x="5487549" y="4407843"/>
+            <a:ext cx="5735866" cy="369332"/>
+          </a:xfrm>
+          <a:prstGeom prst="rect">
+            <a:avLst/>
+          </a:prstGeom>
+        </p:spPr>
+        <p:txBody>
+          <a:bodyPr wrap="none">
+            <a:spAutoFit/>
+          </a:bodyPr>
+          <a:lstStyle/>
+          <a:p>
+            <a:r>
+              <a:rPr lang="ru-RU" dirty="0">
+                <a:solidFill>
+                  <a:srgbClr val="000000"/>
+                </a:solidFill>
+                <a:latin typeface="Comic Sans MS" panose="030F0702030302020204" pitchFamily="66" charset="0"/>
+                <a:ea typeface="Times New Roman" panose="02020603050405020304" pitchFamily="18" charset="0"/>
+              </a:rPr>
+              <a:t>это кошельки, которые были выбраны для отчёта</a:t>
+            </a:r>
+          </a:p>
+        </p:txBody>
+      </p:sp>
     </p:spTree>
     <p:extLst>
       <p:ext uri="{BB962C8B-B14F-4D97-AF65-F5344CB8AC3E}">
-        <p14:creationId xmlns:p14="http://schemas.microsoft.com/office/powerpoint/2010/main" val="3730601145"/>
+        <p14:creationId xmlns:p14="http://schemas.microsoft.com/office/powerpoint/2010/main" val="2786952937"/>
       </p:ext>
     </p:extLst>
   </p:cSld>

--- a/Lightning_Network.pptx
+++ b/Lightning_Network.pptx
@@ -287,7 +287,7 @@
           <a:p>
             <a:fld id="{F7D0D1B2-F9A3-4A64-BFFF-4418F0B32793}" type="datetimeFigureOut">
               <a:rPr lang="ru-RU" smtClean="0"/>
-              <a:t>19.06.2019</a:t>
+              <a:t>20.06.2019</a:t>
             </a:fld>
             <a:endParaRPr lang="ru-RU"/>
           </a:p>
@@ -457,7 +457,7 @@
           <a:p>
             <a:fld id="{F7D0D1B2-F9A3-4A64-BFFF-4418F0B32793}" type="datetimeFigureOut">
               <a:rPr lang="ru-RU" smtClean="0"/>
-              <a:t>19.06.2019</a:t>
+              <a:t>20.06.2019</a:t>
             </a:fld>
             <a:endParaRPr lang="ru-RU"/>
           </a:p>
@@ -637,7 +637,7 @@
           <a:p>
             <a:fld id="{F7D0D1B2-F9A3-4A64-BFFF-4418F0B32793}" type="datetimeFigureOut">
               <a:rPr lang="ru-RU" smtClean="0"/>
-              <a:t>19.06.2019</a:t>
+              <a:t>20.06.2019</a:t>
             </a:fld>
             <a:endParaRPr lang="ru-RU"/>
           </a:p>
@@ -807,7 +807,7 @@
           <a:p>
             <a:fld id="{F7D0D1B2-F9A3-4A64-BFFF-4418F0B32793}" type="datetimeFigureOut">
               <a:rPr lang="ru-RU" smtClean="0"/>
-              <a:t>19.06.2019</a:t>
+              <a:t>20.06.2019</a:t>
             </a:fld>
             <a:endParaRPr lang="ru-RU"/>
           </a:p>
@@ -1051,7 +1051,7 @@
           <a:p>
             <a:fld id="{F7D0D1B2-F9A3-4A64-BFFF-4418F0B32793}" type="datetimeFigureOut">
               <a:rPr lang="ru-RU" smtClean="0"/>
-              <a:t>19.06.2019</a:t>
+              <a:t>20.06.2019</a:t>
             </a:fld>
             <a:endParaRPr lang="ru-RU"/>
           </a:p>
@@ -1283,7 +1283,7 @@
           <a:p>
             <a:fld id="{F7D0D1B2-F9A3-4A64-BFFF-4418F0B32793}" type="datetimeFigureOut">
               <a:rPr lang="ru-RU" smtClean="0"/>
-              <a:t>19.06.2019</a:t>
+              <a:t>20.06.2019</a:t>
             </a:fld>
             <a:endParaRPr lang="ru-RU"/>
           </a:p>
@@ -1650,7 +1650,7 @@
           <a:p>
             <a:fld id="{F7D0D1B2-F9A3-4A64-BFFF-4418F0B32793}" type="datetimeFigureOut">
               <a:rPr lang="ru-RU" smtClean="0"/>
-              <a:t>19.06.2019</a:t>
+              <a:t>20.06.2019</a:t>
             </a:fld>
             <a:endParaRPr lang="ru-RU"/>
           </a:p>
@@ -1768,7 +1768,7 @@
           <a:p>
             <a:fld id="{F7D0D1B2-F9A3-4A64-BFFF-4418F0B32793}" type="datetimeFigureOut">
               <a:rPr lang="ru-RU" smtClean="0"/>
-              <a:t>19.06.2019</a:t>
+              <a:t>20.06.2019</a:t>
             </a:fld>
             <a:endParaRPr lang="ru-RU"/>
           </a:p>
@@ -1863,7 +1863,7 @@
           <a:p>
             <a:fld id="{F7D0D1B2-F9A3-4A64-BFFF-4418F0B32793}" type="datetimeFigureOut">
               <a:rPr lang="ru-RU" smtClean="0"/>
-              <a:t>19.06.2019</a:t>
+              <a:t>20.06.2019</a:t>
             </a:fld>
             <a:endParaRPr lang="ru-RU"/>
           </a:p>
@@ -2140,7 +2140,7 @@
           <a:p>
             <a:fld id="{F7D0D1B2-F9A3-4A64-BFFF-4418F0B32793}" type="datetimeFigureOut">
               <a:rPr lang="ru-RU" smtClean="0"/>
-              <a:t>19.06.2019</a:t>
+              <a:t>20.06.2019</a:t>
             </a:fld>
             <a:endParaRPr lang="ru-RU"/>
           </a:p>
@@ -2397,7 +2397,7 @@
           <a:p>
             <a:fld id="{F7D0D1B2-F9A3-4A64-BFFF-4418F0B32793}" type="datetimeFigureOut">
               <a:rPr lang="ru-RU" smtClean="0"/>
-              <a:t>19.06.2019</a:t>
+              <a:t>20.06.2019</a:t>
             </a:fld>
             <a:endParaRPr lang="ru-RU"/>
           </a:p>
@@ -2640,7 +2640,7 @@
           <a:p>
             <a:fld id="{F7D0D1B2-F9A3-4A64-BFFF-4418F0B32793}" type="datetimeFigureOut">
               <a:rPr lang="ru-RU" smtClean="0"/>
-              <a:t>19.06.2019</a:t>
+              <a:t>20.06.2019</a:t>
             </a:fld>
             <a:endParaRPr lang="ru-RU"/>
           </a:p>
@@ -5047,7 +5047,7 @@
                 <a:ea typeface="Calibri" panose="020F0502020204030204" pitchFamily="34" charset="0"/>
                 <a:cs typeface="Times New Roman" panose="02020603050405020304" pitchFamily="18" charset="0"/>
               </a:rPr>
-              <a:t> простая регистрация;</a:t>
+              <a:t> безопасность данных;</a:t>
             </a:r>
           </a:p>
           <a:p>
@@ -5225,8 +5225,8 @@
         </p:nvSpPr>
         <p:spPr>
           <a:xfrm>
-            <a:off x="494522" y="1158657"/>
-            <a:ext cx="11234057" cy="3734612"/>
+            <a:off x="478971" y="1227014"/>
+            <a:ext cx="11234057" cy="4098879"/>
           </a:xfrm>
           <a:prstGeom prst="rect">
             <a:avLst/>
@@ -5238,13 +5238,13 @@
           </a:bodyPr>
           <a:lstStyle/>
           <a:p>
-            <a:pPr>
+            <a:pPr algn="just">
               <a:lnSpc>
                 <a:spcPct val="150000"/>
               </a:lnSpc>
             </a:pPr>
             <a:r>
-              <a:rPr lang="ru-RU" sz="2000" dirty="0" err="1">
+              <a:rPr lang="ru-RU" sz="2200" dirty="0" err="1">
                 <a:solidFill>
                   <a:srgbClr val="000000"/>
                 </a:solidFill>
@@ -5253,7 +5253,7 @@
               <a:t>Lighting</a:t>
             </a:r>
             <a:r>
-              <a:rPr lang="ru-RU" sz="2000" dirty="0">
+              <a:rPr lang="ru-RU" sz="2200" dirty="0">
                 <a:solidFill>
                   <a:srgbClr val="000000"/>
                 </a:solidFill>
@@ -5262,7 +5262,7 @@
               <a:t> </a:t>
             </a:r>
             <a:r>
-              <a:rPr lang="ru-RU" sz="2000" dirty="0" err="1">
+              <a:rPr lang="ru-RU" sz="2200" dirty="0" err="1">
                 <a:solidFill>
                   <a:srgbClr val="000000"/>
                 </a:solidFill>
@@ -5271,7 +5271,7 @@
               <a:t>Network</a:t>
             </a:r>
             <a:r>
-              <a:rPr lang="ru-RU" sz="2000" dirty="0">
+              <a:rPr lang="ru-RU" sz="2200" dirty="0">
                 <a:solidFill>
                   <a:srgbClr val="000000"/>
                 </a:solidFill>
@@ -5280,7 +5280,7 @@
               <a:t> — это еще молодая разработка для улучшения </a:t>
             </a:r>
             <a:r>
-              <a:rPr lang="ru-RU" sz="2000" dirty="0" err="1">
+              <a:rPr lang="ru-RU" sz="2200" dirty="0" err="1">
                 <a:solidFill>
                   <a:srgbClr val="000000"/>
                 </a:solidFill>
@@ -5289,7 +5289,7 @@
               <a:t>блокчейна</a:t>
             </a:r>
             <a:r>
-              <a:rPr lang="ru-RU" sz="2000" dirty="0">
+              <a:rPr lang="ru-RU" sz="2200" dirty="0">
                 <a:solidFill>
                   <a:srgbClr val="000000"/>
                 </a:solidFill>
@@ -5297,8 +5297,15 @@
               </a:rPr>
               <a:t>. Развитие в этой индустрии действительно ощутимо. </a:t>
             </a:r>
-            <a:r>
-              <a:rPr lang="en-US" sz="2000" dirty="0">
+          </a:p>
+          <a:p>
+            <a:pPr algn="just">
+              <a:lnSpc>
+                <a:spcPct val="150000"/>
+              </a:lnSpc>
+            </a:pPr>
+            <a:r>
+              <a:rPr lang="en-US" sz="2200" dirty="0">
                 <a:solidFill>
                   <a:srgbClr val="000000"/>
                 </a:solidFill>
@@ -5307,7 +5314,7 @@
               <a:t>LN </a:t>
             </a:r>
             <a:r>
-              <a:rPr lang="ru-RU" sz="2000" dirty="0">
+              <a:rPr lang="ru-RU" sz="2200" dirty="0">
                 <a:solidFill>
                   <a:srgbClr val="000000"/>
                 </a:solidFill>
@@ -5317,7 +5324,7 @@
             </a:r>
           </a:p>
           <a:p>
-            <a:pPr marL="285750" indent="-285750">
+            <a:pPr marL="285750" indent="-285750" algn="just">
               <a:lnSpc>
                 <a:spcPct val="150000"/>
               </a:lnSpc>
@@ -5325,7 +5332,7 @@
               <a:buChar char="•"/>
             </a:pPr>
             <a:r>
-              <a:rPr lang="ru-RU" sz="2000" dirty="0" err="1">
+              <a:rPr lang="ru-RU" sz="2200" dirty="0" err="1">
                 <a:solidFill>
                   <a:srgbClr val="000000"/>
                 </a:solidFill>
@@ -5334,7 +5341,7 @@
               <a:t>отсутсвие</a:t>
             </a:r>
             <a:r>
-              <a:rPr lang="ru-RU" sz="2000" dirty="0">
+              <a:rPr lang="ru-RU" sz="2200" dirty="0">
                 <a:solidFill>
                   <a:srgbClr val="000000"/>
                 </a:solidFill>
@@ -5344,7 +5351,7 @@
             </a:r>
           </a:p>
           <a:p>
-            <a:pPr marL="285750" indent="-285750">
+            <a:pPr marL="285750" indent="-285750" algn="just">
               <a:lnSpc>
                 <a:spcPct val="150000"/>
               </a:lnSpc>
@@ -5352,7 +5359,7 @@
               <a:buChar char="•"/>
             </a:pPr>
             <a:r>
-              <a:rPr lang="ru-RU" sz="2000" dirty="0">
+              <a:rPr lang="ru-RU" sz="2200" dirty="0">
                 <a:solidFill>
                   <a:srgbClr val="000000"/>
                 </a:solidFill>
@@ -5361,7 +5368,7 @@
               <a:t>прямая зависимость </a:t>
             </a:r>
             <a:r>
-              <a:rPr lang="ru-RU" sz="2000" dirty="0" err="1">
+              <a:rPr lang="ru-RU" sz="2200" dirty="0" err="1">
                 <a:solidFill>
                   <a:srgbClr val="000000"/>
                 </a:solidFill>
@@ -5370,7 +5377,7 @@
               <a:t>Lighting</a:t>
             </a:r>
             <a:r>
-              <a:rPr lang="ru-RU" sz="2000" dirty="0">
+              <a:rPr lang="ru-RU" sz="2200" dirty="0">
                 <a:solidFill>
                   <a:srgbClr val="000000"/>
                 </a:solidFill>
@@ -5379,7 +5386,7 @@
               <a:t> </a:t>
             </a:r>
             <a:r>
-              <a:rPr lang="ru-RU" sz="2000" dirty="0" err="1">
+              <a:rPr lang="ru-RU" sz="2200" dirty="0" err="1">
                 <a:solidFill>
                   <a:srgbClr val="000000"/>
                 </a:solidFill>
@@ -5388,7 +5395,7 @@
               <a:t>Network</a:t>
             </a:r>
             <a:r>
-              <a:rPr lang="ru-RU" sz="2000" dirty="0">
+              <a:rPr lang="ru-RU" sz="2200" dirty="0">
                 <a:solidFill>
                   <a:srgbClr val="000000"/>
                 </a:solidFill>
@@ -5397,7 +5404,7 @@
               <a:t> от </a:t>
             </a:r>
             <a:r>
-              <a:rPr lang="en-US" sz="2000" dirty="0">
+              <a:rPr lang="en-US" sz="2200" dirty="0">
                 <a:solidFill>
                   <a:srgbClr val="000000"/>
                 </a:solidFill>
@@ -5405,7 +5412,7 @@
               </a:rPr>
               <a:t>Bitcoin;</a:t>
             </a:r>
-            <a:endParaRPr lang="ru-RU" sz="2000" dirty="0">
+            <a:endParaRPr lang="ru-RU" sz="2200" dirty="0">
               <a:solidFill>
                 <a:srgbClr val="000000"/>
               </a:solidFill>
@@ -5413,7 +5420,7 @@
             </a:endParaRPr>
           </a:p>
           <a:p>
-            <a:pPr marL="285750" indent="-285750">
+            <a:pPr marL="285750" indent="-285750" algn="just">
               <a:lnSpc>
                 <a:spcPct val="150000"/>
               </a:lnSpc>
@@ -5421,7 +5428,7 @@
               <a:buChar char="•"/>
             </a:pPr>
             <a:r>
-              <a:rPr lang="ru-RU" sz="2000" dirty="0">
+              <a:rPr lang="ru-RU" sz="2200" dirty="0">
                 <a:solidFill>
                   <a:srgbClr val="000000"/>
                 </a:solidFill>
@@ -5429,7 +5436,7 @@
               </a:rPr>
               <a:t>не всегда понятно и доступно для простых пользователей;</a:t>
             </a:r>
-            <a:endParaRPr lang="en-US" sz="2000" dirty="0">
+            <a:endParaRPr lang="en-US" sz="2200" dirty="0">
               <a:solidFill>
                 <a:srgbClr val="000000"/>
               </a:solidFill>
@@ -5437,46 +5444,13 @@
             </a:endParaRPr>
           </a:p>
           <a:p>
-            <a:pPr marL="285750" indent="-285750">
-              <a:lnSpc>
-                <a:spcPct val="150000"/>
-              </a:lnSpc>
-              <a:buFont typeface="Arial" panose="020B0604020202020204" pitchFamily="34" charset="0"/>
-              <a:buChar char="•"/>
-            </a:pPr>
-            <a:r>
-              <a:rPr lang="ru-RU" sz="2000" dirty="0">
-                <a:solidFill>
-                  <a:srgbClr val="000000"/>
-                </a:solidFill>
-                <a:latin typeface="Comic Sans MS" panose="030F0702030302020204" pitchFamily="66" charset="0"/>
-              </a:rPr>
-              <a:t>проблема масштабируемости</a:t>
-            </a:r>
-            <a:r>
-              <a:rPr lang="en-US" sz="2000" dirty="0">
-                <a:solidFill>
-                  <a:srgbClr val="000000"/>
-                </a:solidFill>
-                <a:latin typeface="Comic Sans MS" panose="030F0702030302020204" pitchFamily="66" charset="0"/>
-              </a:rPr>
-              <a:t>;</a:t>
-            </a:r>
-            <a:endParaRPr lang="ru-RU" sz="2000" dirty="0">
-              <a:solidFill>
-                <a:srgbClr val="000000"/>
-              </a:solidFill>
-              <a:latin typeface="Comic Sans MS" panose="030F0702030302020204" pitchFamily="66" charset="0"/>
-            </a:endParaRPr>
-          </a:p>
-          <a:p>
-            <a:pPr>
+            <a:pPr algn="just">
               <a:lnSpc>
                 <a:spcPct val="150000"/>
               </a:lnSpc>
             </a:pPr>
             <a:r>
-              <a:rPr lang="ru-RU" sz="2000" dirty="0">
+              <a:rPr lang="ru-RU" sz="2200" dirty="0">
                 <a:solidFill>
                   <a:srgbClr val="000000"/>
                 </a:solidFill>
@@ -5485,7 +5459,7 @@
               <a:t>Но несмотря на это, </a:t>
             </a:r>
             <a:r>
-              <a:rPr lang="ru-RU" sz="2000" dirty="0">
+              <a:rPr lang="ru-RU" sz="2200" dirty="0">
                 <a:latin typeface="Comic Sans MS" panose="030F0702030302020204" pitchFamily="66" charset="0"/>
               </a:rPr>
               <a:t>технология является большим шагом вперёд и постоянно развивается. </a:t>
